--- a/presentation.pptx
+++ b/presentation.pptx
@@ -4,6 +4,9 @@
   <p:sldMasterIdLst>
     <p:sldMasterId id="2147483648" r:id="rId1"/>
   </p:sldMasterIdLst>
+  <p:notesMasterIdLst>
+    <p:notesMasterId r:id="rId25"/>
+  </p:notesMasterIdLst>
   <p:sldIdLst>
     <p:sldId id="257" r:id="rId2"/>
     <p:sldId id="258" r:id="rId3"/>
@@ -17,7 +20,17 @@
     <p:sldId id="267" r:id="rId11"/>
     <p:sldId id="268" r:id="rId12"/>
     <p:sldId id="269" r:id="rId13"/>
-    <p:sldId id="256" r:id="rId14"/>
+    <p:sldId id="270" r:id="rId14"/>
+    <p:sldId id="271" r:id="rId15"/>
+    <p:sldId id="272" r:id="rId16"/>
+    <p:sldId id="273" r:id="rId17"/>
+    <p:sldId id="274" r:id="rId18"/>
+    <p:sldId id="276" r:id="rId19"/>
+    <p:sldId id="277" r:id="rId20"/>
+    <p:sldId id="278" r:id="rId21"/>
+    <p:sldId id="279" r:id="rId22"/>
+    <p:sldId id="280" r:id="rId23"/>
+    <p:sldId id="281" r:id="rId24"/>
   </p:sldIdLst>
   <p:sldSz cx="9144000" cy="6858000" type="screen4x3"/>
   <p:notesSz cx="6858000" cy="9144000"/>
@@ -117,6 +130,524 @@
     </a:lvl9pPr>
   </p:defaultTextStyle>
 </p:presentation>
+</file>
+
+<file path=ppt/notesMasters/notesMaster1.xml><?xml version="1.0" encoding="utf-8"?>
+<p:notesMaster xmlns:a="http://schemas.openxmlformats.org/drawingml/2006/main" xmlns:r="http://schemas.openxmlformats.org/officeDocument/2006/relationships" xmlns:p="http://schemas.openxmlformats.org/presentationml/2006/main">
+  <p:cSld>
+    <p:bg>
+      <p:bgRef idx="1001">
+        <a:schemeClr val="bg1"/>
+      </p:bgRef>
+    </p:bg>
+    <p:spTree>
+      <p:nvGrpSpPr>
+        <p:cNvPr id="1" name=""/>
+        <p:cNvGrpSpPr/>
+        <p:nvPr/>
+      </p:nvGrpSpPr>
+      <p:grpSpPr>
+        <a:xfrm>
+          <a:off x="0" y="0"/>
+          <a:ext cx="0" cy="0"/>
+          <a:chOff x="0" y="0"/>
+          <a:chExt cx="0" cy="0"/>
+        </a:xfrm>
+      </p:grpSpPr>
+      <p:sp>
+        <p:nvSpPr>
+          <p:cNvPr id="2" name="页眉占位符 1"/>
+          <p:cNvSpPr>
+            <a:spLocks noGrp="1"/>
+          </p:cNvSpPr>
+          <p:nvPr>
+            <p:ph type="hdr" sz="quarter"/>
+          </p:nvPr>
+        </p:nvSpPr>
+        <p:spPr>
+          <a:xfrm>
+            <a:off x="0" y="0"/>
+            <a:ext cx="2971800" cy="457200"/>
+          </a:xfrm>
+          <a:prstGeom prst="rect">
+            <a:avLst/>
+          </a:prstGeom>
+        </p:spPr>
+        <p:txBody>
+          <a:bodyPr vert="horz" lIns="91440" tIns="45720" rIns="91440" bIns="45720" rtlCol="0"/>
+          <a:lstStyle>
+            <a:lvl1pPr algn="l">
+              <a:defRPr sz="1200"/>
+            </a:lvl1pPr>
+          </a:lstStyle>
+          <a:p>
+            <a:endParaRPr kumimoji="1" lang="zh-CN" altLang="en-US"/>
+          </a:p>
+        </p:txBody>
+      </p:sp>
+      <p:sp>
+        <p:nvSpPr>
+          <p:cNvPr id="3" name="日期占位符 2"/>
+          <p:cNvSpPr>
+            <a:spLocks noGrp="1"/>
+          </p:cNvSpPr>
+          <p:nvPr>
+            <p:ph type="dt" idx="1"/>
+          </p:nvPr>
+        </p:nvSpPr>
+        <p:spPr>
+          <a:xfrm>
+            <a:off x="3884613" y="0"/>
+            <a:ext cx="2971800" cy="457200"/>
+          </a:xfrm>
+          <a:prstGeom prst="rect">
+            <a:avLst/>
+          </a:prstGeom>
+        </p:spPr>
+        <p:txBody>
+          <a:bodyPr vert="horz" lIns="91440" tIns="45720" rIns="91440" bIns="45720" rtlCol="0"/>
+          <a:lstStyle>
+            <a:lvl1pPr algn="r">
+              <a:defRPr sz="1200"/>
+            </a:lvl1pPr>
+          </a:lstStyle>
+          <a:p>
+            <a:fld id="{14AC3A8E-9765-884E-9104-79AE6739D6A6}" type="datetimeFigureOut">
+              <a:rPr kumimoji="1" lang="zh-CN" altLang="en-US" smtClean="0"/>
+              <a:t>20/04/17</a:t>
+            </a:fld>
+            <a:endParaRPr kumimoji="1" lang="zh-CN" altLang="en-US"/>
+          </a:p>
+        </p:txBody>
+      </p:sp>
+      <p:sp>
+        <p:nvSpPr>
+          <p:cNvPr id="4" name="幻灯片图像占位符 3"/>
+          <p:cNvSpPr>
+            <a:spLocks noGrp="1" noRot="1" noChangeAspect="1"/>
+          </p:cNvSpPr>
+          <p:nvPr>
+            <p:ph type="sldImg" idx="2"/>
+          </p:nvPr>
+        </p:nvSpPr>
+        <p:spPr>
+          <a:xfrm>
+            <a:off x="1143000" y="685800"/>
+            <a:ext cx="4572000" cy="3429000"/>
+          </a:xfrm>
+          <a:prstGeom prst="rect">
+            <a:avLst/>
+          </a:prstGeom>
+          <a:noFill/>
+          <a:ln w="12700">
+            <a:solidFill>
+              <a:prstClr val="black"/>
+            </a:solidFill>
+          </a:ln>
+        </p:spPr>
+        <p:txBody>
+          <a:bodyPr vert="horz" lIns="91440" tIns="45720" rIns="91440" bIns="45720" rtlCol="0" anchor="ctr"/>
+          <a:lstStyle/>
+          <a:p>
+            <a:endParaRPr lang="zh-CN" altLang="en-US"/>
+          </a:p>
+        </p:txBody>
+      </p:sp>
+      <p:sp>
+        <p:nvSpPr>
+          <p:cNvPr id="5" name="备注占位符 4"/>
+          <p:cNvSpPr>
+            <a:spLocks noGrp="1"/>
+          </p:cNvSpPr>
+          <p:nvPr>
+            <p:ph type="body" sz="quarter" idx="3"/>
+          </p:nvPr>
+        </p:nvSpPr>
+        <p:spPr>
+          <a:xfrm>
+            <a:off x="685800" y="4343400"/>
+            <a:ext cx="5486400" cy="4114800"/>
+          </a:xfrm>
+          <a:prstGeom prst="rect">
+            <a:avLst/>
+          </a:prstGeom>
+        </p:spPr>
+        <p:txBody>
+          <a:bodyPr vert="horz" lIns="91440" tIns="45720" rIns="91440" bIns="45720" rtlCol="0"/>
+          <a:lstStyle/>
+          <a:p>
+            <a:pPr lvl="0"/>
+            <a:r>
+              <a:rPr kumimoji="1" lang="zh-CN" altLang="en-US" smtClean="0"/>
+              <a:t>单击此处编辑母版文本样式</a:t>
+            </a:r>
+          </a:p>
+          <a:p>
+            <a:pPr lvl="1"/>
+            <a:r>
+              <a:rPr kumimoji="1" lang="zh-CN" altLang="en-US" smtClean="0"/>
+              <a:t>二级</a:t>
+            </a:r>
+          </a:p>
+          <a:p>
+            <a:pPr lvl="2"/>
+            <a:r>
+              <a:rPr kumimoji="1" lang="zh-CN" altLang="en-US" smtClean="0"/>
+              <a:t>三级</a:t>
+            </a:r>
+          </a:p>
+          <a:p>
+            <a:pPr lvl="3"/>
+            <a:r>
+              <a:rPr kumimoji="1" lang="zh-CN" altLang="en-US" smtClean="0"/>
+              <a:t>四级</a:t>
+            </a:r>
+          </a:p>
+          <a:p>
+            <a:pPr lvl="4"/>
+            <a:r>
+              <a:rPr kumimoji="1" lang="zh-CN" altLang="en-US" smtClean="0"/>
+              <a:t>五级</a:t>
+            </a:r>
+            <a:endParaRPr kumimoji="1" lang="zh-CN" altLang="en-US"/>
+          </a:p>
+        </p:txBody>
+      </p:sp>
+      <p:sp>
+        <p:nvSpPr>
+          <p:cNvPr id="6" name="页脚占位符 5"/>
+          <p:cNvSpPr>
+            <a:spLocks noGrp="1"/>
+          </p:cNvSpPr>
+          <p:nvPr>
+            <p:ph type="ftr" sz="quarter" idx="4"/>
+          </p:nvPr>
+        </p:nvSpPr>
+        <p:spPr>
+          <a:xfrm>
+            <a:off x="0" y="8685213"/>
+            <a:ext cx="2971800" cy="457200"/>
+          </a:xfrm>
+          <a:prstGeom prst="rect">
+            <a:avLst/>
+          </a:prstGeom>
+        </p:spPr>
+        <p:txBody>
+          <a:bodyPr vert="horz" lIns="91440" tIns="45720" rIns="91440" bIns="45720" rtlCol="0" anchor="b"/>
+          <a:lstStyle>
+            <a:lvl1pPr algn="l">
+              <a:defRPr sz="1200"/>
+            </a:lvl1pPr>
+          </a:lstStyle>
+          <a:p>
+            <a:endParaRPr kumimoji="1" lang="zh-CN" altLang="en-US"/>
+          </a:p>
+        </p:txBody>
+      </p:sp>
+      <p:sp>
+        <p:nvSpPr>
+          <p:cNvPr id="7" name="幻灯片编号占位符 6"/>
+          <p:cNvSpPr>
+            <a:spLocks noGrp="1"/>
+          </p:cNvSpPr>
+          <p:nvPr>
+            <p:ph type="sldNum" sz="quarter" idx="5"/>
+          </p:nvPr>
+        </p:nvSpPr>
+        <p:spPr>
+          <a:xfrm>
+            <a:off x="3884613" y="8685213"/>
+            <a:ext cx="2971800" cy="457200"/>
+          </a:xfrm>
+          <a:prstGeom prst="rect">
+            <a:avLst/>
+          </a:prstGeom>
+        </p:spPr>
+        <p:txBody>
+          <a:bodyPr vert="horz" lIns="91440" tIns="45720" rIns="91440" bIns="45720" rtlCol="0" anchor="b"/>
+          <a:lstStyle>
+            <a:lvl1pPr algn="r">
+              <a:defRPr sz="1200"/>
+            </a:lvl1pPr>
+          </a:lstStyle>
+          <a:p>
+            <a:fld id="{32EDDE31-387E-0A48-B745-3931E04DF012}" type="slidenum">
+              <a:rPr kumimoji="1" lang="zh-CN" altLang="en-US" smtClean="0"/>
+              <a:t>‹#›</a:t>
+            </a:fld>
+            <a:endParaRPr kumimoji="1" lang="zh-CN" altLang="en-US"/>
+          </a:p>
+        </p:txBody>
+      </p:sp>
+    </p:spTree>
+    <p:extLst>
+      <p:ext uri="{BB962C8B-B14F-4D97-AF65-F5344CB8AC3E}">
+        <p14:creationId xmlns:p14="http://schemas.microsoft.com/office/powerpoint/2010/main" val="560597889"/>
+      </p:ext>
+    </p:extLst>
+  </p:cSld>
+  <p:clrMap bg1="lt1" tx1="dk1" bg2="lt2" tx2="dk2" accent1="accent1" accent2="accent2" accent3="accent3" accent4="accent4" accent5="accent5" accent6="accent6" hlink="hlink" folHlink="folHlink"/>
+  <p:notesStyle>
+    <a:lvl1pPr marL="0" algn="l" defTabSz="457200" rtl="0" eaLnBrk="1" latinLnBrk="0" hangingPunct="1">
+      <a:defRPr sz="1200" kern="1200">
+        <a:solidFill>
+          <a:schemeClr val="tx1"/>
+        </a:solidFill>
+        <a:latin typeface="+mn-lt"/>
+        <a:ea typeface="+mn-ea"/>
+        <a:cs typeface="+mn-cs"/>
+      </a:defRPr>
+    </a:lvl1pPr>
+    <a:lvl2pPr marL="457200" algn="l" defTabSz="457200" rtl="0" eaLnBrk="1" latinLnBrk="0" hangingPunct="1">
+      <a:defRPr sz="1200" kern="1200">
+        <a:solidFill>
+          <a:schemeClr val="tx1"/>
+        </a:solidFill>
+        <a:latin typeface="+mn-lt"/>
+        <a:ea typeface="+mn-ea"/>
+        <a:cs typeface="+mn-cs"/>
+      </a:defRPr>
+    </a:lvl2pPr>
+    <a:lvl3pPr marL="914400" algn="l" defTabSz="457200" rtl="0" eaLnBrk="1" latinLnBrk="0" hangingPunct="1">
+      <a:defRPr sz="1200" kern="1200">
+        <a:solidFill>
+          <a:schemeClr val="tx1"/>
+        </a:solidFill>
+        <a:latin typeface="+mn-lt"/>
+        <a:ea typeface="+mn-ea"/>
+        <a:cs typeface="+mn-cs"/>
+      </a:defRPr>
+    </a:lvl3pPr>
+    <a:lvl4pPr marL="1371600" algn="l" defTabSz="457200" rtl="0" eaLnBrk="1" latinLnBrk="0" hangingPunct="1">
+      <a:defRPr sz="1200" kern="1200">
+        <a:solidFill>
+          <a:schemeClr val="tx1"/>
+        </a:solidFill>
+        <a:latin typeface="+mn-lt"/>
+        <a:ea typeface="+mn-ea"/>
+        <a:cs typeface="+mn-cs"/>
+      </a:defRPr>
+    </a:lvl4pPr>
+    <a:lvl5pPr marL="1828800" algn="l" defTabSz="457200" rtl="0" eaLnBrk="1" latinLnBrk="0" hangingPunct="1">
+      <a:defRPr sz="1200" kern="1200">
+        <a:solidFill>
+          <a:schemeClr val="tx1"/>
+        </a:solidFill>
+        <a:latin typeface="+mn-lt"/>
+        <a:ea typeface="+mn-ea"/>
+        <a:cs typeface="+mn-cs"/>
+      </a:defRPr>
+    </a:lvl5pPr>
+    <a:lvl6pPr marL="2286000" algn="l" defTabSz="457200" rtl="0" eaLnBrk="1" latinLnBrk="0" hangingPunct="1">
+      <a:defRPr sz="1200" kern="1200">
+        <a:solidFill>
+          <a:schemeClr val="tx1"/>
+        </a:solidFill>
+        <a:latin typeface="+mn-lt"/>
+        <a:ea typeface="+mn-ea"/>
+        <a:cs typeface="+mn-cs"/>
+      </a:defRPr>
+    </a:lvl6pPr>
+    <a:lvl7pPr marL="2743200" algn="l" defTabSz="457200" rtl="0" eaLnBrk="1" latinLnBrk="0" hangingPunct="1">
+      <a:defRPr sz="1200" kern="1200">
+        <a:solidFill>
+          <a:schemeClr val="tx1"/>
+        </a:solidFill>
+        <a:latin typeface="+mn-lt"/>
+        <a:ea typeface="+mn-ea"/>
+        <a:cs typeface="+mn-cs"/>
+      </a:defRPr>
+    </a:lvl7pPr>
+    <a:lvl8pPr marL="3200400" algn="l" defTabSz="457200" rtl="0" eaLnBrk="1" latinLnBrk="0" hangingPunct="1">
+      <a:defRPr sz="1200" kern="1200">
+        <a:solidFill>
+          <a:schemeClr val="tx1"/>
+        </a:solidFill>
+        <a:latin typeface="+mn-lt"/>
+        <a:ea typeface="+mn-ea"/>
+        <a:cs typeface="+mn-cs"/>
+      </a:defRPr>
+    </a:lvl8pPr>
+    <a:lvl9pPr marL="3657600" algn="l" defTabSz="457200" rtl="0" eaLnBrk="1" latinLnBrk="0" hangingPunct="1">
+      <a:defRPr sz="1200" kern="1200">
+        <a:solidFill>
+          <a:schemeClr val="tx1"/>
+        </a:solidFill>
+        <a:latin typeface="+mn-lt"/>
+        <a:ea typeface="+mn-ea"/>
+        <a:cs typeface="+mn-cs"/>
+      </a:defRPr>
+    </a:lvl9pPr>
+  </p:notesStyle>
+</p:notesMaster>
+</file>
+
+<file path=ppt/notesSlides/notesSlide1.xml><?xml version="1.0" encoding="utf-8"?>
+<p:notes xmlns:a="http://schemas.openxmlformats.org/drawingml/2006/main" xmlns:r="http://schemas.openxmlformats.org/officeDocument/2006/relationships" xmlns:p="http://schemas.openxmlformats.org/presentationml/2006/main">
+  <p:cSld>
+    <p:spTree>
+      <p:nvGrpSpPr>
+        <p:cNvPr id="1" name=""/>
+        <p:cNvGrpSpPr/>
+        <p:nvPr/>
+      </p:nvGrpSpPr>
+      <p:grpSpPr>
+        <a:xfrm>
+          <a:off x="0" y="0"/>
+          <a:ext cx="0" cy="0"/>
+          <a:chOff x="0" y="0"/>
+          <a:chExt cx="0" cy="0"/>
+        </a:xfrm>
+      </p:grpSpPr>
+      <p:sp>
+        <p:nvSpPr>
+          <p:cNvPr id="2" name="幻灯片图像占位符 1"/>
+          <p:cNvSpPr>
+            <a:spLocks noGrp="1" noRot="1" noChangeAspect="1"/>
+          </p:cNvSpPr>
+          <p:nvPr>
+            <p:ph type="sldImg"/>
+          </p:nvPr>
+        </p:nvSpPr>
+        <p:spPr/>
+      </p:sp>
+      <p:sp>
+        <p:nvSpPr>
+          <p:cNvPr id="3" name="备注占位符 2"/>
+          <p:cNvSpPr>
+            <a:spLocks noGrp="1"/>
+          </p:cNvSpPr>
+          <p:nvPr>
+            <p:ph type="body" idx="1"/>
+          </p:nvPr>
+        </p:nvSpPr>
+        <p:spPr/>
+        <p:txBody>
+          <a:bodyPr/>
+          <a:lstStyle/>
+          <a:p>
+            <a:endParaRPr kumimoji="1" lang="zh-CN" altLang="en-US" dirty="0"/>
+          </a:p>
+        </p:txBody>
+      </p:sp>
+      <p:sp>
+        <p:nvSpPr>
+          <p:cNvPr id="4" name="幻灯片编号占位符 3"/>
+          <p:cNvSpPr>
+            <a:spLocks noGrp="1"/>
+          </p:cNvSpPr>
+          <p:nvPr>
+            <p:ph type="sldNum" sz="quarter" idx="10"/>
+          </p:nvPr>
+        </p:nvSpPr>
+        <p:spPr/>
+        <p:txBody>
+          <a:bodyPr/>
+          <a:lstStyle/>
+          <a:p>
+            <a:fld id="{32EDDE31-387E-0A48-B745-3931E04DF012}" type="slidenum">
+              <a:rPr kumimoji="1" lang="zh-CN" altLang="en-US" smtClean="0"/>
+              <a:t>18</a:t>
+            </a:fld>
+            <a:endParaRPr kumimoji="1" lang="zh-CN" altLang="en-US"/>
+          </a:p>
+        </p:txBody>
+      </p:sp>
+    </p:spTree>
+    <p:extLst>
+      <p:ext uri="{BB962C8B-B14F-4D97-AF65-F5344CB8AC3E}">
+        <p14:creationId xmlns:p14="http://schemas.microsoft.com/office/powerpoint/2010/main" val="4002856645"/>
+      </p:ext>
+    </p:extLst>
+  </p:cSld>
+  <p:clrMapOvr>
+    <a:masterClrMapping/>
+  </p:clrMapOvr>
+</p:notes>
+</file>
+
+<file path=ppt/notesSlides/notesSlide2.xml><?xml version="1.0" encoding="utf-8"?>
+<p:notes xmlns:a="http://schemas.openxmlformats.org/drawingml/2006/main" xmlns:r="http://schemas.openxmlformats.org/officeDocument/2006/relationships" xmlns:p="http://schemas.openxmlformats.org/presentationml/2006/main">
+  <p:cSld>
+    <p:spTree>
+      <p:nvGrpSpPr>
+        <p:cNvPr id="1" name=""/>
+        <p:cNvGrpSpPr/>
+        <p:nvPr/>
+      </p:nvGrpSpPr>
+      <p:grpSpPr>
+        <a:xfrm>
+          <a:off x="0" y="0"/>
+          <a:ext cx="0" cy="0"/>
+          <a:chOff x="0" y="0"/>
+          <a:chExt cx="0" cy="0"/>
+        </a:xfrm>
+      </p:grpSpPr>
+      <p:sp>
+        <p:nvSpPr>
+          <p:cNvPr id="2" name="幻灯片图像占位符 1"/>
+          <p:cNvSpPr>
+            <a:spLocks noGrp="1" noRot="1" noChangeAspect="1"/>
+          </p:cNvSpPr>
+          <p:nvPr>
+            <p:ph type="sldImg"/>
+          </p:nvPr>
+        </p:nvSpPr>
+        <p:spPr/>
+      </p:sp>
+      <p:sp>
+        <p:nvSpPr>
+          <p:cNvPr id="3" name="备注占位符 2"/>
+          <p:cNvSpPr>
+            <a:spLocks noGrp="1"/>
+          </p:cNvSpPr>
+          <p:nvPr>
+            <p:ph type="body" idx="1"/>
+          </p:nvPr>
+        </p:nvSpPr>
+        <p:spPr/>
+        <p:txBody>
+          <a:bodyPr/>
+          <a:lstStyle/>
+          <a:p>
+            <a:endParaRPr kumimoji="1" lang="zh-CN" altLang="en-US" dirty="0"/>
+          </a:p>
+        </p:txBody>
+      </p:sp>
+      <p:sp>
+        <p:nvSpPr>
+          <p:cNvPr id="4" name="幻灯片编号占位符 3"/>
+          <p:cNvSpPr>
+            <a:spLocks noGrp="1"/>
+          </p:cNvSpPr>
+          <p:nvPr>
+            <p:ph type="sldNum" sz="quarter" idx="10"/>
+          </p:nvPr>
+        </p:nvSpPr>
+        <p:spPr/>
+        <p:txBody>
+          <a:bodyPr/>
+          <a:lstStyle/>
+          <a:p>
+            <a:fld id="{32EDDE31-387E-0A48-B745-3931E04DF012}" type="slidenum">
+              <a:rPr kumimoji="1" lang="zh-CN" altLang="en-US" smtClean="0"/>
+              <a:t>20</a:t>
+            </a:fld>
+            <a:endParaRPr kumimoji="1" lang="zh-CN" altLang="en-US"/>
+          </a:p>
+        </p:txBody>
+      </p:sp>
+    </p:spTree>
+    <p:extLst>
+      <p:ext uri="{BB962C8B-B14F-4D97-AF65-F5344CB8AC3E}">
+        <p14:creationId xmlns:p14="http://schemas.microsoft.com/office/powerpoint/2010/main" val="4002856645"/>
+      </p:ext>
+    </p:extLst>
+  </p:cSld>
+  <p:clrMapOvr>
+    <a:masterClrMapping/>
+  </p:clrMapOvr>
+</p:notes>
 </file>
 
 <file path=ppt/slideLayouts/slideLayout1.xml><?xml version="1.0" encoding="utf-8"?>
@@ -300,7 +831,7 @@
           <a:p>
             <a:fld id="{C2A21C50-4B3B-BB44-A3B7-7E04561D70E0}" type="datetimeFigureOut">
               <a:rPr kumimoji="1" lang="zh-CN" altLang="en-US" smtClean="0"/>
-              <a:t>16/04/17</a:t>
+              <a:t>20/04/17</a:t>
             </a:fld>
             <a:endParaRPr kumimoji="1" lang="zh-CN" altLang="en-US"/>
           </a:p>
@@ -470,7 +1001,7 @@
           <a:p>
             <a:fld id="{C2A21C50-4B3B-BB44-A3B7-7E04561D70E0}" type="datetimeFigureOut">
               <a:rPr kumimoji="1" lang="zh-CN" altLang="en-US" smtClean="0"/>
-              <a:t>16/04/17</a:t>
+              <a:t>20/04/17</a:t>
             </a:fld>
             <a:endParaRPr kumimoji="1" lang="zh-CN" altLang="en-US"/>
           </a:p>
@@ -650,7 +1181,7 @@
           <a:p>
             <a:fld id="{C2A21C50-4B3B-BB44-A3B7-7E04561D70E0}" type="datetimeFigureOut">
               <a:rPr kumimoji="1" lang="zh-CN" altLang="en-US" smtClean="0"/>
-              <a:t>16/04/17</a:t>
+              <a:t>20/04/17</a:t>
             </a:fld>
             <a:endParaRPr kumimoji="1" lang="zh-CN" altLang="en-US"/>
           </a:p>
@@ -820,7 +1351,7 @@
           <a:p>
             <a:fld id="{C2A21C50-4B3B-BB44-A3B7-7E04561D70E0}" type="datetimeFigureOut">
               <a:rPr kumimoji="1" lang="zh-CN" altLang="en-US" smtClean="0"/>
-              <a:t>16/04/17</a:t>
+              <a:t>20/04/17</a:t>
             </a:fld>
             <a:endParaRPr kumimoji="1" lang="zh-CN" altLang="en-US"/>
           </a:p>
@@ -1066,7 +1597,7 @@
           <a:p>
             <a:fld id="{C2A21C50-4B3B-BB44-A3B7-7E04561D70E0}" type="datetimeFigureOut">
               <a:rPr kumimoji="1" lang="zh-CN" altLang="en-US" smtClean="0"/>
-              <a:t>16/04/17</a:t>
+              <a:t>20/04/17</a:t>
             </a:fld>
             <a:endParaRPr kumimoji="1" lang="zh-CN" altLang="en-US"/>
           </a:p>
@@ -1354,7 +1885,7 @@
           <a:p>
             <a:fld id="{C2A21C50-4B3B-BB44-A3B7-7E04561D70E0}" type="datetimeFigureOut">
               <a:rPr kumimoji="1" lang="zh-CN" altLang="en-US" smtClean="0"/>
-              <a:t>16/04/17</a:t>
+              <a:t>20/04/17</a:t>
             </a:fld>
             <a:endParaRPr kumimoji="1" lang="zh-CN" altLang="en-US"/>
           </a:p>
@@ -1776,7 +2307,7 @@
           <a:p>
             <a:fld id="{C2A21C50-4B3B-BB44-A3B7-7E04561D70E0}" type="datetimeFigureOut">
               <a:rPr kumimoji="1" lang="zh-CN" altLang="en-US" smtClean="0"/>
-              <a:t>16/04/17</a:t>
+              <a:t>20/04/17</a:t>
             </a:fld>
             <a:endParaRPr kumimoji="1" lang="zh-CN" altLang="en-US"/>
           </a:p>
@@ -1894,7 +2425,7 @@
           <a:p>
             <a:fld id="{C2A21C50-4B3B-BB44-A3B7-7E04561D70E0}" type="datetimeFigureOut">
               <a:rPr kumimoji="1" lang="zh-CN" altLang="en-US" smtClean="0"/>
-              <a:t>16/04/17</a:t>
+              <a:t>20/04/17</a:t>
             </a:fld>
             <a:endParaRPr kumimoji="1" lang="zh-CN" altLang="en-US"/>
           </a:p>
@@ -1989,7 +2520,7 @@
           <a:p>
             <a:fld id="{C2A21C50-4B3B-BB44-A3B7-7E04561D70E0}" type="datetimeFigureOut">
               <a:rPr kumimoji="1" lang="zh-CN" altLang="en-US" smtClean="0"/>
-              <a:t>16/04/17</a:t>
+              <a:t>20/04/17</a:t>
             </a:fld>
             <a:endParaRPr kumimoji="1" lang="zh-CN" altLang="en-US"/>
           </a:p>
@@ -2266,7 +2797,7 @@
           <a:p>
             <a:fld id="{C2A21C50-4B3B-BB44-A3B7-7E04561D70E0}" type="datetimeFigureOut">
               <a:rPr kumimoji="1" lang="zh-CN" altLang="en-US" smtClean="0"/>
-              <a:t>16/04/17</a:t>
+              <a:t>20/04/17</a:t>
             </a:fld>
             <a:endParaRPr kumimoji="1" lang="zh-CN" altLang="en-US"/>
           </a:p>
@@ -2519,7 +3050,7 @@
           <a:p>
             <a:fld id="{C2A21C50-4B3B-BB44-A3B7-7E04561D70E0}" type="datetimeFigureOut">
               <a:rPr kumimoji="1" lang="zh-CN" altLang="en-US" smtClean="0"/>
-              <a:t>16/04/17</a:t>
+              <a:t>20/04/17</a:t>
             </a:fld>
             <a:endParaRPr kumimoji="1" lang="zh-CN" altLang="en-US"/>
           </a:p>
@@ -2732,7 +3263,7 @@
           <a:p>
             <a:fld id="{C2A21C50-4B3B-BB44-A3B7-7E04561D70E0}" type="datetimeFigureOut">
               <a:rPr kumimoji="1" lang="zh-CN" altLang="en-US" smtClean="0"/>
-              <a:t>16/04/17</a:t>
+              <a:t>20/04/17</a:t>
             </a:fld>
             <a:endParaRPr kumimoji="1" lang="zh-CN" altLang="en-US"/>
           </a:p>
@@ -12173,16 +12704,4894 @@
           <a:chExt cx="0" cy="0"/>
         </a:xfrm>
       </p:grpSpPr>
+      <p:sp>
+        <p:nvSpPr>
+          <p:cNvPr id="2" name="标题 1"/>
+          <p:cNvSpPr>
+            <a:spLocks noGrp="1"/>
+          </p:cNvSpPr>
+          <p:nvPr>
+            <p:ph type="ctrTitle"/>
+          </p:nvPr>
+        </p:nvSpPr>
+        <p:spPr>
+          <a:xfrm>
+            <a:off x="578852" y="352425"/>
+            <a:ext cx="7772400" cy="783891"/>
+          </a:xfrm>
+        </p:spPr>
+        <p:txBody>
+          <a:bodyPr/>
+          <a:lstStyle/>
+          <a:p>
+            <a:r>
+              <a:rPr kumimoji="1" lang="en-US" altLang="zh-CN" dirty="0" smtClean="0"/>
+              <a:t>CNN</a:t>
+            </a:r>
+            <a:endParaRPr kumimoji="1" lang="zh-CN" altLang="en-US" dirty="0"/>
+          </a:p>
+        </p:txBody>
+      </p:sp>
+      <p:sp>
+        <p:nvSpPr>
+          <p:cNvPr id="3" name="副标题 2"/>
+          <p:cNvSpPr>
+            <a:spLocks noGrp="1"/>
+          </p:cNvSpPr>
+          <p:nvPr>
+            <p:ph type="subTitle" idx="1"/>
+          </p:nvPr>
+        </p:nvSpPr>
+        <p:spPr>
+          <a:xfrm>
+            <a:off x="1002632" y="1376947"/>
+            <a:ext cx="6871367" cy="4826000"/>
+          </a:xfrm>
+        </p:spPr>
+        <p:txBody>
+          <a:bodyPr/>
+          <a:lstStyle/>
+          <a:p>
+            <a:pPr algn="l"/>
+            <a:r>
+              <a:rPr kumimoji="1" lang="en-US" altLang="zh-CN" sz="2000" dirty="0" smtClean="0">
+                <a:solidFill>
+                  <a:srgbClr val="000000"/>
+                </a:solidFill>
+              </a:rPr>
+              <a:t>How does Flatten work?</a:t>
+            </a:r>
+            <a:endParaRPr kumimoji="1" lang="zh-CN" altLang="en-US" dirty="0">
+              <a:solidFill>
+                <a:srgbClr val="000000"/>
+              </a:solidFill>
+            </a:endParaRPr>
+          </a:p>
+        </p:txBody>
+      </p:sp>
+      <p:sp>
+        <p:nvSpPr>
+          <p:cNvPr id="11" name="椭圆 10"/>
+          <p:cNvSpPr/>
+          <p:nvPr/>
+        </p:nvSpPr>
+        <p:spPr>
+          <a:xfrm>
+            <a:off x="4476855" y="1480969"/>
+            <a:ext cx="588211" cy="534737"/>
+          </a:xfrm>
+          <a:prstGeom prst="ellipse">
+            <a:avLst/>
+          </a:prstGeom>
+        </p:spPr>
+        <p:style>
+          <a:lnRef idx="1">
+            <a:schemeClr val="accent1"/>
+          </a:lnRef>
+          <a:fillRef idx="3">
+            <a:schemeClr val="accent1"/>
+          </a:fillRef>
+          <a:effectRef idx="2">
+            <a:schemeClr val="accent1"/>
+          </a:effectRef>
+          <a:fontRef idx="minor">
+            <a:schemeClr val="lt1"/>
+          </a:fontRef>
+        </p:style>
+        <p:txBody>
+          <a:bodyPr rtlCol="0" anchor="ctr"/>
+          <a:lstStyle/>
+          <a:p>
+            <a:pPr algn="ctr"/>
+            <a:r>
+              <a:rPr kumimoji="1" lang="en-US" altLang="zh-CN" b="1" dirty="0">
+                <a:solidFill>
+                  <a:srgbClr val="000000"/>
+                </a:solidFill>
+              </a:rPr>
+              <a:t>3</a:t>
+            </a:r>
+            <a:endParaRPr kumimoji="1" lang="zh-CN" altLang="en-US" b="1" dirty="0">
+              <a:solidFill>
+                <a:srgbClr val="000000"/>
+              </a:solidFill>
+            </a:endParaRPr>
+          </a:p>
+        </p:txBody>
+      </p:sp>
+      <p:sp>
+        <p:nvSpPr>
+          <p:cNvPr id="12" name="椭圆 11"/>
+          <p:cNvSpPr/>
+          <p:nvPr/>
+        </p:nvSpPr>
+        <p:spPr>
+          <a:xfrm>
+            <a:off x="4476855" y="2132428"/>
+            <a:ext cx="588211" cy="534737"/>
+          </a:xfrm>
+          <a:prstGeom prst="ellipse">
+            <a:avLst/>
+          </a:prstGeom>
+        </p:spPr>
+        <p:style>
+          <a:lnRef idx="1">
+            <a:schemeClr val="accent1"/>
+          </a:lnRef>
+          <a:fillRef idx="3">
+            <a:schemeClr val="accent1"/>
+          </a:fillRef>
+          <a:effectRef idx="2">
+            <a:schemeClr val="accent1"/>
+          </a:effectRef>
+          <a:fontRef idx="minor">
+            <a:schemeClr val="lt1"/>
+          </a:fontRef>
+        </p:style>
+        <p:txBody>
+          <a:bodyPr rtlCol="0" anchor="ctr"/>
+          <a:lstStyle/>
+          <a:p>
+            <a:pPr algn="ctr"/>
+            <a:r>
+              <a:rPr kumimoji="1" lang="en-US" altLang="zh-CN" b="1" dirty="0" smtClean="0">
+                <a:solidFill>
+                  <a:srgbClr val="000000"/>
+                </a:solidFill>
+              </a:rPr>
+              <a:t>0</a:t>
+            </a:r>
+            <a:endParaRPr kumimoji="1" lang="zh-CN" altLang="en-US" b="1" dirty="0">
+              <a:solidFill>
+                <a:srgbClr val="000000"/>
+              </a:solidFill>
+            </a:endParaRPr>
+          </a:p>
+        </p:txBody>
+      </p:sp>
+      <p:sp>
+        <p:nvSpPr>
+          <p:cNvPr id="15" name="椭圆 14"/>
+          <p:cNvSpPr/>
+          <p:nvPr/>
+        </p:nvSpPr>
+        <p:spPr>
+          <a:xfrm>
+            <a:off x="4476855" y="2796208"/>
+            <a:ext cx="588211" cy="534737"/>
+          </a:xfrm>
+          <a:prstGeom prst="ellipse">
+            <a:avLst/>
+          </a:prstGeom>
+        </p:spPr>
+        <p:style>
+          <a:lnRef idx="1">
+            <a:schemeClr val="accent1"/>
+          </a:lnRef>
+          <a:fillRef idx="3">
+            <a:schemeClr val="accent1"/>
+          </a:fillRef>
+          <a:effectRef idx="2">
+            <a:schemeClr val="accent1"/>
+          </a:effectRef>
+          <a:fontRef idx="minor">
+            <a:schemeClr val="lt1"/>
+          </a:fontRef>
+        </p:style>
+        <p:txBody>
+          <a:bodyPr rtlCol="0" anchor="ctr"/>
+          <a:lstStyle/>
+          <a:p>
+            <a:pPr algn="ctr"/>
+            <a:r>
+              <a:rPr kumimoji="1" lang="en-US" altLang="zh-CN" b="1" dirty="0" smtClean="0">
+                <a:solidFill>
+                  <a:srgbClr val="000000"/>
+                </a:solidFill>
+              </a:rPr>
+              <a:t>3</a:t>
+            </a:r>
+            <a:endParaRPr kumimoji="1" lang="zh-CN" altLang="en-US" b="1" dirty="0">
+              <a:solidFill>
+                <a:srgbClr val="000000"/>
+              </a:solidFill>
+            </a:endParaRPr>
+          </a:p>
+        </p:txBody>
+      </p:sp>
+      <p:sp>
+        <p:nvSpPr>
+          <p:cNvPr id="16" name="椭圆 15"/>
+          <p:cNvSpPr/>
+          <p:nvPr/>
+        </p:nvSpPr>
+        <p:spPr>
+          <a:xfrm>
+            <a:off x="4476855" y="3474409"/>
+            <a:ext cx="588211" cy="534737"/>
+          </a:xfrm>
+          <a:prstGeom prst="ellipse">
+            <a:avLst/>
+          </a:prstGeom>
+        </p:spPr>
+        <p:style>
+          <a:lnRef idx="1">
+            <a:schemeClr val="accent1"/>
+          </a:lnRef>
+          <a:fillRef idx="3">
+            <a:schemeClr val="accent1"/>
+          </a:fillRef>
+          <a:effectRef idx="2">
+            <a:schemeClr val="accent1"/>
+          </a:effectRef>
+          <a:fontRef idx="minor">
+            <a:schemeClr val="lt1"/>
+          </a:fontRef>
+        </p:style>
+        <p:txBody>
+          <a:bodyPr rtlCol="0" anchor="ctr"/>
+          <a:lstStyle/>
+          <a:p>
+            <a:pPr algn="ctr"/>
+            <a:r>
+              <a:rPr kumimoji="1" lang="en-US" altLang="zh-CN" b="1" dirty="0">
+                <a:solidFill>
+                  <a:srgbClr val="000000"/>
+                </a:solidFill>
+              </a:rPr>
+              <a:t>1</a:t>
+            </a:r>
+            <a:endParaRPr kumimoji="1" lang="zh-CN" altLang="en-US" b="1" dirty="0">
+              <a:solidFill>
+                <a:srgbClr val="000000"/>
+              </a:solidFill>
+            </a:endParaRPr>
+          </a:p>
+        </p:txBody>
+      </p:sp>
+      <p:sp>
+        <p:nvSpPr>
+          <p:cNvPr id="4" name="右箭头 3"/>
+          <p:cNvSpPr/>
+          <p:nvPr/>
+        </p:nvSpPr>
+        <p:spPr>
+          <a:xfrm>
+            <a:off x="3054698" y="3313659"/>
+            <a:ext cx="1012875" cy="466175"/>
+          </a:xfrm>
+          <a:prstGeom prst="rightArrow">
+            <a:avLst/>
+          </a:prstGeom>
+          <a:solidFill>
+            <a:schemeClr val="tx1"/>
+          </a:solidFill>
+        </p:spPr>
+        <p:style>
+          <a:lnRef idx="1">
+            <a:schemeClr val="accent1"/>
+          </a:lnRef>
+          <a:fillRef idx="3">
+            <a:schemeClr val="accent1"/>
+          </a:fillRef>
+          <a:effectRef idx="2">
+            <a:schemeClr val="accent1"/>
+          </a:effectRef>
+          <a:fontRef idx="minor">
+            <a:schemeClr val="lt1"/>
+          </a:fontRef>
+        </p:style>
+        <p:txBody>
+          <a:bodyPr rtlCol="0" anchor="ctr"/>
+          <a:lstStyle/>
+          <a:p>
+            <a:pPr algn="ctr"/>
+            <a:endParaRPr kumimoji="1" lang="zh-CN" altLang="en-US"/>
+          </a:p>
+        </p:txBody>
+      </p:sp>
+      <p:sp>
+        <p:nvSpPr>
+          <p:cNvPr id="6" name="文本框 5"/>
+          <p:cNvSpPr txBox="1"/>
+          <p:nvPr/>
+        </p:nvSpPr>
+        <p:spPr>
+          <a:xfrm>
+            <a:off x="2992038" y="3933167"/>
+            <a:ext cx="1075535" cy="461665"/>
+          </a:xfrm>
+          <a:prstGeom prst="rect">
+            <a:avLst/>
+          </a:prstGeom>
+          <a:noFill/>
+        </p:spPr>
+        <p:txBody>
+          <a:bodyPr wrap="none" rtlCol="0">
+            <a:spAutoFit/>
+          </a:bodyPr>
+          <a:lstStyle/>
+          <a:p>
+            <a:r>
+              <a:rPr kumimoji="1" lang="en-US" altLang="zh-CN" sz="2400" b="1" dirty="0" smtClean="0"/>
+              <a:t>Flatten</a:t>
+            </a:r>
+            <a:endParaRPr kumimoji="1" lang="zh-CN" altLang="en-US" sz="2400" b="1" dirty="0"/>
+          </a:p>
+        </p:txBody>
+      </p:sp>
+      <p:sp>
+        <p:nvSpPr>
+          <p:cNvPr id="30" name="椭圆 29"/>
+          <p:cNvSpPr/>
+          <p:nvPr/>
+        </p:nvSpPr>
+        <p:spPr>
+          <a:xfrm>
+            <a:off x="4476855" y="4121557"/>
+            <a:ext cx="588211" cy="534737"/>
+          </a:xfrm>
+          <a:prstGeom prst="ellipse">
+            <a:avLst/>
+          </a:prstGeom>
+          <a:solidFill>
+            <a:schemeClr val="accent2">
+              <a:lumMod val="40000"/>
+              <a:lumOff val="60000"/>
+            </a:schemeClr>
+          </a:solidFill>
+        </p:spPr>
+        <p:style>
+          <a:lnRef idx="1">
+            <a:schemeClr val="accent1"/>
+          </a:lnRef>
+          <a:fillRef idx="3">
+            <a:schemeClr val="accent1"/>
+          </a:fillRef>
+          <a:effectRef idx="2">
+            <a:schemeClr val="accent1"/>
+          </a:effectRef>
+          <a:fontRef idx="minor">
+            <a:schemeClr val="lt1"/>
+          </a:fontRef>
+        </p:style>
+        <p:txBody>
+          <a:bodyPr rtlCol="0" anchor="ctr"/>
+          <a:lstStyle/>
+          <a:p>
+            <a:pPr algn="ctr"/>
+            <a:r>
+              <a:rPr kumimoji="1" lang="en-US" altLang="zh-CN" b="1" dirty="0" smtClean="0">
+                <a:solidFill>
+                  <a:srgbClr val="000000"/>
+                </a:solidFill>
+              </a:rPr>
+              <a:t>-1</a:t>
+            </a:r>
+            <a:endParaRPr kumimoji="1" lang="zh-CN" altLang="en-US" b="1" dirty="0">
+              <a:solidFill>
+                <a:srgbClr val="000000"/>
+              </a:solidFill>
+            </a:endParaRPr>
+          </a:p>
+        </p:txBody>
+      </p:sp>
+      <p:sp>
+        <p:nvSpPr>
+          <p:cNvPr id="31" name="椭圆 30"/>
+          <p:cNvSpPr/>
+          <p:nvPr/>
+        </p:nvSpPr>
+        <p:spPr>
+          <a:xfrm>
+            <a:off x="4476855" y="4798575"/>
+            <a:ext cx="588211" cy="534737"/>
+          </a:xfrm>
+          <a:prstGeom prst="ellipse">
+            <a:avLst/>
+          </a:prstGeom>
+          <a:solidFill>
+            <a:schemeClr val="accent2">
+              <a:lumMod val="40000"/>
+              <a:lumOff val="60000"/>
+            </a:schemeClr>
+          </a:solidFill>
+        </p:spPr>
+        <p:style>
+          <a:lnRef idx="1">
+            <a:schemeClr val="accent1"/>
+          </a:lnRef>
+          <a:fillRef idx="3">
+            <a:schemeClr val="accent1"/>
+          </a:fillRef>
+          <a:effectRef idx="2">
+            <a:schemeClr val="accent1"/>
+          </a:effectRef>
+          <a:fontRef idx="minor">
+            <a:schemeClr val="lt1"/>
+          </a:fontRef>
+        </p:style>
+        <p:txBody>
+          <a:bodyPr rtlCol="0" anchor="ctr"/>
+          <a:lstStyle/>
+          <a:p>
+            <a:pPr algn="ctr"/>
+            <a:r>
+              <a:rPr kumimoji="1" lang="en-US" altLang="zh-CN" b="1" dirty="0" smtClean="0">
+                <a:solidFill>
+                  <a:srgbClr val="000000"/>
+                </a:solidFill>
+              </a:rPr>
+              <a:t>1</a:t>
+            </a:r>
+            <a:endParaRPr kumimoji="1" lang="zh-CN" altLang="en-US" b="1" dirty="0">
+              <a:solidFill>
+                <a:srgbClr val="000000"/>
+              </a:solidFill>
+            </a:endParaRPr>
+          </a:p>
+        </p:txBody>
+      </p:sp>
+      <p:sp>
+        <p:nvSpPr>
+          <p:cNvPr id="32" name="椭圆 31"/>
+          <p:cNvSpPr/>
+          <p:nvPr/>
+        </p:nvSpPr>
+        <p:spPr>
+          <a:xfrm>
+            <a:off x="4476855" y="5404899"/>
+            <a:ext cx="588211" cy="534737"/>
+          </a:xfrm>
+          <a:prstGeom prst="ellipse">
+            <a:avLst/>
+          </a:prstGeom>
+          <a:solidFill>
+            <a:schemeClr val="accent2">
+              <a:lumMod val="40000"/>
+              <a:lumOff val="60000"/>
+            </a:schemeClr>
+          </a:solidFill>
+        </p:spPr>
+        <p:style>
+          <a:lnRef idx="1">
+            <a:schemeClr val="accent1"/>
+          </a:lnRef>
+          <a:fillRef idx="3">
+            <a:schemeClr val="accent1"/>
+          </a:fillRef>
+          <a:effectRef idx="2">
+            <a:schemeClr val="accent1"/>
+          </a:effectRef>
+          <a:fontRef idx="minor">
+            <a:schemeClr val="lt1"/>
+          </a:fontRef>
+        </p:style>
+        <p:txBody>
+          <a:bodyPr rtlCol="0" anchor="ctr"/>
+          <a:lstStyle/>
+          <a:p>
+            <a:pPr algn="ctr"/>
+            <a:r>
+              <a:rPr kumimoji="1" lang="en-US" altLang="zh-CN" b="1" dirty="0" smtClean="0">
+                <a:solidFill>
+                  <a:srgbClr val="000000"/>
+                </a:solidFill>
+              </a:rPr>
+              <a:t>0</a:t>
+            </a:r>
+            <a:endParaRPr kumimoji="1" lang="zh-CN" altLang="en-US" b="1" dirty="0">
+              <a:solidFill>
+                <a:srgbClr val="000000"/>
+              </a:solidFill>
+            </a:endParaRPr>
+          </a:p>
+        </p:txBody>
+      </p:sp>
+      <p:sp>
+        <p:nvSpPr>
+          <p:cNvPr id="33" name="椭圆 32"/>
+          <p:cNvSpPr/>
+          <p:nvPr/>
+        </p:nvSpPr>
+        <p:spPr>
+          <a:xfrm>
+            <a:off x="4492932" y="6044776"/>
+            <a:ext cx="588211" cy="534737"/>
+          </a:xfrm>
+          <a:prstGeom prst="ellipse">
+            <a:avLst/>
+          </a:prstGeom>
+          <a:solidFill>
+            <a:schemeClr val="accent2">
+              <a:lumMod val="40000"/>
+              <a:lumOff val="60000"/>
+            </a:schemeClr>
+          </a:solidFill>
+        </p:spPr>
+        <p:style>
+          <a:lnRef idx="1">
+            <a:schemeClr val="accent1"/>
+          </a:lnRef>
+          <a:fillRef idx="3">
+            <a:schemeClr val="accent1"/>
+          </a:fillRef>
+          <a:effectRef idx="2">
+            <a:schemeClr val="accent1"/>
+          </a:effectRef>
+          <a:fontRef idx="minor">
+            <a:schemeClr val="lt1"/>
+          </a:fontRef>
+        </p:style>
+        <p:txBody>
+          <a:bodyPr rtlCol="0" anchor="ctr"/>
+          <a:lstStyle/>
+          <a:p>
+            <a:pPr algn="ctr"/>
+            <a:r>
+              <a:rPr kumimoji="1" lang="en-US" altLang="zh-CN" b="1" dirty="0" smtClean="0">
+                <a:solidFill>
+                  <a:srgbClr val="000000"/>
+                </a:solidFill>
+              </a:rPr>
+              <a:t>3</a:t>
+            </a:r>
+            <a:endParaRPr kumimoji="1" lang="zh-CN" altLang="en-US" b="1" dirty="0">
+              <a:solidFill>
+                <a:srgbClr val="000000"/>
+              </a:solidFill>
+            </a:endParaRPr>
+          </a:p>
+        </p:txBody>
+      </p:sp>
+      <p:sp>
+        <p:nvSpPr>
+          <p:cNvPr id="20" name="椭圆 19"/>
+          <p:cNvSpPr/>
+          <p:nvPr/>
+        </p:nvSpPr>
+        <p:spPr>
+          <a:xfrm>
+            <a:off x="1156544" y="2933723"/>
+            <a:ext cx="588211" cy="534737"/>
+          </a:xfrm>
+          <a:prstGeom prst="ellipse">
+            <a:avLst/>
+          </a:prstGeom>
+        </p:spPr>
+        <p:style>
+          <a:lnRef idx="1">
+            <a:schemeClr val="accent1"/>
+          </a:lnRef>
+          <a:fillRef idx="3">
+            <a:schemeClr val="accent1"/>
+          </a:fillRef>
+          <a:effectRef idx="2">
+            <a:schemeClr val="accent1"/>
+          </a:effectRef>
+          <a:fontRef idx="minor">
+            <a:schemeClr val="lt1"/>
+          </a:fontRef>
+        </p:style>
+        <p:txBody>
+          <a:bodyPr rtlCol="0" anchor="ctr"/>
+          <a:lstStyle/>
+          <a:p>
+            <a:pPr algn="ctr"/>
+            <a:r>
+              <a:rPr kumimoji="1" lang="en-US" altLang="zh-CN" b="1" dirty="0">
+                <a:solidFill>
+                  <a:srgbClr val="000000"/>
+                </a:solidFill>
+              </a:rPr>
+              <a:t>3</a:t>
+            </a:r>
+            <a:endParaRPr kumimoji="1" lang="zh-CN" altLang="en-US" b="1" dirty="0">
+              <a:solidFill>
+                <a:srgbClr val="000000"/>
+              </a:solidFill>
+            </a:endParaRPr>
+          </a:p>
+        </p:txBody>
+      </p:sp>
+      <p:sp>
+        <p:nvSpPr>
+          <p:cNvPr id="21" name="椭圆 20"/>
+          <p:cNvSpPr/>
+          <p:nvPr/>
+        </p:nvSpPr>
+        <p:spPr>
+          <a:xfrm>
+            <a:off x="1897155" y="2940407"/>
+            <a:ext cx="588211" cy="534737"/>
+          </a:xfrm>
+          <a:prstGeom prst="ellipse">
+            <a:avLst/>
+          </a:prstGeom>
+        </p:spPr>
+        <p:style>
+          <a:lnRef idx="1">
+            <a:schemeClr val="accent1"/>
+          </a:lnRef>
+          <a:fillRef idx="3">
+            <a:schemeClr val="accent1"/>
+          </a:fillRef>
+          <a:effectRef idx="2">
+            <a:schemeClr val="accent1"/>
+          </a:effectRef>
+          <a:fontRef idx="minor">
+            <a:schemeClr val="lt1"/>
+          </a:fontRef>
+        </p:style>
+        <p:txBody>
+          <a:bodyPr rtlCol="0" anchor="ctr"/>
+          <a:lstStyle/>
+          <a:p>
+            <a:pPr algn="ctr"/>
+            <a:r>
+              <a:rPr kumimoji="1" lang="en-US" altLang="zh-CN" b="1" dirty="0" smtClean="0">
+                <a:solidFill>
+                  <a:srgbClr val="000000"/>
+                </a:solidFill>
+              </a:rPr>
+              <a:t>0</a:t>
+            </a:r>
+            <a:endParaRPr kumimoji="1" lang="zh-CN" altLang="en-US" b="1" dirty="0">
+              <a:solidFill>
+                <a:srgbClr val="000000"/>
+              </a:solidFill>
+            </a:endParaRPr>
+          </a:p>
+        </p:txBody>
+      </p:sp>
+      <p:sp>
+        <p:nvSpPr>
+          <p:cNvPr id="22" name="椭圆 21"/>
+          <p:cNvSpPr/>
+          <p:nvPr/>
+        </p:nvSpPr>
+        <p:spPr>
+          <a:xfrm>
+            <a:off x="1161896" y="3594107"/>
+            <a:ext cx="588211" cy="534737"/>
+          </a:xfrm>
+          <a:prstGeom prst="ellipse">
+            <a:avLst/>
+          </a:prstGeom>
+        </p:spPr>
+        <p:style>
+          <a:lnRef idx="1">
+            <a:schemeClr val="accent1"/>
+          </a:lnRef>
+          <a:fillRef idx="3">
+            <a:schemeClr val="accent1"/>
+          </a:fillRef>
+          <a:effectRef idx="2">
+            <a:schemeClr val="accent1"/>
+          </a:effectRef>
+          <a:fontRef idx="minor">
+            <a:schemeClr val="lt1"/>
+          </a:fontRef>
+        </p:style>
+        <p:txBody>
+          <a:bodyPr rtlCol="0" anchor="ctr"/>
+          <a:lstStyle/>
+          <a:p>
+            <a:pPr algn="ctr"/>
+            <a:r>
+              <a:rPr kumimoji="1" lang="en-US" altLang="zh-CN" b="1" dirty="0" smtClean="0">
+                <a:solidFill>
+                  <a:srgbClr val="000000"/>
+                </a:solidFill>
+              </a:rPr>
+              <a:t>3</a:t>
+            </a:r>
+            <a:endParaRPr kumimoji="1" lang="zh-CN" altLang="en-US" b="1" dirty="0">
+              <a:solidFill>
+                <a:srgbClr val="000000"/>
+              </a:solidFill>
+            </a:endParaRPr>
+          </a:p>
+        </p:txBody>
+      </p:sp>
+      <p:sp>
+        <p:nvSpPr>
+          <p:cNvPr id="23" name="椭圆 22"/>
+          <p:cNvSpPr/>
+          <p:nvPr/>
+        </p:nvSpPr>
+        <p:spPr>
+          <a:xfrm>
+            <a:off x="1902507" y="3600791"/>
+            <a:ext cx="588211" cy="534737"/>
+          </a:xfrm>
+          <a:prstGeom prst="ellipse">
+            <a:avLst/>
+          </a:prstGeom>
+        </p:spPr>
+        <p:style>
+          <a:lnRef idx="1">
+            <a:schemeClr val="accent1"/>
+          </a:lnRef>
+          <a:fillRef idx="3">
+            <a:schemeClr val="accent1"/>
+          </a:fillRef>
+          <a:effectRef idx="2">
+            <a:schemeClr val="accent1"/>
+          </a:effectRef>
+          <a:fontRef idx="minor">
+            <a:schemeClr val="lt1"/>
+          </a:fontRef>
+        </p:style>
+        <p:txBody>
+          <a:bodyPr rtlCol="0" anchor="ctr"/>
+          <a:lstStyle/>
+          <a:p>
+            <a:pPr algn="ctr"/>
+            <a:r>
+              <a:rPr kumimoji="1" lang="en-US" altLang="zh-CN" b="1" dirty="0">
+                <a:solidFill>
+                  <a:srgbClr val="000000"/>
+                </a:solidFill>
+              </a:rPr>
+              <a:t>1</a:t>
+            </a:r>
+            <a:endParaRPr kumimoji="1" lang="zh-CN" altLang="en-US" b="1" dirty="0">
+              <a:solidFill>
+                <a:srgbClr val="000000"/>
+              </a:solidFill>
+            </a:endParaRPr>
+          </a:p>
+        </p:txBody>
+      </p:sp>
+      <p:sp>
+        <p:nvSpPr>
+          <p:cNvPr id="24" name="椭圆 23"/>
+          <p:cNvSpPr/>
+          <p:nvPr/>
+        </p:nvSpPr>
+        <p:spPr>
+          <a:xfrm>
+            <a:off x="1272854" y="3084985"/>
+            <a:ext cx="588211" cy="534737"/>
+          </a:xfrm>
+          <a:prstGeom prst="ellipse">
+            <a:avLst/>
+          </a:prstGeom>
+          <a:solidFill>
+            <a:schemeClr val="accent2">
+              <a:lumMod val="40000"/>
+              <a:lumOff val="60000"/>
+            </a:schemeClr>
+          </a:solidFill>
+        </p:spPr>
+        <p:style>
+          <a:lnRef idx="1">
+            <a:schemeClr val="accent1"/>
+          </a:lnRef>
+          <a:fillRef idx="3">
+            <a:schemeClr val="accent1"/>
+          </a:fillRef>
+          <a:effectRef idx="2">
+            <a:schemeClr val="accent1"/>
+          </a:effectRef>
+          <a:fontRef idx="minor">
+            <a:schemeClr val="lt1"/>
+          </a:fontRef>
+        </p:style>
+        <p:txBody>
+          <a:bodyPr rtlCol="0" anchor="ctr"/>
+          <a:lstStyle/>
+          <a:p>
+            <a:pPr algn="ctr"/>
+            <a:r>
+              <a:rPr kumimoji="1" lang="en-US" altLang="zh-CN" b="1" dirty="0" smtClean="0">
+                <a:solidFill>
+                  <a:srgbClr val="000000"/>
+                </a:solidFill>
+              </a:rPr>
+              <a:t>-1</a:t>
+            </a:r>
+            <a:endParaRPr kumimoji="1" lang="zh-CN" altLang="en-US" b="1" dirty="0">
+              <a:solidFill>
+                <a:srgbClr val="000000"/>
+              </a:solidFill>
+            </a:endParaRPr>
+          </a:p>
+        </p:txBody>
+      </p:sp>
+      <p:sp>
+        <p:nvSpPr>
+          <p:cNvPr id="25" name="椭圆 24"/>
+          <p:cNvSpPr/>
+          <p:nvPr/>
+        </p:nvSpPr>
+        <p:spPr>
+          <a:xfrm>
+            <a:off x="2013465" y="3091669"/>
+            <a:ext cx="588211" cy="534737"/>
+          </a:xfrm>
+          <a:prstGeom prst="ellipse">
+            <a:avLst/>
+          </a:prstGeom>
+          <a:solidFill>
+            <a:schemeClr val="accent2">
+              <a:lumMod val="40000"/>
+              <a:lumOff val="60000"/>
+            </a:schemeClr>
+          </a:solidFill>
+        </p:spPr>
+        <p:style>
+          <a:lnRef idx="1">
+            <a:schemeClr val="accent1"/>
+          </a:lnRef>
+          <a:fillRef idx="3">
+            <a:schemeClr val="accent1"/>
+          </a:fillRef>
+          <a:effectRef idx="2">
+            <a:schemeClr val="accent1"/>
+          </a:effectRef>
+          <a:fontRef idx="minor">
+            <a:schemeClr val="lt1"/>
+          </a:fontRef>
+        </p:style>
+        <p:txBody>
+          <a:bodyPr rtlCol="0" anchor="ctr"/>
+          <a:lstStyle/>
+          <a:p>
+            <a:pPr algn="ctr"/>
+            <a:r>
+              <a:rPr kumimoji="1" lang="en-US" altLang="zh-CN" b="1" dirty="0" smtClean="0">
+                <a:solidFill>
+                  <a:srgbClr val="000000"/>
+                </a:solidFill>
+              </a:rPr>
+              <a:t>1</a:t>
+            </a:r>
+            <a:endParaRPr kumimoji="1" lang="zh-CN" altLang="en-US" b="1" dirty="0">
+              <a:solidFill>
+                <a:srgbClr val="000000"/>
+              </a:solidFill>
+            </a:endParaRPr>
+          </a:p>
+        </p:txBody>
+      </p:sp>
+      <p:sp>
+        <p:nvSpPr>
+          <p:cNvPr id="26" name="椭圆 25"/>
+          <p:cNvSpPr/>
+          <p:nvPr/>
+        </p:nvSpPr>
+        <p:spPr>
+          <a:xfrm>
+            <a:off x="1278206" y="3745369"/>
+            <a:ext cx="588211" cy="534737"/>
+          </a:xfrm>
+          <a:prstGeom prst="ellipse">
+            <a:avLst/>
+          </a:prstGeom>
+          <a:solidFill>
+            <a:schemeClr val="accent2">
+              <a:lumMod val="40000"/>
+              <a:lumOff val="60000"/>
+            </a:schemeClr>
+          </a:solidFill>
+        </p:spPr>
+        <p:style>
+          <a:lnRef idx="1">
+            <a:schemeClr val="accent1"/>
+          </a:lnRef>
+          <a:fillRef idx="3">
+            <a:schemeClr val="accent1"/>
+          </a:fillRef>
+          <a:effectRef idx="2">
+            <a:schemeClr val="accent1"/>
+          </a:effectRef>
+          <a:fontRef idx="minor">
+            <a:schemeClr val="lt1"/>
+          </a:fontRef>
+        </p:style>
+        <p:txBody>
+          <a:bodyPr rtlCol="0" anchor="ctr"/>
+          <a:lstStyle/>
+          <a:p>
+            <a:pPr algn="ctr"/>
+            <a:r>
+              <a:rPr kumimoji="1" lang="en-US" altLang="zh-CN" b="1" dirty="0" smtClean="0">
+                <a:solidFill>
+                  <a:srgbClr val="000000"/>
+                </a:solidFill>
+              </a:rPr>
+              <a:t>0</a:t>
+            </a:r>
+            <a:endParaRPr kumimoji="1" lang="zh-CN" altLang="en-US" b="1" dirty="0">
+              <a:solidFill>
+                <a:srgbClr val="000000"/>
+              </a:solidFill>
+            </a:endParaRPr>
+          </a:p>
+        </p:txBody>
+      </p:sp>
+      <p:sp>
+        <p:nvSpPr>
+          <p:cNvPr id="35" name="椭圆 34"/>
+          <p:cNvSpPr/>
+          <p:nvPr/>
+        </p:nvSpPr>
+        <p:spPr>
+          <a:xfrm>
+            <a:off x="2018817" y="3752053"/>
+            <a:ext cx="588211" cy="534737"/>
+          </a:xfrm>
+          <a:prstGeom prst="ellipse">
+            <a:avLst/>
+          </a:prstGeom>
+          <a:solidFill>
+            <a:schemeClr val="accent2">
+              <a:lumMod val="40000"/>
+              <a:lumOff val="60000"/>
+            </a:schemeClr>
+          </a:solidFill>
+        </p:spPr>
+        <p:style>
+          <a:lnRef idx="1">
+            <a:schemeClr val="accent1"/>
+          </a:lnRef>
+          <a:fillRef idx="3">
+            <a:schemeClr val="accent1"/>
+          </a:fillRef>
+          <a:effectRef idx="2">
+            <a:schemeClr val="accent1"/>
+          </a:effectRef>
+          <a:fontRef idx="minor">
+            <a:schemeClr val="lt1"/>
+          </a:fontRef>
+        </p:style>
+        <p:txBody>
+          <a:bodyPr rtlCol="0" anchor="ctr"/>
+          <a:lstStyle/>
+          <a:p>
+            <a:pPr algn="ctr"/>
+            <a:r>
+              <a:rPr kumimoji="1" lang="en-US" altLang="zh-CN" b="1" dirty="0" smtClean="0">
+                <a:solidFill>
+                  <a:srgbClr val="000000"/>
+                </a:solidFill>
+              </a:rPr>
+              <a:t>3</a:t>
+            </a:r>
+            <a:endParaRPr kumimoji="1" lang="zh-CN" altLang="en-US" b="1" dirty="0">
+              <a:solidFill>
+                <a:srgbClr val="000000"/>
+              </a:solidFill>
+            </a:endParaRPr>
+          </a:p>
+        </p:txBody>
+      </p:sp>
+      <p:sp>
+        <p:nvSpPr>
+          <p:cNvPr id="36" name="右箭头 35"/>
+          <p:cNvSpPr/>
+          <p:nvPr/>
+        </p:nvSpPr>
+        <p:spPr>
+          <a:xfrm>
+            <a:off x="5361465" y="3367703"/>
+            <a:ext cx="731856" cy="466175"/>
+          </a:xfrm>
+          <a:prstGeom prst="rightArrow">
+            <a:avLst/>
+          </a:prstGeom>
+          <a:solidFill>
+            <a:schemeClr val="tx1"/>
+          </a:solidFill>
+        </p:spPr>
+        <p:style>
+          <a:lnRef idx="1">
+            <a:schemeClr val="accent1"/>
+          </a:lnRef>
+          <a:fillRef idx="3">
+            <a:schemeClr val="accent1"/>
+          </a:fillRef>
+          <a:effectRef idx="2">
+            <a:schemeClr val="accent1"/>
+          </a:effectRef>
+          <a:fontRef idx="minor">
+            <a:schemeClr val="lt1"/>
+          </a:fontRef>
+        </p:style>
+        <p:txBody>
+          <a:bodyPr rtlCol="0" anchor="ctr"/>
+          <a:lstStyle/>
+          <a:p>
+            <a:pPr algn="ctr"/>
+            <a:endParaRPr kumimoji="1" lang="zh-CN" altLang="en-US"/>
+          </a:p>
+        </p:txBody>
+      </p:sp>
+      <p:pic>
+        <p:nvPicPr>
+          <p:cNvPr id="8" name="图片 7" descr="Screen Shot 2017-04-16 at 2.59.30 PM.png"/>
+          <p:cNvPicPr>
+            <a:picLocks noChangeAspect="1"/>
+          </p:cNvPicPr>
+          <p:nvPr/>
+        </p:nvPicPr>
+        <p:blipFill>
+          <a:blip r:embed="rId2">
+            <a:extLst>
+              <a:ext uri="{28A0092B-C50C-407E-A947-70E740481C1C}">
+                <a14:useLocalDpi xmlns:a14="http://schemas.microsoft.com/office/drawing/2010/main" val="0"/>
+              </a:ext>
+            </a:extLst>
+          </a:blip>
+          <a:stretch>
+            <a:fillRect/>
+          </a:stretch>
+        </p:blipFill>
+        <p:spPr>
+          <a:xfrm>
+            <a:off x="6093321" y="2796208"/>
+            <a:ext cx="2824155" cy="1542726"/>
+          </a:xfrm>
+          <a:prstGeom prst="rect">
+            <a:avLst/>
+          </a:prstGeom>
+        </p:spPr>
+      </p:pic>
+      <p:sp>
+        <p:nvSpPr>
+          <p:cNvPr id="9" name="文本框 8"/>
+          <p:cNvSpPr txBox="1"/>
+          <p:nvPr/>
+        </p:nvSpPr>
+        <p:spPr>
+          <a:xfrm>
+            <a:off x="5414318" y="4456239"/>
+            <a:ext cx="3729682" cy="400110"/>
+          </a:xfrm>
+          <a:prstGeom prst="rect">
+            <a:avLst/>
+          </a:prstGeom>
+          <a:noFill/>
+        </p:spPr>
+        <p:txBody>
+          <a:bodyPr wrap="none" rtlCol="0">
+            <a:spAutoFit/>
+          </a:bodyPr>
+          <a:lstStyle/>
+          <a:p>
+            <a:r>
+              <a:rPr kumimoji="1" lang="en-US" altLang="zh-CN" sz="2000" b="1" dirty="0" smtClean="0"/>
+              <a:t>Fully connected forward network</a:t>
+            </a:r>
+          </a:p>
+        </p:txBody>
+      </p:sp>
     </p:spTree>
     <p:extLst>
       <p:ext uri="{BB962C8B-B14F-4D97-AF65-F5344CB8AC3E}">
-        <p14:creationId xmlns:p14="http://schemas.microsoft.com/office/powerpoint/2010/main" val="3279970535"/>
+        <p14:creationId xmlns:p14="http://schemas.microsoft.com/office/powerpoint/2010/main" val="1259465928"/>
       </p:ext>
     </p:extLst>
   </p:cSld>
   <p:clrMapOvr>
     <a:masterClrMapping/>
   </p:clrMapOvr>
+</p:sld>
+</file>
+
+<file path=ppt/slides/slide14.xml><?xml version="1.0" encoding="utf-8"?>
+<p:sld xmlns:a="http://schemas.openxmlformats.org/drawingml/2006/main" xmlns:r="http://schemas.openxmlformats.org/officeDocument/2006/relationships" xmlns:p="http://schemas.openxmlformats.org/presentationml/2006/main">
+  <p:cSld>
+    <p:spTree>
+      <p:nvGrpSpPr>
+        <p:cNvPr id="1" name=""/>
+        <p:cNvGrpSpPr/>
+        <p:nvPr/>
+      </p:nvGrpSpPr>
+      <p:grpSpPr>
+        <a:xfrm>
+          <a:off x="0" y="0"/>
+          <a:ext cx="0" cy="0"/>
+          <a:chOff x="0" y="0"/>
+          <a:chExt cx="0" cy="0"/>
+        </a:xfrm>
+      </p:grpSpPr>
+      <p:sp>
+        <p:nvSpPr>
+          <p:cNvPr id="2" name="标题 1"/>
+          <p:cNvSpPr>
+            <a:spLocks noGrp="1"/>
+          </p:cNvSpPr>
+          <p:nvPr>
+            <p:ph type="ctrTitle"/>
+          </p:nvPr>
+        </p:nvSpPr>
+        <p:spPr>
+          <a:xfrm>
+            <a:off x="578852" y="352425"/>
+            <a:ext cx="7772400" cy="783891"/>
+          </a:xfrm>
+        </p:spPr>
+        <p:txBody>
+          <a:bodyPr/>
+          <a:lstStyle/>
+          <a:p>
+            <a:r>
+              <a:rPr kumimoji="1" lang="en-US" altLang="zh-CN" dirty="0" smtClean="0"/>
+              <a:t>Example of CNN: MNIST</a:t>
+            </a:r>
+            <a:endParaRPr kumimoji="1" lang="zh-CN" altLang="en-US" dirty="0"/>
+          </a:p>
+        </p:txBody>
+      </p:sp>
+      <p:sp>
+        <p:nvSpPr>
+          <p:cNvPr id="3" name="副标题 2"/>
+          <p:cNvSpPr>
+            <a:spLocks noGrp="1"/>
+          </p:cNvSpPr>
+          <p:nvPr>
+            <p:ph type="subTitle" idx="1"/>
+          </p:nvPr>
+        </p:nvSpPr>
+        <p:spPr>
+          <a:xfrm>
+            <a:off x="1002632" y="1376947"/>
+            <a:ext cx="6871367" cy="4826000"/>
+          </a:xfrm>
+        </p:spPr>
+        <p:txBody>
+          <a:bodyPr>
+            <a:normAutofit/>
+          </a:bodyPr>
+          <a:lstStyle/>
+          <a:p>
+            <a:pPr algn="l"/>
+            <a:r>
+              <a:rPr kumimoji="1" lang="en-US" altLang="zh-CN" sz="2000" dirty="0" smtClean="0">
+                <a:solidFill>
+                  <a:srgbClr val="000000"/>
+                </a:solidFill>
+              </a:rPr>
+              <a:t>The MNIST dataset contains images of handwritten digits like below. Each image is 28 pixels by 28 pixels. It also includes labels for each image, telling us which digit it is. Next, we are going to train a model to look at images and predict which digits they are.</a:t>
+            </a:r>
+            <a:endParaRPr kumimoji="1" lang="zh-CN" altLang="en-US" sz="2000" dirty="0">
+              <a:solidFill>
+                <a:srgbClr val="000000"/>
+              </a:solidFill>
+            </a:endParaRPr>
+          </a:p>
+        </p:txBody>
+      </p:sp>
+      <p:pic>
+        <p:nvPicPr>
+          <p:cNvPr id="7" name="Picture"/>
+          <p:cNvPicPr/>
+          <p:nvPr/>
+        </p:nvPicPr>
+        <p:blipFill>
+          <a:blip r:embed="rId2"/>
+          <a:stretch>
+            <a:fillRect/>
+          </a:stretch>
+        </p:blipFill>
+        <p:spPr bwMode="auto">
+          <a:xfrm>
+            <a:off x="1002632" y="2653935"/>
+            <a:ext cx="6732517" cy="2971800"/>
+          </a:xfrm>
+          <a:prstGeom prst="rect">
+            <a:avLst/>
+          </a:prstGeom>
+          <a:noFill/>
+          <a:ln w="9525">
+            <a:noFill/>
+            <a:headEnd/>
+            <a:tailEnd/>
+          </a:ln>
+        </p:spPr>
+      </p:pic>
+    </p:spTree>
+    <p:extLst>
+      <p:ext uri="{BB962C8B-B14F-4D97-AF65-F5344CB8AC3E}">
+        <p14:creationId xmlns:p14="http://schemas.microsoft.com/office/powerpoint/2010/main" val="1775918633"/>
+      </p:ext>
+    </p:extLst>
+  </p:cSld>
+  <p:clrMapOvr>
+    <a:masterClrMapping/>
+  </p:clrMapOvr>
+</p:sld>
+</file>
+
+<file path=ppt/slides/slide15.xml><?xml version="1.0" encoding="utf-8"?>
+<p:sld xmlns:a="http://schemas.openxmlformats.org/drawingml/2006/main" xmlns:r="http://schemas.openxmlformats.org/officeDocument/2006/relationships" xmlns:p="http://schemas.openxmlformats.org/presentationml/2006/main">
+  <p:cSld>
+    <p:spTree>
+      <p:nvGrpSpPr>
+        <p:cNvPr id="1" name=""/>
+        <p:cNvGrpSpPr/>
+        <p:nvPr/>
+      </p:nvGrpSpPr>
+      <p:grpSpPr>
+        <a:xfrm>
+          <a:off x="0" y="0"/>
+          <a:ext cx="0" cy="0"/>
+          <a:chOff x="0" y="0"/>
+          <a:chExt cx="0" cy="0"/>
+        </a:xfrm>
+      </p:grpSpPr>
+      <p:sp>
+        <p:nvSpPr>
+          <p:cNvPr id="2" name="标题 1"/>
+          <p:cNvSpPr>
+            <a:spLocks noGrp="1"/>
+          </p:cNvSpPr>
+          <p:nvPr>
+            <p:ph type="ctrTitle"/>
+          </p:nvPr>
+        </p:nvSpPr>
+        <p:spPr>
+          <a:xfrm>
+            <a:off x="578852" y="352425"/>
+            <a:ext cx="7772400" cy="783891"/>
+          </a:xfrm>
+        </p:spPr>
+        <p:txBody>
+          <a:bodyPr/>
+          <a:lstStyle/>
+          <a:p>
+            <a:r>
+              <a:rPr kumimoji="1" lang="en-US" altLang="zh-CN" dirty="0" err="1" smtClean="0"/>
+              <a:t>Tensorflow</a:t>
+            </a:r>
+            <a:endParaRPr kumimoji="1" lang="zh-CN" altLang="en-US" dirty="0"/>
+          </a:p>
+        </p:txBody>
+      </p:sp>
+      <p:sp>
+        <p:nvSpPr>
+          <p:cNvPr id="3" name="副标题 2"/>
+          <p:cNvSpPr>
+            <a:spLocks noGrp="1"/>
+          </p:cNvSpPr>
+          <p:nvPr>
+            <p:ph type="subTitle" idx="1"/>
+          </p:nvPr>
+        </p:nvSpPr>
+        <p:spPr>
+          <a:xfrm>
+            <a:off x="1002632" y="1376947"/>
+            <a:ext cx="6871367" cy="4826000"/>
+          </a:xfrm>
+        </p:spPr>
+        <p:txBody>
+          <a:bodyPr>
+            <a:normAutofit/>
+          </a:bodyPr>
+          <a:lstStyle/>
+          <a:p>
+            <a:pPr algn="l"/>
+            <a:r>
+              <a:rPr kumimoji="1" lang="en-US" altLang="zh-CN" sz="2000" dirty="0" smtClean="0">
+                <a:solidFill>
+                  <a:srgbClr val="000000"/>
+                </a:solidFill>
+              </a:rPr>
+              <a:t>About </a:t>
+            </a:r>
+            <a:r>
+              <a:rPr kumimoji="1" lang="en-US" altLang="zh-CN" sz="2000" dirty="0" err="1" smtClean="0">
+                <a:solidFill>
+                  <a:srgbClr val="000000"/>
+                </a:solidFill>
+              </a:rPr>
+              <a:t>Tensorflow</a:t>
+            </a:r>
+            <a:r>
+              <a:rPr kumimoji="1" lang="en-US" altLang="zh-CN" sz="2000" dirty="0" smtClean="0">
+                <a:solidFill>
+                  <a:srgbClr val="000000"/>
+                </a:solidFill>
+              </a:rPr>
+              <a:t>:</a:t>
+            </a:r>
+            <a:endParaRPr kumimoji="1" lang="en-US" altLang="zh-CN" sz="2000" dirty="0">
+              <a:solidFill>
+                <a:srgbClr val="000000"/>
+              </a:solidFill>
+            </a:endParaRPr>
+          </a:p>
+          <a:p>
+            <a:pPr algn="l"/>
+            <a:endParaRPr kumimoji="1" lang="en-US" altLang="zh-CN" sz="2000" dirty="0" smtClean="0">
+              <a:solidFill>
+                <a:srgbClr val="000000"/>
+              </a:solidFill>
+            </a:endParaRPr>
+          </a:p>
+          <a:p>
+            <a:pPr algn="l"/>
+            <a:endParaRPr kumimoji="1" lang="en-US" altLang="zh-CN" sz="2000" dirty="0">
+              <a:solidFill>
+                <a:srgbClr val="000000"/>
+              </a:solidFill>
+            </a:endParaRPr>
+          </a:p>
+          <a:p>
+            <a:pPr marL="342900" indent="-342900" algn="l">
+              <a:buFont typeface="Arial"/>
+              <a:buChar char="•"/>
+            </a:pPr>
+            <a:r>
+              <a:rPr kumimoji="1" lang="en-US" altLang="zh-CN" sz="2000" dirty="0" err="1" smtClean="0">
+                <a:solidFill>
+                  <a:srgbClr val="000000"/>
+                </a:solidFill>
+              </a:rPr>
+              <a:t>Tensorflow</a:t>
+            </a:r>
+            <a:r>
+              <a:rPr kumimoji="1" lang="en-US" altLang="zh-CN" sz="2000" dirty="0" smtClean="0">
+                <a:solidFill>
+                  <a:srgbClr val="000000"/>
+                </a:solidFill>
+              </a:rPr>
+              <a:t> is an open source software library for numerical computation using data flow graphs. Nodes in the graph represent mathematical operations, which the graph edges represent the multidimensional data arrays (tensors) communicated between them. </a:t>
+            </a:r>
+          </a:p>
+          <a:p>
+            <a:pPr marL="342900" indent="-342900" algn="l">
+              <a:buFont typeface="Arial"/>
+              <a:buChar char="•"/>
+            </a:pPr>
+            <a:endParaRPr kumimoji="1" lang="en-US" altLang="zh-CN" sz="2000" dirty="0">
+              <a:solidFill>
+                <a:srgbClr val="000000"/>
+              </a:solidFill>
+            </a:endParaRPr>
+          </a:p>
+          <a:p>
+            <a:pPr marL="342900" indent="-342900" algn="l">
+              <a:buFont typeface="Arial"/>
+              <a:buChar char="•"/>
+            </a:pPr>
+            <a:r>
+              <a:rPr kumimoji="1" lang="en-US" altLang="zh-CN" sz="2000" dirty="0" smtClean="0">
+                <a:solidFill>
+                  <a:srgbClr val="000000"/>
+                </a:solidFill>
+              </a:rPr>
+              <a:t>It allows you to deploy computation to one or more CPUs or GPUs in d desktop, server, or mobile device with a single API. The </a:t>
+            </a:r>
+            <a:r>
+              <a:rPr kumimoji="1" lang="en-US" altLang="zh-CN" sz="2000" dirty="0" err="1">
+                <a:solidFill>
+                  <a:srgbClr val="000000"/>
+                </a:solidFill>
+              </a:rPr>
+              <a:t>T</a:t>
+            </a:r>
+            <a:r>
+              <a:rPr kumimoji="1" lang="en-US" altLang="zh-CN" sz="2000" dirty="0" err="1" smtClean="0">
+                <a:solidFill>
+                  <a:srgbClr val="000000"/>
+                </a:solidFill>
+              </a:rPr>
+              <a:t>ensorflow</a:t>
+            </a:r>
+            <a:r>
+              <a:rPr kumimoji="1" lang="en-US" altLang="zh-CN" sz="2000" dirty="0" smtClean="0">
+                <a:solidFill>
+                  <a:srgbClr val="000000"/>
+                </a:solidFill>
+              </a:rPr>
+              <a:t> package provide access to the complete </a:t>
+            </a:r>
+            <a:r>
+              <a:rPr kumimoji="1" lang="en-US" altLang="zh-CN" sz="2000" dirty="0" err="1" smtClean="0">
+                <a:solidFill>
+                  <a:srgbClr val="000000"/>
+                </a:solidFill>
+              </a:rPr>
+              <a:t>Tensorflow</a:t>
+            </a:r>
+            <a:r>
+              <a:rPr kumimoji="1" lang="en-US" altLang="zh-CN" sz="2000" dirty="0" smtClean="0">
+                <a:solidFill>
+                  <a:srgbClr val="000000"/>
+                </a:solidFill>
+              </a:rPr>
+              <a:t> API from within R. </a:t>
+            </a:r>
+          </a:p>
+        </p:txBody>
+      </p:sp>
+      <p:pic>
+        <p:nvPicPr>
+          <p:cNvPr id="4" name="图片 3" descr="logo.png"/>
+          <p:cNvPicPr>
+            <a:picLocks noChangeAspect="1"/>
+          </p:cNvPicPr>
+          <p:nvPr/>
+        </p:nvPicPr>
+        <p:blipFill>
+          <a:blip r:embed="rId2">
+            <a:extLst>
+              <a:ext uri="{28A0092B-C50C-407E-A947-70E740481C1C}">
+                <a14:useLocalDpi xmlns:a14="http://schemas.microsoft.com/office/drawing/2010/main" val="0"/>
+              </a:ext>
+            </a:extLst>
+          </a:blip>
+          <a:stretch>
+            <a:fillRect/>
+          </a:stretch>
+        </p:blipFill>
+        <p:spPr>
+          <a:xfrm>
+            <a:off x="6676108" y="0"/>
+            <a:ext cx="2395781" cy="2041859"/>
+          </a:xfrm>
+          <a:prstGeom prst="rect">
+            <a:avLst/>
+          </a:prstGeom>
+        </p:spPr>
+      </p:pic>
+    </p:spTree>
+    <p:extLst>
+      <p:ext uri="{BB962C8B-B14F-4D97-AF65-F5344CB8AC3E}">
+        <p14:creationId xmlns:p14="http://schemas.microsoft.com/office/powerpoint/2010/main" val="3925200544"/>
+      </p:ext>
+    </p:extLst>
+  </p:cSld>
+  <p:clrMapOvr>
+    <a:masterClrMapping/>
+  </p:clrMapOvr>
+</p:sld>
+</file>
+
+<file path=ppt/slides/slide16.xml><?xml version="1.0" encoding="utf-8"?>
+<p:sld xmlns:a="http://schemas.openxmlformats.org/drawingml/2006/main" xmlns:r="http://schemas.openxmlformats.org/officeDocument/2006/relationships" xmlns:p="http://schemas.openxmlformats.org/presentationml/2006/main">
+  <p:cSld>
+    <p:spTree>
+      <p:nvGrpSpPr>
+        <p:cNvPr id="1" name=""/>
+        <p:cNvGrpSpPr/>
+        <p:nvPr/>
+      </p:nvGrpSpPr>
+      <p:grpSpPr>
+        <a:xfrm>
+          <a:off x="0" y="0"/>
+          <a:ext cx="0" cy="0"/>
+          <a:chOff x="0" y="0"/>
+          <a:chExt cx="0" cy="0"/>
+        </a:xfrm>
+      </p:grpSpPr>
+      <p:sp>
+        <p:nvSpPr>
+          <p:cNvPr id="2" name="标题 1"/>
+          <p:cNvSpPr>
+            <a:spLocks noGrp="1"/>
+          </p:cNvSpPr>
+          <p:nvPr>
+            <p:ph type="ctrTitle"/>
+          </p:nvPr>
+        </p:nvSpPr>
+        <p:spPr>
+          <a:xfrm>
+            <a:off x="578852" y="352425"/>
+            <a:ext cx="7772400" cy="783891"/>
+          </a:xfrm>
+        </p:spPr>
+        <p:txBody>
+          <a:bodyPr/>
+          <a:lstStyle/>
+          <a:p>
+            <a:r>
+              <a:rPr kumimoji="1" lang="en-US" altLang="zh-CN" dirty="0" smtClean="0"/>
+              <a:t>MNIST</a:t>
+            </a:r>
+            <a:endParaRPr kumimoji="1" lang="zh-CN" altLang="en-US" dirty="0"/>
+          </a:p>
+        </p:txBody>
+      </p:sp>
+      <p:sp>
+        <p:nvSpPr>
+          <p:cNvPr id="3" name="副标题 2"/>
+          <p:cNvSpPr>
+            <a:spLocks noGrp="1"/>
+          </p:cNvSpPr>
+          <p:nvPr>
+            <p:ph type="subTitle" idx="1"/>
+          </p:nvPr>
+        </p:nvSpPr>
+        <p:spPr>
+          <a:xfrm>
+            <a:off x="1002632" y="1376947"/>
+            <a:ext cx="6871367" cy="4826000"/>
+          </a:xfrm>
+        </p:spPr>
+        <p:txBody>
+          <a:bodyPr>
+            <a:normAutofit/>
+          </a:bodyPr>
+          <a:lstStyle/>
+          <a:p>
+            <a:pPr algn="l"/>
+            <a:r>
+              <a:rPr kumimoji="1" lang="en-US" altLang="zh-CN" sz="2000" dirty="0" err="1" smtClean="0">
+                <a:solidFill>
+                  <a:schemeClr val="bg1">
+                    <a:lumMod val="50000"/>
+                  </a:schemeClr>
+                </a:solidFill>
+              </a:rPr>
+              <a:t>mnist$train$image</a:t>
+            </a:r>
+            <a:r>
+              <a:rPr kumimoji="1" lang="en-US" altLang="zh-CN" sz="2000" dirty="0" smtClean="0">
+                <a:solidFill>
+                  <a:schemeClr val="bg1">
+                    <a:lumMod val="50000"/>
+                  </a:schemeClr>
+                </a:solidFill>
+              </a:rPr>
+              <a:t> </a:t>
+            </a:r>
+            <a:r>
+              <a:rPr kumimoji="1" lang="en-US" altLang="zh-CN" sz="2000" dirty="0" smtClean="0">
+                <a:solidFill>
+                  <a:schemeClr val="tx1"/>
+                </a:solidFill>
+              </a:rPr>
+              <a:t>is a tensor (an n-dimensional array) with shape (55000L, 784L). </a:t>
+            </a:r>
+            <a:endParaRPr kumimoji="1" lang="zh-CN" altLang="en-US" sz="2000" dirty="0">
+              <a:solidFill>
+                <a:schemeClr val="bg1">
+                  <a:lumMod val="50000"/>
+                </a:schemeClr>
+              </a:solidFill>
+            </a:endParaRPr>
+          </a:p>
+        </p:txBody>
+      </p:sp>
+      <p:pic>
+        <p:nvPicPr>
+          <p:cNvPr id="4" name="图片 3" descr="mnist-train-xs.png"/>
+          <p:cNvPicPr>
+            <a:picLocks noChangeAspect="1"/>
+          </p:cNvPicPr>
+          <p:nvPr/>
+        </p:nvPicPr>
+        <p:blipFill>
+          <a:blip r:embed="rId2">
+            <a:extLst>
+              <a:ext uri="{28A0092B-C50C-407E-A947-70E740481C1C}">
+                <a14:useLocalDpi xmlns:a14="http://schemas.microsoft.com/office/drawing/2010/main" val="0"/>
+              </a:ext>
+            </a:extLst>
+          </a:blip>
+          <a:stretch>
+            <a:fillRect/>
+          </a:stretch>
+        </p:blipFill>
+        <p:spPr>
+          <a:xfrm>
+            <a:off x="1002632" y="2697627"/>
+            <a:ext cx="6848856" cy="3099816"/>
+          </a:xfrm>
+          <a:prstGeom prst="rect">
+            <a:avLst/>
+          </a:prstGeom>
+        </p:spPr>
+      </p:pic>
+    </p:spTree>
+    <p:extLst>
+      <p:ext uri="{BB962C8B-B14F-4D97-AF65-F5344CB8AC3E}">
+        <p14:creationId xmlns:p14="http://schemas.microsoft.com/office/powerpoint/2010/main" val="588707424"/>
+      </p:ext>
+    </p:extLst>
+  </p:cSld>
+  <p:clrMapOvr>
+    <a:masterClrMapping/>
+  </p:clrMapOvr>
+</p:sld>
+</file>
+
+<file path=ppt/slides/slide17.xml><?xml version="1.0" encoding="utf-8"?>
+<p:sld xmlns:a="http://schemas.openxmlformats.org/drawingml/2006/main" xmlns:r="http://schemas.openxmlformats.org/officeDocument/2006/relationships" xmlns:p="http://schemas.openxmlformats.org/presentationml/2006/main">
+  <p:cSld>
+    <p:spTree>
+      <p:nvGrpSpPr>
+        <p:cNvPr id="1" name=""/>
+        <p:cNvGrpSpPr/>
+        <p:nvPr/>
+      </p:nvGrpSpPr>
+      <p:grpSpPr>
+        <a:xfrm>
+          <a:off x="0" y="0"/>
+          <a:ext cx="0" cy="0"/>
+          <a:chOff x="0" y="0"/>
+          <a:chExt cx="0" cy="0"/>
+        </a:xfrm>
+      </p:grpSpPr>
+      <p:sp>
+        <p:nvSpPr>
+          <p:cNvPr id="2" name="标题 1"/>
+          <p:cNvSpPr>
+            <a:spLocks noGrp="1"/>
+          </p:cNvSpPr>
+          <p:nvPr>
+            <p:ph type="ctrTitle"/>
+          </p:nvPr>
+        </p:nvSpPr>
+        <p:spPr>
+          <a:xfrm>
+            <a:off x="578852" y="352425"/>
+            <a:ext cx="7772400" cy="783891"/>
+          </a:xfrm>
+        </p:spPr>
+        <p:txBody>
+          <a:bodyPr/>
+          <a:lstStyle/>
+          <a:p>
+            <a:r>
+              <a:rPr kumimoji="1" lang="en-US" altLang="zh-CN" dirty="0" smtClean="0"/>
+              <a:t>MNIST</a:t>
+            </a:r>
+            <a:endParaRPr kumimoji="1" lang="zh-CN" altLang="en-US" dirty="0"/>
+          </a:p>
+        </p:txBody>
+      </p:sp>
+      <p:sp>
+        <p:nvSpPr>
+          <p:cNvPr id="3" name="副标题 2"/>
+          <p:cNvSpPr>
+            <a:spLocks noGrp="1"/>
+          </p:cNvSpPr>
+          <p:nvPr>
+            <p:ph type="subTitle" idx="1"/>
+          </p:nvPr>
+        </p:nvSpPr>
+        <p:spPr>
+          <a:xfrm>
+            <a:off x="1002632" y="1376947"/>
+            <a:ext cx="6871367" cy="4826000"/>
+          </a:xfrm>
+        </p:spPr>
+        <p:txBody>
+          <a:bodyPr>
+            <a:normAutofit/>
+          </a:bodyPr>
+          <a:lstStyle/>
+          <a:p>
+            <a:pPr algn="l"/>
+            <a:r>
+              <a:rPr kumimoji="1" lang="en-US" altLang="zh-CN" sz="2000" dirty="0" smtClean="0">
+                <a:solidFill>
+                  <a:srgbClr val="000000"/>
+                </a:solidFill>
+              </a:rPr>
+              <a:t>The label is “one-hot vectors”. </a:t>
+            </a:r>
+          </a:p>
+          <a:p>
+            <a:pPr algn="l"/>
+            <a:r>
+              <a:rPr kumimoji="1" lang="en-US" altLang="zh-CN" sz="2000" dirty="0" smtClean="0">
+                <a:solidFill>
+                  <a:srgbClr val="000000"/>
+                </a:solidFill>
+              </a:rPr>
+              <a:t>For example, 3 would be [0,0,0,1,0,0,0,0,0,0]</a:t>
+            </a:r>
+          </a:p>
+          <a:p>
+            <a:pPr algn="l"/>
+            <a:r>
+              <a:rPr kumimoji="1" lang="en-US" altLang="zh-CN" sz="2000" dirty="0" err="1" smtClean="0">
+                <a:solidFill>
+                  <a:schemeClr val="bg1">
+                    <a:lumMod val="50000"/>
+                  </a:schemeClr>
+                </a:solidFill>
+              </a:rPr>
+              <a:t>mnist$train$labels</a:t>
+            </a:r>
+            <a:r>
+              <a:rPr kumimoji="1" lang="en-US" altLang="zh-CN" sz="2000" dirty="0" smtClean="0">
+                <a:solidFill>
+                  <a:schemeClr val="bg1">
+                    <a:lumMod val="50000"/>
+                  </a:schemeClr>
+                </a:solidFill>
+              </a:rPr>
+              <a:t> </a:t>
+            </a:r>
+            <a:r>
+              <a:rPr kumimoji="1" lang="en-US" altLang="zh-CN" sz="2000" dirty="0" smtClean="0">
+                <a:solidFill>
+                  <a:schemeClr val="tx1"/>
+                </a:solidFill>
+              </a:rPr>
+              <a:t>is a tensor with shape (55000L, 10L). </a:t>
+            </a:r>
+            <a:endParaRPr kumimoji="1" lang="zh-CN" altLang="en-US" sz="2000" dirty="0">
+              <a:solidFill>
+                <a:schemeClr val="bg1">
+                  <a:lumMod val="50000"/>
+                </a:schemeClr>
+              </a:solidFill>
+            </a:endParaRPr>
+          </a:p>
+        </p:txBody>
+      </p:sp>
+      <p:pic>
+        <p:nvPicPr>
+          <p:cNvPr id="5" name="图片 4" descr="mnist-train-ys.png"/>
+          <p:cNvPicPr>
+            <a:picLocks noChangeAspect="1"/>
+          </p:cNvPicPr>
+          <p:nvPr/>
+        </p:nvPicPr>
+        <p:blipFill>
+          <a:blip r:embed="rId2">
+            <a:extLst>
+              <a:ext uri="{28A0092B-C50C-407E-A947-70E740481C1C}">
+                <a14:useLocalDpi xmlns:a14="http://schemas.microsoft.com/office/drawing/2010/main" val="0"/>
+              </a:ext>
+            </a:extLst>
+          </a:blip>
+          <a:stretch>
+            <a:fillRect/>
+          </a:stretch>
+        </p:blipFill>
+        <p:spPr>
+          <a:xfrm>
+            <a:off x="1002632" y="3049315"/>
+            <a:ext cx="7129914" cy="2674382"/>
+          </a:xfrm>
+          <a:prstGeom prst="rect">
+            <a:avLst/>
+          </a:prstGeom>
+        </p:spPr>
+      </p:pic>
+    </p:spTree>
+    <p:extLst>
+      <p:ext uri="{BB962C8B-B14F-4D97-AF65-F5344CB8AC3E}">
+        <p14:creationId xmlns:p14="http://schemas.microsoft.com/office/powerpoint/2010/main" val="4079635843"/>
+      </p:ext>
+    </p:extLst>
+  </p:cSld>
+  <p:clrMapOvr>
+    <a:masterClrMapping/>
+  </p:clrMapOvr>
+</p:sld>
+</file>
+
+<file path=ppt/slides/slide18.xml><?xml version="1.0" encoding="utf-8"?>
+<p:sld xmlns:a="http://schemas.openxmlformats.org/drawingml/2006/main" xmlns:r="http://schemas.openxmlformats.org/officeDocument/2006/relationships" xmlns:p="http://schemas.openxmlformats.org/presentationml/2006/main">
+  <p:cSld>
+    <p:spTree>
+      <p:nvGrpSpPr>
+        <p:cNvPr id="1" name=""/>
+        <p:cNvGrpSpPr/>
+        <p:nvPr/>
+      </p:nvGrpSpPr>
+      <p:grpSpPr>
+        <a:xfrm>
+          <a:off x="0" y="0"/>
+          <a:ext cx="0" cy="0"/>
+          <a:chOff x="0" y="0"/>
+          <a:chExt cx="0" cy="0"/>
+        </a:xfrm>
+      </p:grpSpPr>
+      <p:sp>
+        <p:nvSpPr>
+          <p:cNvPr id="2" name="标题 1"/>
+          <p:cNvSpPr>
+            <a:spLocks noGrp="1"/>
+          </p:cNvSpPr>
+          <p:nvPr>
+            <p:ph type="ctrTitle"/>
+          </p:nvPr>
+        </p:nvSpPr>
+        <p:spPr>
+          <a:xfrm>
+            <a:off x="578852" y="352425"/>
+            <a:ext cx="7772400" cy="783891"/>
+          </a:xfrm>
+        </p:spPr>
+        <p:txBody>
+          <a:bodyPr/>
+          <a:lstStyle/>
+          <a:p>
+            <a:r>
+              <a:rPr kumimoji="1" lang="en-US" altLang="zh-CN" dirty="0" smtClean="0"/>
+              <a:t>MNIST</a:t>
+            </a:r>
+            <a:endParaRPr kumimoji="1" lang="zh-CN" altLang="en-US" dirty="0"/>
+          </a:p>
+        </p:txBody>
+      </p:sp>
+      <p:sp>
+        <p:nvSpPr>
+          <p:cNvPr id="3" name="副标题 2"/>
+          <p:cNvSpPr>
+            <a:spLocks noGrp="1"/>
+          </p:cNvSpPr>
+          <p:nvPr>
+            <p:ph type="subTitle" idx="1"/>
+          </p:nvPr>
+        </p:nvSpPr>
+        <p:spPr>
+          <a:xfrm>
+            <a:off x="1002632" y="1376947"/>
+            <a:ext cx="7348620" cy="4826000"/>
+          </a:xfrm>
+        </p:spPr>
+        <p:txBody>
+          <a:bodyPr>
+            <a:normAutofit/>
+          </a:bodyPr>
+          <a:lstStyle/>
+          <a:p>
+            <a:pPr algn="l"/>
+            <a:r>
+              <a:rPr kumimoji="1" lang="en-US" altLang="zh-CN" sz="2000" dirty="0" smtClean="0">
+                <a:solidFill>
+                  <a:srgbClr val="000000"/>
+                </a:solidFill>
+              </a:rPr>
+              <a:t>Why do we have 2 layers, not more?</a:t>
+            </a:r>
+          </a:p>
+          <a:p>
+            <a:pPr algn="l"/>
+            <a:r>
+              <a:rPr kumimoji="1" lang="en-US" altLang="zh-CN" sz="2000" dirty="0" smtClean="0">
+                <a:solidFill>
+                  <a:srgbClr val="000000"/>
+                </a:solidFill>
+              </a:rPr>
+              <a:t>Vanishing Gradient Problem</a:t>
+            </a:r>
+            <a:r>
+              <a:rPr kumimoji="1" lang="en-US" altLang="zh-CN" sz="2000" dirty="0" smtClean="0">
+                <a:solidFill>
+                  <a:srgbClr val="000000"/>
+                </a:solidFill>
+                <a:sym typeface="Wingdings"/>
+              </a:rPr>
+              <a:t> Deeper does not usually imply better.</a:t>
+            </a:r>
+            <a:endParaRPr kumimoji="1" lang="en-US" altLang="zh-CN" sz="2000" dirty="0" smtClean="0">
+              <a:solidFill>
+                <a:srgbClr val="000000"/>
+              </a:solidFill>
+            </a:endParaRPr>
+          </a:p>
+          <a:p>
+            <a:pPr algn="l"/>
+            <a:endParaRPr kumimoji="1" lang="zh-CN" altLang="en-US" sz="2000" dirty="0">
+              <a:solidFill>
+                <a:srgbClr val="000000"/>
+              </a:solidFill>
+            </a:endParaRPr>
+          </a:p>
+        </p:txBody>
+      </p:sp>
+      <p:sp>
+        <p:nvSpPr>
+          <p:cNvPr id="4" name="矩形 3"/>
+          <p:cNvSpPr/>
+          <p:nvPr/>
+        </p:nvSpPr>
+        <p:spPr>
+          <a:xfrm>
+            <a:off x="2200440" y="2443932"/>
+            <a:ext cx="467895" cy="454526"/>
+          </a:xfrm>
+          <a:prstGeom prst="rect">
+            <a:avLst/>
+          </a:prstGeom>
+          <a:solidFill>
+            <a:schemeClr val="accent6">
+              <a:lumMod val="60000"/>
+              <a:lumOff val="40000"/>
+            </a:schemeClr>
+          </a:solidFill>
+        </p:spPr>
+        <p:style>
+          <a:lnRef idx="1">
+            <a:schemeClr val="accent1"/>
+          </a:lnRef>
+          <a:fillRef idx="3">
+            <a:schemeClr val="accent1"/>
+          </a:fillRef>
+          <a:effectRef idx="2">
+            <a:schemeClr val="accent1"/>
+          </a:effectRef>
+          <a:fontRef idx="minor">
+            <a:schemeClr val="lt1"/>
+          </a:fontRef>
+        </p:style>
+        <p:txBody>
+          <a:bodyPr rtlCol="0" anchor="ctr"/>
+          <a:lstStyle/>
+          <a:p>
+            <a:pPr algn="ctr"/>
+            <a:r>
+              <a:rPr kumimoji="1" lang="en-US" altLang="zh-CN" b="1" dirty="0" smtClean="0">
+                <a:solidFill>
+                  <a:srgbClr val="000000"/>
+                </a:solidFill>
+              </a:rPr>
+              <a:t>X</a:t>
+            </a:r>
+            <a:r>
+              <a:rPr kumimoji="1" lang="en-US" altLang="zh-CN" sz="1200" b="1" dirty="0" smtClean="0">
+                <a:solidFill>
+                  <a:srgbClr val="000000"/>
+                </a:solidFill>
+              </a:rPr>
+              <a:t>1</a:t>
+            </a:r>
+            <a:endParaRPr kumimoji="1" lang="zh-CN" altLang="en-US" sz="1200" b="1" dirty="0">
+              <a:solidFill>
+                <a:srgbClr val="000000"/>
+              </a:solidFill>
+            </a:endParaRPr>
+          </a:p>
+        </p:txBody>
+      </p:sp>
+      <p:sp>
+        <p:nvSpPr>
+          <p:cNvPr id="6" name="矩形 5"/>
+          <p:cNvSpPr/>
+          <p:nvPr/>
+        </p:nvSpPr>
+        <p:spPr>
+          <a:xfrm>
+            <a:off x="2200440" y="3074793"/>
+            <a:ext cx="467895" cy="454526"/>
+          </a:xfrm>
+          <a:prstGeom prst="rect">
+            <a:avLst/>
+          </a:prstGeom>
+          <a:solidFill>
+            <a:schemeClr val="accent6">
+              <a:lumMod val="60000"/>
+              <a:lumOff val="40000"/>
+            </a:schemeClr>
+          </a:solidFill>
+        </p:spPr>
+        <p:style>
+          <a:lnRef idx="1">
+            <a:schemeClr val="accent1"/>
+          </a:lnRef>
+          <a:fillRef idx="3">
+            <a:schemeClr val="accent1"/>
+          </a:fillRef>
+          <a:effectRef idx="2">
+            <a:schemeClr val="accent1"/>
+          </a:effectRef>
+          <a:fontRef idx="minor">
+            <a:schemeClr val="lt1"/>
+          </a:fontRef>
+        </p:style>
+        <p:txBody>
+          <a:bodyPr rtlCol="0" anchor="ctr"/>
+          <a:lstStyle/>
+          <a:p>
+            <a:pPr algn="ctr"/>
+            <a:r>
+              <a:rPr kumimoji="1" lang="en-US" altLang="zh-CN" b="1" dirty="0" smtClean="0">
+                <a:solidFill>
+                  <a:srgbClr val="000000"/>
+                </a:solidFill>
+              </a:rPr>
+              <a:t>X</a:t>
+            </a:r>
+            <a:r>
+              <a:rPr kumimoji="1" lang="en-US" altLang="zh-CN" sz="1200" b="1" dirty="0" smtClean="0">
+                <a:solidFill>
+                  <a:srgbClr val="000000"/>
+                </a:solidFill>
+              </a:rPr>
+              <a:t>2</a:t>
+            </a:r>
+            <a:endParaRPr kumimoji="1" lang="zh-CN" altLang="en-US" sz="1200" b="1" dirty="0">
+              <a:solidFill>
+                <a:srgbClr val="000000"/>
+              </a:solidFill>
+            </a:endParaRPr>
+          </a:p>
+        </p:txBody>
+      </p:sp>
+      <p:sp>
+        <p:nvSpPr>
+          <p:cNvPr id="7" name="矩形 6"/>
+          <p:cNvSpPr/>
+          <p:nvPr/>
+        </p:nvSpPr>
+        <p:spPr>
+          <a:xfrm>
+            <a:off x="2205792" y="4291370"/>
+            <a:ext cx="467895" cy="454526"/>
+          </a:xfrm>
+          <a:prstGeom prst="rect">
+            <a:avLst/>
+          </a:prstGeom>
+          <a:solidFill>
+            <a:schemeClr val="accent6">
+              <a:lumMod val="60000"/>
+              <a:lumOff val="40000"/>
+            </a:schemeClr>
+          </a:solidFill>
+        </p:spPr>
+        <p:style>
+          <a:lnRef idx="1">
+            <a:schemeClr val="accent1"/>
+          </a:lnRef>
+          <a:fillRef idx="3">
+            <a:schemeClr val="accent1"/>
+          </a:fillRef>
+          <a:effectRef idx="2">
+            <a:schemeClr val="accent1"/>
+          </a:effectRef>
+          <a:fontRef idx="minor">
+            <a:schemeClr val="lt1"/>
+          </a:fontRef>
+        </p:style>
+        <p:txBody>
+          <a:bodyPr rtlCol="0" anchor="ctr"/>
+          <a:lstStyle/>
+          <a:p>
+            <a:pPr algn="ctr"/>
+            <a:r>
+              <a:rPr kumimoji="1" lang="en-US" altLang="zh-CN" b="1" dirty="0" smtClean="0">
+                <a:solidFill>
+                  <a:srgbClr val="000000"/>
+                </a:solidFill>
+              </a:rPr>
+              <a:t>X</a:t>
+            </a:r>
+            <a:r>
+              <a:rPr kumimoji="1" lang="en-US" altLang="zh-CN" sz="1200" b="1" dirty="0" smtClean="0">
+                <a:solidFill>
+                  <a:srgbClr val="000000"/>
+                </a:solidFill>
+              </a:rPr>
+              <a:t>N</a:t>
+            </a:r>
+            <a:endParaRPr kumimoji="1" lang="zh-CN" altLang="en-US" sz="1200" b="1" dirty="0">
+              <a:solidFill>
+                <a:srgbClr val="000000"/>
+              </a:solidFill>
+            </a:endParaRPr>
+          </a:p>
+        </p:txBody>
+      </p:sp>
+      <p:sp>
+        <p:nvSpPr>
+          <p:cNvPr id="10" name="椭圆 9"/>
+          <p:cNvSpPr/>
+          <p:nvPr/>
+        </p:nvSpPr>
+        <p:spPr>
+          <a:xfrm>
+            <a:off x="3216438" y="2443932"/>
+            <a:ext cx="508000" cy="454526"/>
+          </a:xfrm>
+          <a:prstGeom prst="ellipse">
+            <a:avLst/>
+          </a:prstGeom>
+        </p:spPr>
+        <p:style>
+          <a:lnRef idx="1">
+            <a:schemeClr val="accent1"/>
+          </a:lnRef>
+          <a:fillRef idx="3">
+            <a:schemeClr val="accent1"/>
+          </a:fillRef>
+          <a:effectRef idx="2">
+            <a:schemeClr val="accent1"/>
+          </a:effectRef>
+          <a:fontRef idx="minor">
+            <a:schemeClr val="lt1"/>
+          </a:fontRef>
+        </p:style>
+        <p:txBody>
+          <a:bodyPr rtlCol="0" anchor="ctr"/>
+          <a:lstStyle/>
+          <a:p>
+            <a:pPr algn="ctr"/>
+            <a:endParaRPr kumimoji="1" lang="zh-CN" altLang="en-US"/>
+          </a:p>
+        </p:txBody>
+      </p:sp>
+      <p:sp>
+        <p:nvSpPr>
+          <p:cNvPr id="11" name="椭圆 10"/>
+          <p:cNvSpPr/>
+          <p:nvPr/>
+        </p:nvSpPr>
+        <p:spPr>
+          <a:xfrm>
+            <a:off x="3216438" y="3050858"/>
+            <a:ext cx="508000" cy="454526"/>
+          </a:xfrm>
+          <a:prstGeom prst="ellipse">
+            <a:avLst/>
+          </a:prstGeom>
+        </p:spPr>
+        <p:style>
+          <a:lnRef idx="1">
+            <a:schemeClr val="accent1"/>
+          </a:lnRef>
+          <a:fillRef idx="3">
+            <a:schemeClr val="accent1"/>
+          </a:fillRef>
+          <a:effectRef idx="2">
+            <a:schemeClr val="accent1"/>
+          </a:effectRef>
+          <a:fontRef idx="minor">
+            <a:schemeClr val="lt1"/>
+          </a:fontRef>
+        </p:style>
+        <p:txBody>
+          <a:bodyPr rtlCol="0" anchor="ctr"/>
+          <a:lstStyle/>
+          <a:p>
+            <a:pPr algn="ctr"/>
+            <a:endParaRPr kumimoji="1" lang="zh-CN" altLang="en-US"/>
+          </a:p>
+        </p:txBody>
+      </p:sp>
+      <p:sp>
+        <p:nvSpPr>
+          <p:cNvPr id="12" name="椭圆 11"/>
+          <p:cNvSpPr/>
+          <p:nvPr/>
+        </p:nvSpPr>
+        <p:spPr>
+          <a:xfrm>
+            <a:off x="3216438" y="4291370"/>
+            <a:ext cx="508000" cy="454526"/>
+          </a:xfrm>
+          <a:prstGeom prst="ellipse">
+            <a:avLst/>
+          </a:prstGeom>
+        </p:spPr>
+        <p:style>
+          <a:lnRef idx="1">
+            <a:schemeClr val="accent1"/>
+          </a:lnRef>
+          <a:fillRef idx="3">
+            <a:schemeClr val="accent1"/>
+          </a:fillRef>
+          <a:effectRef idx="2">
+            <a:schemeClr val="accent1"/>
+          </a:effectRef>
+          <a:fontRef idx="minor">
+            <a:schemeClr val="lt1"/>
+          </a:fontRef>
+        </p:style>
+        <p:txBody>
+          <a:bodyPr rtlCol="0" anchor="ctr"/>
+          <a:lstStyle/>
+          <a:p>
+            <a:pPr algn="ctr"/>
+            <a:endParaRPr kumimoji="1" lang="zh-CN" altLang="en-US"/>
+          </a:p>
+        </p:txBody>
+      </p:sp>
+      <p:sp>
+        <p:nvSpPr>
+          <p:cNvPr id="16" name="椭圆 15"/>
+          <p:cNvSpPr/>
+          <p:nvPr/>
+        </p:nvSpPr>
+        <p:spPr>
+          <a:xfrm>
+            <a:off x="4251156" y="2443932"/>
+            <a:ext cx="508000" cy="454526"/>
+          </a:xfrm>
+          <a:prstGeom prst="ellipse">
+            <a:avLst/>
+          </a:prstGeom>
+          <a:solidFill>
+            <a:schemeClr val="accent4">
+              <a:lumMod val="40000"/>
+              <a:lumOff val="60000"/>
+            </a:schemeClr>
+          </a:solidFill>
+        </p:spPr>
+        <p:style>
+          <a:lnRef idx="1">
+            <a:schemeClr val="accent1"/>
+          </a:lnRef>
+          <a:fillRef idx="3">
+            <a:schemeClr val="accent1"/>
+          </a:fillRef>
+          <a:effectRef idx="2">
+            <a:schemeClr val="accent1"/>
+          </a:effectRef>
+          <a:fontRef idx="minor">
+            <a:schemeClr val="lt1"/>
+          </a:fontRef>
+        </p:style>
+        <p:txBody>
+          <a:bodyPr rtlCol="0" anchor="ctr"/>
+          <a:lstStyle/>
+          <a:p>
+            <a:pPr algn="ctr"/>
+            <a:endParaRPr kumimoji="1" lang="zh-CN" altLang="en-US"/>
+          </a:p>
+        </p:txBody>
+      </p:sp>
+      <p:sp>
+        <p:nvSpPr>
+          <p:cNvPr id="17" name="椭圆 16"/>
+          <p:cNvSpPr/>
+          <p:nvPr/>
+        </p:nvSpPr>
+        <p:spPr>
+          <a:xfrm>
+            <a:off x="4251156" y="3029506"/>
+            <a:ext cx="508000" cy="454526"/>
+          </a:xfrm>
+          <a:prstGeom prst="ellipse">
+            <a:avLst/>
+          </a:prstGeom>
+          <a:solidFill>
+            <a:schemeClr val="accent4">
+              <a:lumMod val="40000"/>
+              <a:lumOff val="60000"/>
+            </a:schemeClr>
+          </a:solidFill>
+        </p:spPr>
+        <p:style>
+          <a:lnRef idx="1">
+            <a:schemeClr val="accent1"/>
+          </a:lnRef>
+          <a:fillRef idx="3">
+            <a:schemeClr val="accent1"/>
+          </a:fillRef>
+          <a:effectRef idx="2">
+            <a:schemeClr val="accent1"/>
+          </a:effectRef>
+          <a:fontRef idx="minor">
+            <a:schemeClr val="lt1"/>
+          </a:fontRef>
+        </p:style>
+        <p:txBody>
+          <a:bodyPr rtlCol="0" anchor="ctr"/>
+          <a:lstStyle/>
+          <a:p>
+            <a:pPr algn="ctr"/>
+            <a:endParaRPr kumimoji="1" lang="zh-CN" altLang="en-US"/>
+          </a:p>
+        </p:txBody>
+      </p:sp>
+      <p:sp>
+        <p:nvSpPr>
+          <p:cNvPr id="18" name="椭圆 17"/>
+          <p:cNvSpPr/>
+          <p:nvPr/>
+        </p:nvSpPr>
+        <p:spPr>
+          <a:xfrm>
+            <a:off x="4251156" y="4270018"/>
+            <a:ext cx="508000" cy="454526"/>
+          </a:xfrm>
+          <a:prstGeom prst="ellipse">
+            <a:avLst/>
+          </a:prstGeom>
+          <a:solidFill>
+            <a:schemeClr val="accent4">
+              <a:lumMod val="40000"/>
+              <a:lumOff val="60000"/>
+            </a:schemeClr>
+          </a:solidFill>
+        </p:spPr>
+        <p:style>
+          <a:lnRef idx="1">
+            <a:schemeClr val="accent1"/>
+          </a:lnRef>
+          <a:fillRef idx="3">
+            <a:schemeClr val="accent1"/>
+          </a:fillRef>
+          <a:effectRef idx="2">
+            <a:schemeClr val="accent1"/>
+          </a:effectRef>
+          <a:fontRef idx="minor">
+            <a:schemeClr val="lt1"/>
+          </a:fontRef>
+        </p:style>
+        <p:txBody>
+          <a:bodyPr rtlCol="0" anchor="ctr"/>
+          <a:lstStyle/>
+          <a:p>
+            <a:pPr algn="ctr"/>
+            <a:endParaRPr kumimoji="1" lang="zh-CN" altLang="en-US"/>
+          </a:p>
+        </p:txBody>
+      </p:sp>
+      <p:sp>
+        <p:nvSpPr>
+          <p:cNvPr id="22" name="椭圆 21"/>
+          <p:cNvSpPr/>
+          <p:nvPr/>
+        </p:nvSpPr>
+        <p:spPr>
+          <a:xfrm>
+            <a:off x="6371393" y="2422580"/>
+            <a:ext cx="508000" cy="454526"/>
+          </a:xfrm>
+          <a:prstGeom prst="ellipse">
+            <a:avLst/>
+          </a:prstGeom>
+          <a:solidFill>
+            <a:schemeClr val="accent2">
+              <a:lumMod val="60000"/>
+              <a:lumOff val="40000"/>
+            </a:schemeClr>
+          </a:solidFill>
+        </p:spPr>
+        <p:style>
+          <a:lnRef idx="1">
+            <a:schemeClr val="accent1"/>
+          </a:lnRef>
+          <a:fillRef idx="3">
+            <a:schemeClr val="accent1"/>
+          </a:fillRef>
+          <a:effectRef idx="2">
+            <a:schemeClr val="accent1"/>
+          </a:effectRef>
+          <a:fontRef idx="minor">
+            <a:schemeClr val="lt1"/>
+          </a:fontRef>
+        </p:style>
+        <p:txBody>
+          <a:bodyPr rot="0" spcFirstLastPara="0" vert="horz" wrap="square" lIns="91440" tIns="45720" rIns="91440" bIns="45720" numCol="1" spcCol="0" rtlCol="0" fromWordArt="0" anchor="ctr" anchorCtr="0" forceAA="0" compatLnSpc="1">
+            <a:prstTxWarp prst="textNoShape">
+              <a:avLst/>
+            </a:prstTxWarp>
+            <a:noAutofit/>
+          </a:bodyPr>
+          <a:lstStyle>
+            <a:defPPr>
+              <a:defRPr lang="zh-CN"/>
+            </a:defPPr>
+            <a:lvl1pPr marL="0" algn="l" defTabSz="457200" rtl="0" eaLnBrk="1" latinLnBrk="0" hangingPunct="1">
+              <a:defRPr sz="1800" kern="1200">
+                <a:solidFill>
+                  <a:schemeClr val="lt1"/>
+                </a:solidFill>
+                <a:latin typeface="+mn-lt"/>
+                <a:ea typeface="+mn-ea"/>
+                <a:cs typeface="+mn-cs"/>
+              </a:defRPr>
+            </a:lvl1pPr>
+            <a:lvl2pPr marL="457200" algn="l" defTabSz="457200" rtl="0" eaLnBrk="1" latinLnBrk="0" hangingPunct="1">
+              <a:defRPr sz="1800" kern="1200">
+                <a:solidFill>
+                  <a:schemeClr val="lt1"/>
+                </a:solidFill>
+                <a:latin typeface="+mn-lt"/>
+                <a:ea typeface="+mn-ea"/>
+                <a:cs typeface="+mn-cs"/>
+              </a:defRPr>
+            </a:lvl2pPr>
+            <a:lvl3pPr marL="914400" algn="l" defTabSz="457200" rtl="0" eaLnBrk="1" latinLnBrk="0" hangingPunct="1">
+              <a:defRPr sz="1800" kern="1200">
+                <a:solidFill>
+                  <a:schemeClr val="lt1"/>
+                </a:solidFill>
+                <a:latin typeface="+mn-lt"/>
+                <a:ea typeface="+mn-ea"/>
+                <a:cs typeface="+mn-cs"/>
+              </a:defRPr>
+            </a:lvl3pPr>
+            <a:lvl4pPr marL="1371600" algn="l" defTabSz="457200" rtl="0" eaLnBrk="1" latinLnBrk="0" hangingPunct="1">
+              <a:defRPr sz="1800" kern="1200">
+                <a:solidFill>
+                  <a:schemeClr val="lt1"/>
+                </a:solidFill>
+                <a:latin typeface="+mn-lt"/>
+                <a:ea typeface="+mn-ea"/>
+                <a:cs typeface="+mn-cs"/>
+              </a:defRPr>
+            </a:lvl4pPr>
+            <a:lvl5pPr marL="1828800" algn="l" defTabSz="457200" rtl="0" eaLnBrk="1" latinLnBrk="0" hangingPunct="1">
+              <a:defRPr sz="1800" kern="1200">
+                <a:solidFill>
+                  <a:schemeClr val="lt1"/>
+                </a:solidFill>
+                <a:latin typeface="+mn-lt"/>
+                <a:ea typeface="+mn-ea"/>
+                <a:cs typeface="+mn-cs"/>
+              </a:defRPr>
+            </a:lvl5pPr>
+            <a:lvl6pPr marL="2286000" algn="l" defTabSz="457200" rtl="0" eaLnBrk="1" latinLnBrk="0" hangingPunct="1">
+              <a:defRPr sz="1800" kern="1200">
+                <a:solidFill>
+                  <a:schemeClr val="lt1"/>
+                </a:solidFill>
+                <a:latin typeface="+mn-lt"/>
+                <a:ea typeface="+mn-ea"/>
+                <a:cs typeface="+mn-cs"/>
+              </a:defRPr>
+            </a:lvl6pPr>
+            <a:lvl7pPr marL="2743200" algn="l" defTabSz="457200" rtl="0" eaLnBrk="1" latinLnBrk="0" hangingPunct="1">
+              <a:defRPr sz="1800" kern="1200">
+                <a:solidFill>
+                  <a:schemeClr val="lt1"/>
+                </a:solidFill>
+                <a:latin typeface="+mn-lt"/>
+                <a:ea typeface="+mn-ea"/>
+                <a:cs typeface="+mn-cs"/>
+              </a:defRPr>
+            </a:lvl7pPr>
+            <a:lvl8pPr marL="3200400" algn="l" defTabSz="457200" rtl="0" eaLnBrk="1" latinLnBrk="0" hangingPunct="1">
+              <a:defRPr sz="1800" kern="1200">
+                <a:solidFill>
+                  <a:schemeClr val="lt1"/>
+                </a:solidFill>
+                <a:latin typeface="+mn-lt"/>
+                <a:ea typeface="+mn-ea"/>
+                <a:cs typeface="+mn-cs"/>
+              </a:defRPr>
+            </a:lvl8pPr>
+            <a:lvl9pPr marL="3657600" algn="l" defTabSz="457200" rtl="0" eaLnBrk="1" latinLnBrk="0" hangingPunct="1">
+              <a:defRPr sz="1800" kern="1200">
+                <a:solidFill>
+                  <a:schemeClr val="lt1"/>
+                </a:solidFill>
+                <a:latin typeface="+mn-lt"/>
+                <a:ea typeface="+mn-ea"/>
+                <a:cs typeface="+mn-cs"/>
+              </a:defRPr>
+            </a:lvl9pPr>
+          </a:lstStyle>
+          <a:p>
+            <a:pPr algn="ctr"/>
+            <a:endParaRPr kumimoji="1" lang="zh-CN" altLang="en-US"/>
+          </a:p>
+        </p:txBody>
+      </p:sp>
+      <p:sp>
+        <p:nvSpPr>
+          <p:cNvPr id="23" name="椭圆 22"/>
+          <p:cNvSpPr/>
+          <p:nvPr/>
+        </p:nvSpPr>
+        <p:spPr>
+          <a:xfrm>
+            <a:off x="6371393" y="3029506"/>
+            <a:ext cx="508000" cy="454526"/>
+          </a:xfrm>
+          <a:prstGeom prst="ellipse">
+            <a:avLst/>
+          </a:prstGeom>
+          <a:solidFill>
+            <a:schemeClr val="accent2">
+              <a:lumMod val="60000"/>
+              <a:lumOff val="40000"/>
+            </a:schemeClr>
+          </a:solidFill>
+        </p:spPr>
+        <p:style>
+          <a:lnRef idx="1">
+            <a:schemeClr val="accent1"/>
+          </a:lnRef>
+          <a:fillRef idx="3">
+            <a:schemeClr val="accent1"/>
+          </a:fillRef>
+          <a:effectRef idx="2">
+            <a:schemeClr val="accent1"/>
+          </a:effectRef>
+          <a:fontRef idx="minor">
+            <a:schemeClr val="lt1"/>
+          </a:fontRef>
+        </p:style>
+        <p:txBody>
+          <a:bodyPr rot="0" spcFirstLastPara="0" vert="horz" wrap="square" lIns="91440" tIns="45720" rIns="91440" bIns="45720" numCol="1" spcCol="0" rtlCol="0" fromWordArt="0" anchor="ctr" anchorCtr="0" forceAA="0" compatLnSpc="1">
+            <a:prstTxWarp prst="textNoShape">
+              <a:avLst/>
+            </a:prstTxWarp>
+            <a:noAutofit/>
+          </a:bodyPr>
+          <a:lstStyle>
+            <a:defPPr>
+              <a:defRPr lang="zh-CN"/>
+            </a:defPPr>
+            <a:lvl1pPr marL="0" algn="l" defTabSz="457200" rtl="0" eaLnBrk="1" latinLnBrk="0" hangingPunct="1">
+              <a:defRPr sz="1800" kern="1200">
+                <a:solidFill>
+                  <a:schemeClr val="lt1"/>
+                </a:solidFill>
+                <a:latin typeface="+mn-lt"/>
+                <a:ea typeface="+mn-ea"/>
+                <a:cs typeface="+mn-cs"/>
+              </a:defRPr>
+            </a:lvl1pPr>
+            <a:lvl2pPr marL="457200" algn="l" defTabSz="457200" rtl="0" eaLnBrk="1" latinLnBrk="0" hangingPunct="1">
+              <a:defRPr sz="1800" kern="1200">
+                <a:solidFill>
+                  <a:schemeClr val="lt1"/>
+                </a:solidFill>
+                <a:latin typeface="+mn-lt"/>
+                <a:ea typeface="+mn-ea"/>
+                <a:cs typeface="+mn-cs"/>
+              </a:defRPr>
+            </a:lvl2pPr>
+            <a:lvl3pPr marL="914400" algn="l" defTabSz="457200" rtl="0" eaLnBrk="1" latinLnBrk="0" hangingPunct="1">
+              <a:defRPr sz="1800" kern="1200">
+                <a:solidFill>
+                  <a:schemeClr val="lt1"/>
+                </a:solidFill>
+                <a:latin typeface="+mn-lt"/>
+                <a:ea typeface="+mn-ea"/>
+                <a:cs typeface="+mn-cs"/>
+              </a:defRPr>
+            </a:lvl3pPr>
+            <a:lvl4pPr marL="1371600" algn="l" defTabSz="457200" rtl="0" eaLnBrk="1" latinLnBrk="0" hangingPunct="1">
+              <a:defRPr sz="1800" kern="1200">
+                <a:solidFill>
+                  <a:schemeClr val="lt1"/>
+                </a:solidFill>
+                <a:latin typeface="+mn-lt"/>
+                <a:ea typeface="+mn-ea"/>
+                <a:cs typeface="+mn-cs"/>
+              </a:defRPr>
+            </a:lvl4pPr>
+            <a:lvl5pPr marL="1828800" algn="l" defTabSz="457200" rtl="0" eaLnBrk="1" latinLnBrk="0" hangingPunct="1">
+              <a:defRPr sz="1800" kern="1200">
+                <a:solidFill>
+                  <a:schemeClr val="lt1"/>
+                </a:solidFill>
+                <a:latin typeface="+mn-lt"/>
+                <a:ea typeface="+mn-ea"/>
+                <a:cs typeface="+mn-cs"/>
+              </a:defRPr>
+            </a:lvl5pPr>
+            <a:lvl6pPr marL="2286000" algn="l" defTabSz="457200" rtl="0" eaLnBrk="1" latinLnBrk="0" hangingPunct="1">
+              <a:defRPr sz="1800" kern="1200">
+                <a:solidFill>
+                  <a:schemeClr val="lt1"/>
+                </a:solidFill>
+                <a:latin typeface="+mn-lt"/>
+                <a:ea typeface="+mn-ea"/>
+                <a:cs typeface="+mn-cs"/>
+              </a:defRPr>
+            </a:lvl6pPr>
+            <a:lvl7pPr marL="2743200" algn="l" defTabSz="457200" rtl="0" eaLnBrk="1" latinLnBrk="0" hangingPunct="1">
+              <a:defRPr sz="1800" kern="1200">
+                <a:solidFill>
+                  <a:schemeClr val="lt1"/>
+                </a:solidFill>
+                <a:latin typeface="+mn-lt"/>
+                <a:ea typeface="+mn-ea"/>
+                <a:cs typeface="+mn-cs"/>
+              </a:defRPr>
+            </a:lvl7pPr>
+            <a:lvl8pPr marL="3200400" algn="l" defTabSz="457200" rtl="0" eaLnBrk="1" latinLnBrk="0" hangingPunct="1">
+              <a:defRPr sz="1800" kern="1200">
+                <a:solidFill>
+                  <a:schemeClr val="lt1"/>
+                </a:solidFill>
+                <a:latin typeface="+mn-lt"/>
+                <a:ea typeface="+mn-ea"/>
+                <a:cs typeface="+mn-cs"/>
+              </a:defRPr>
+            </a:lvl8pPr>
+            <a:lvl9pPr marL="3657600" algn="l" defTabSz="457200" rtl="0" eaLnBrk="1" latinLnBrk="0" hangingPunct="1">
+              <a:defRPr sz="1800" kern="1200">
+                <a:solidFill>
+                  <a:schemeClr val="lt1"/>
+                </a:solidFill>
+                <a:latin typeface="+mn-lt"/>
+                <a:ea typeface="+mn-ea"/>
+                <a:cs typeface="+mn-cs"/>
+              </a:defRPr>
+            </a:lvl9pPr>
+          </a:lstStyle>
+          <a:p>
+            <a:pPr algn="ctr"/>
+            <a:endParaRPr kumimoji="1" lang="zh-CN" altLang="en-US"/>
+          </a:p>
+        </p:txBody>
+      </p:sp>
+      <p:sp>
+        <p:nvSpPr>
+          <p:cNvPr id="24" name="椭圆 23"/>
+          <p:cNvSpPr/>
+          <p:nvPr/>
+        </p:nvSpPr>
+        <p:spPr>
+          <a:xfrm>
+            <a:off x="6371393" y="4270018"/>
+            <a:ext cx="508000" cy="454526"/>
+          </a:xfrm>
+          <a:prstGeom prst="ellipse">
+            <a:avLst/>
+          </a:prstGeom>
+          <a:solidFill>
+            <a:schemeClr val="accent2">
+              <a:lumMod val="60000"/>
+              <a:lumOff val="40000"/>
+            </a:schemeClr>
+          </a:solidFill>
+        </p:spPr>
+        <p:style>
+          <a:lnRef idx="1">
+            <a:schemeClr val="accent1"/>
+          </a:lnRef>
+          <a:fillRef idx="3">
+            <a:schemeClr val="accent1"/>
+          </a:fillRef>
+          <a:effectRef idx="2">
+            <a:schemeClr val="accent1"/>
+          </a:effectRef>
+          <a:fontRef idx="minor">
+            <a:schemeClr val="lt1"/>
+          </a:fontRef>
+        </p:style>
+        <p:txBody>
+          <a:bodyPr rot="0" spcFirstLastPara="0" vert="horz" wrap="square" lIns="91440" tIns="45720" rIns="91440" bIns="45720" numCol="1" spcCol="0" rtlCol="0" fromWordArt="0" anchor="ctr" anchorCtr="0" forceAA="0" compatLnSpc="1">
+            <a:prstTxWarp prst="textNoShape">
+              <a:avLst/>
+            </a:prstTxWarp>
+            <a:noAutofit/>
+          </a:bodyPr>
+          <a:lstStyle>
+            <a:defPPr>
+              <a:defRPr lang="zh-CN"/>
+            </a:defPPr>
+            <a:lvl1pPr marL="0" algn="l" defTabSz="457200" rtl="0" eaLnBrk="1" latinLnBrk="0" hangingPunct="1">
+              <a:defRPr sz="1800" kern="1200">
+                <a:solidFill>
+                  <a:schemeClr val="lt1"/>
+                </a:solidFill>
+                <a:latin typeface="+mn-lt"/>
+                <a:ea typeface="+mn-ea"/>
+                <a:cs typeface="+mn-cs"/>
+              </a:defRPr>
+            </a:lvl1pPr>
+            <a:lvl2pPr marL="457200" algn="l" defTabSz="457200" rtl="0" eaLnBrk="1" latinLnBrk="0" hangingPunct="1">
+              <a:defRPr sz="1800" kern="1200">
+                <a:solidFill>
+                  <a:schemeClr val="lt1"/>
+                </a:solidFill>
+                <a:latin typeface="+mn-lt"/>
+                <a:ea typeface="+mn-ea"/>
+                <a:cs typeface="+mn-cs"/>
+              </a:defRPr>
+            </a:lvl2pPr>
+            <a:lvl3pPr marL="914400" algn="l" defTabSz="457200" rtl="0" eaLnBrk="1" latinLnBrk="0" hangingPunct="1">
+              <a:defRPr sz="1800" kern="1200">
+                <a:solidFill>
+                  <a:schemeClr val="lt1"/>
+                </a:solidFill>
+                <a:latin typeface="+mn-lt"/>
+                <a:ea typeface="+mn-ea"/>
+                <a:cs typeface="+mn-cs"/>
+              </a:defRPr>
+            </a:lvl3pPr>
+            <a:lvl4pPr marL="1371600" algn="l" defTabSz="457200" rtl="0" eaLnBrk="1" latinLnBrk="0" hangingPunct="1">
+              <a:defRPr sz="1800" kern="1200">
+                <a:solidFill>
+                  <a:schemeClr val="lt1"/>
+                </a:solidFill>
+                <a:latin typeface="+mn-lt"/>
+                <a:ea typeface="+mn-ea"/>
+                <a:cs typeface="+mn-cs"/>
+              </a:defRPr>
+            </a:lvl4pPr>
+            <a:lvl5pPr marL="1828800" algn="l" defTabSz="457200" rtl="0" eaLnBrk="1" latinLnBrk="0" hangingPunct="1">
+              <a:defRPr sz="1800" kern="1200">
+                <a:solidFill>
+                  <a:schemeClr val="lt1"/>
+                </a:solidFill>
+                <a:latin typeface="+mn-lt"/>
+                <a:ea typeface="+mn-ea"/>
+                <a:cs typeface="+mn-cs"/>
+              </a:defRPr>
+            </a:lvl5pPr>
+            <a:lvl6pPr marL="2286000" algn="l" defTabSz="457200" rtl="0" eaLnBrk="1" latinLnBrk="0" hangingPunct="1">
+              <a:defRPr sz="1800" kern="1200">
+                <a:solidFill>
+                  <a:schemeClr val="lt1"/>
+                </a:solidFill>
+                <a:latin typeface="+mn-lt"/>
+                <a:ea typeface="+mn-ea"/>
+                <a:cs typeface="+mn-cs"/>
+              </a:defRPr>
+            </a:lvl6pPr>
+            <a:lvl7pPr marL="2743200" algn="l" defTabSz="457200" rtl="0" eaLnBrk="1" latinLnBrk="0" hangingPunct="1">
+              <a:defRPr sz="1800" kern="1200">
+                <a:solidFill>
+                  <a:schemeClr val="lt1"/>
+                </a:solidFill>
+                <a:latin typeface="+mn-lt"/>
+                <a:ea typeface="+mn-ea"/>
+                <a:cs typeface="+mn-cs"/>
+              </a:defRPr>
+            </a:lvl7pPr>
+            <a:lvl8pPr marL="3200400" algn="l" defTabSz="457200" rtl="0" eaLnBrk="1" latinLnBrk="0" hangingPunct="1">
+              <a:defRPr sz="1800" kern="1200">
+                <a:solidFill>
+                  <a:schemeClr val="lt1"/>
+                </a:solidFill>
+                <a:latin typeface="+mn-lt"/>
+                <a:ea typeface="+mn-ea"/>
+                <a:cs typeface="+mn-cs"/>
+              </a:defRPr>
+            </a:lvl8pPr>
+            <a:lvl9pPr marL="3657600" algn="l" defTabSz="457200" rtl="0" eaLnBrk="1" latinLnBrk="0" hangingPunct="1">
+              <a:defRPr sz="1800" kern="1200">
+                <a:solidFill>
+                  <a:schemeClr val="lt1"/>
+                </a:solidFill>
+                <a:latin typeface="+mn-lt"/>
+                <a:ea typeface="+mn-ea"/>
+                <a:cs typeface="+mn-cs"/>
+              </a:defRPr>
+            </a:lvl9pPr>
+          </a:lstStyle>
+          <a:p>
+            <a:pPr algn="ctr"/>
+            <a:endParaRPr kumimoji="1" lang="zh-CN" altLang="en-US"/>
+          </a:p>
+        </p:txBody>
+      </p:sp>
+      <p:cxnSp>
+        <p:nvCxnSpPr>
+          <p:cNvPr id="26" name="直线箭头连接符 25"/>
+          <p:cNvCxnSpPr>
+            <a:stCxn id="4" idx="3"/>
+            <a:endCxn id="10" idx="2"/>
+          </p:cNvCxnSpPr>
+          <p:nvPr/>
+        </p:nvCxnSpPr>
+        <p:spPr>
+          <a:xfrm>
+            <a:off x="2668335" y="2671195"/>
+            <a:ext cx="548103" cy="0"/>
+          </a:xfrm>
+          <a:prstGeom prst="straightConnector1">
+            <a:avLst/>
+          </a:prstGeom>
+          <a:ln>
+            <a:tailEnd type="arrow"/>
+          </a:ln>
+        </p:spPr>
+        <p:style>
+          <a:lnRef idx="2">
+            <a:schemeClr val="accent1"/>
+          </a:lnRef>
+          <a:fillRef idx="0">
+            <a:schemeClr val="accent1"/>
+          </a:fillRef>
+          <a:effectRef idx="1">
+            <a:schemeClr val="accent1"/>
+          </a:effectRef>
+          <a:fontRef idx="minor">
+            <a:schemeClr val="tx1"/>
+          </a:fontRef>
+        </p:style>
+      </p:cxnSp>
+      <p:cxnSp>
+        <p:nvCxnSpPr>
+          <p:cNvPr id="28" name="直线箭头连接符 27"/>
+          <p:cNvCxnSpPr>
+            <a:stCxn id="4" idx="3"/>
+            <a:endCxn id="11" idx="2"/>
+          </p:cNvCxnSpPr>
+          <p:nvPr/>
+        </p:nvCxnSpPr>
+        <p:spPr>
+          <a:xfrm>
+            <a:off x="2668335" y="2671195"/>
+            <a:ext cx="548103" cy="606926"/>
+          </a:xfrm>
+          <a:prstGeom prst="straightConnector1">
+            <a:avLst/>
+          </a:prstGeom>
+          <a:ln>
+            <a:tailEnd type="arrow"/>
+          </a:ln>
+        </p:spPr>
+        <p:style>
+          <a:lnRef idx="2">
+            <a:schemeClr val="accent1"/>
+          </a:lnRef>
+          <a:fillRef idx="0">
+            <a:schemeClr val="accent1"/>
+          </a:fillRef>
+          <a:effectRef idx="1">
+            <a:schemeClr val="accent1"/>
+          </a:effectRef>
+          <a:fontRef idx="minor">
+            <a:schemeClr val="tx1"/>
+          </a:fontRef>
+        </p:style>
+      </p:cxnSp>
+      <p:cxnSp>
+        <p:nvCxnSpPr>
+          <p:cNvPr id="30" name="直线箭头连接符 29"/>
+          <p:cNvCxnSpPr>
+            <a:stCxn id="4" idx="3"/>
+            <a:endCxn id="12" idx="2"/>
+          </p:cNvCxnSpPr>
+          <p:nvPr/>
+        </p:nvCxnSpPr>
+        <p:spPr>
+          <a:xfrm>
+            <a:off x="2668335" y="2671195"/>
+            <a:ext cx="548103" cy="1847438"/>
+          </a:xfrm>
+          <a:prstGeom prst="straightConnector1">
+            <a:avLst/>
+          </a:prstGeom>
+          <a:ln>
+            <a:tailEnd type="arrow"/>
+          </a:ln>
+        </p:spPr>
+        <p:style>
+          <a:lnRef idx="2">
+            <a:schemeClr val="accent1"/>
+          </a:lnRef>
+          <a:fillRef idx="0">
+            <a:schemeClr val="accent1"/>
+          </a:fillRef>
+          <a:effectRef idx="1">
+            <a:schemeClr val="accent1"/>
+          </a:effectRef>
+          <a:fontRef idx="minor">
+            <a:schemeClr val="tx1"/>
+          </a:fontRef>
+        </p:style>
+      </p:cxnSp>
+      <p:cxnSp>
+        <p:nvCxnSpPr>
+          <p:cNvPr id="32" name="直线箭头连接符 31"/>
+          <p:cNvCxnSpPr>
+            <a:stCxn id="6" idx="3"/>
+            <a:endCxn id="10" idx="2"/>
+          </p:cNvCxnSpPr>
+          <p:nvPr/>
+        </p:nvCxnSpPr>
+        <p:spPr>
+          <a:xfrm flipV="1">
+            <a:off x="2668335" y="2671195"/>
+            <a:ext cx="548103" cy="630861"/>
+          </a:xfrm>
+          <a:prstGeom prst="straightConnector1">
+            <a:avLst/>
+          </a:prstGeom>
+          <a:ln>
+            <a:tailEnd type="arrow"/>
+          </a:ln>
+        </p:spPr>
+        <p:style>
+          <a:lnRef idx="2">
+            <a:schemeClr val="accent1"/>
+          </a:lnRef>
+          <a:fillRef idx="0">
+            <a:schemeClr val="accent1"/>
+          </a:fillRef>
+          <a:effectRef idx="1">
+            <a:schemeClr val="accent1"/>
+          </a:effectRef>
+          <a:fontRef idx="minor">
+            <a:schemeClr val="tx1"/>
+          </a:fontRef>
+        </p:style>
+      </p:cxnSp>
+      <p:cxnSp>
+        <p:nvCxnSpPr>
+          <p:cNvPr id="34" name="直线箭头连接符 33"/>
+          <p:cNvCxnSpPr>
+            <a:stCxn id="6" idx="3"/>
+            <a:endCxn id="11" idx="2"/>
+          </p:cNvCxnSpPr>
+          <p:nvPr/>
+        </p:nvCxnSpPr>
+        <p:spPr>
+          <a:xfrm flipV="1">
+            <a:off x="2668335" y="3278121"/>
+            <a:ext cx="548103" cy="23935"/>
+          </a:xfrm>
+          <a:prstGeom prst="straightConnector1">
+            <a:avLst/>
+          </a:prstGeom>
+          <a:ln>
+            <a:tailEnd type="arrow"/>
+          </a:ln>
+        </p:spPr>
+        <p:style>
+          <a:lnRef idx="2">
+            <a:schemeClr val="accent1"/>
+          </a:lnRef>
+          <a:fillRef idx="0">
+            <a:schemeClr val="accent1"/>
+          </a:fillRef>
+          <a:effectRef idx="1">
+            <a:schemeClr val="accent1"/>
+          </a:effectRef>
+          <a:fontRef idx="minor">
+            <a:schemeClr val="tx1"/>
+          </a:fontRef>
+        </p:style>
+      </p:cxnSp>
+      <p:cxnSp>
+        <p:nvCxnSpPr>
+          <p:cNvPr id="36" name="直线箭头连接符 35"/>
+          <p:cNvCxnSpPr>
+            <a:stCxn id="6" idx="3"/>
+            <a:endCxn id="12" idx="2"/>
+          </p:cNvCxnSpPr>
+          <p:nvPr/>
+        </p:nvCxnSpPr>
+        <p:spPr>
+          <a:xfrm>
+            <a:off x="2668335" y="3302056"/>
+            <a:ext cx="548103" cy="1216577"/>
+          </a:xfrm>
+          <a:prstGeom prst="straightConnector1">
+            <a:avLst/>
+          </a:prstGeom>
+          <a:ln>
+            <a:tailEnd type="arrow"/>
+          </a:ln>
+        </p:spPr>
+        <p:style>
+          <a:lnRef idx="2">
+            <a:schemeClr val="accent1"/>
+          </a:lnRef>
+          <a:fillRef idx="0">
+            <a:schemeClr val="accent1"/>
+          </a:fillRef>
+          <a:effectRef idx="1">
+            <a:schemeClr val="accent1"/>
+          </a:effectRef>
+          <a:fontRef idx="minor">
+            <a:schemeClr val="tx1"/>
+          </a:fontRef>
+        </p:style>
+      </p:cxnSp>
+      <p:cxnSp>
+        <p:nvCxnSpPr>
+          <p:cNvPr id="38" name="直线箭头连接符 37"/>
+          <p:cNvCxnSpPr>
+            <a:stCxn id="7" idx="3"/>
+            <a:endCxn id="10" idx="2"/>
+          </p:cNvCxnSpPr>
+          <p:nvPr/>
+        </p:nvCxnSpPr>
+        <p:spPr>
+          <a:xfrm flipV="1">
+            <a:off x="2673687" y="2671195"/>
+            <a:ext cx="542751" cy="1847438"/>
+          </a:xfrm>
+          <a:prstGeom prst="straightConnector1">
+            <a:avLst/>
+          </a:prstGeom>
+          <a:ln>
+            <a:tailEnd type="arrow"/>
+          </a:ln>
+        </p:spPr>
+        <p:style>
+          <a:lnRef idx="2">
+            <a:schemeClr val="accent1"/>
+          </a:lnRef>
+          <a:fillRef idx="0">
+            <a:schemeClr val="accent1"/>
+          </a:fillRef>
+          <a:effectRef idx="1">
+            <a:schemeClr val="accent1"/>
+          </a:effectRef>
+          <a:fontRef idx="minor">
+            <a:schemeClr val="tx1"/>
+          </a:fontRef>
+        </p:style>
+      </p:cxnSp>
+      <p:cxnSp>
+        <p:nvCxnSpPr>
+          <p:cNvPr id="40" name="直线箭头连接符 39"/>
+          <p:cNvCxnSpPr>
+            <a:stCxn id="7" idx="3"/>
+            <a:endCxn id="11" idx="2"/>
+          </p:cNvCxnSpPr>
+          <p:nvPr/>
+        </p:nvCxnSpPr>
+        <p:spPr>
+          <a:xfrm flipV="1">
+            <a:off x="2673687" y="3278121"/>
+            <a:ext cx="542751" cy="1240512"/>
+          </a:xfrm>
+          <a:prstGeom prst="straightConnector1">
+            <a:avLst/>
+          </a:prstGeom>
+          <a:ln>
+            <a:tailEnd type="arrow"/>
+          </a:ln>
+        </p:spPr>
+        <p:style>
+          <a:lnRef idx="2">
+            <a:schemeClr val="accent1"/>
+          </a:lnRef>
+          <a:fillRef idx="0">
+            <a:schemeClr val="accent1"/>
+          </a:fillRef>
+          <a:effectRef idx="1">
+            <a:schemeClr val="accent1"/>
+          </a:effectRef>
+          <a:fontRef idx="minor">
+            <a:schemeClr val="tx1"/>
+          </a:fontRef>
+        </p:style>
+      </p:cxnSp>
+      <p:cxnSp>
+        <p:nvCxnSpPr>
+          <p:cNvPr id="42" name="直线箭头连接符 41"/>
+          <p:cNvCxnSpPr>
+            <a:stCxn id="7" idx="3"/>
+            <a:endCxn id="12" idx="2"/>
+          </p:cNvCxnSpPr>
+          <p:nvPr/>
+        </p:nvCxnSpPr>
+        <p:spPr>
+          <a:xfrm>
+            <a:off x="2673687" y="4518633"/>
+            <a:ext cx="542751" cy="0"/>
+          </a:xfrm>
+          <a:prstGeom prst="straightConnector1">
+            <a:avLst/>
+          </a:prstGeom>
+          <a:ln>
+            <a:tailEnd type="arrow"/>
+          </a:ln>
+        </p:spPr>
+        <p:style>
+          <a:lnRef idx="2">
+            <a:schemeClr val="accent1"/>
+          </a:lnRef>
+          <a:fillRef idx="0">
+            <a:schemeClr val="accent1"/>
+          </a:fillRef>
+          <a:effectRef idx="1">
+            <a:schemeClr val="accent1"/>
+          </a:effectRef>
+          <a:fontRef idx="minor">
+            <a:schemeClr val="tx1"/>
+          </a:fontRef>
+        </p:style>
+      </p:cxnSp>
+      <p:cxnSp>
+        <p:nvCxnSpPr>
+          <p:cNvPr id="44" name="直线箭头连接符 43"/>
+          <p:cNvCxnSpPr>
+            <a:stCxn id="10" idx="6"/>
+            <a:endCxn id="16" idx="2"/>
+          </p:cNvCxnSpPr>
+          <p:nvPr/>
+        </p:nvCxnSpPr>
+        <p:spPr>
+          <a:xfrm>
+            <a:off x="3724438" y="2671195"/>
+            <a:ext cx="526718" cy="0"/>
+          </a:xfrm>
+          <a:prstGeom prst="straightConnector1">
+            <a:avLst/>
+          </a:prstGeom>
+          <a:ln>
+            <a:tailEnd type="arrow"/>
+          </a:ln>
+        </p:spPr>
+        <p:style>
+          <a:lnRef idx="2">
+            <a:schemeClr val="accent1"/>
+          </a:lnRef>
+          <a:fillRef idx="0">
+            <a:schemeClr val="accent1"/>
+          </a:fillRef>
+          <a:effectRef idx="1">
+            <a:schemeClr val="accent1"/>
+          </a:effectRef>
+          <a:fontRef idx="minor">
+            <a:schemeClr val="tx1"/>
+          </a:fontRef>
+        </p:style>
+      </p:cxnSp>
+      <p:cxnSp>
+        <p:nvCxnSpPr>
+          <p:cNvPr id="46" name="直线箭头连接符 45"/>
+          <p:cNvCxnSpPr>
+            <a:stCxn id="10" idx="6"/>
+            <a:endCxn id="17" idx="2"/>
+          </p:cNvCxnSpPr>
+          <p:nvPr/>
+        </p:nvCxnSpPr>
+        <p:spPr>
+          <a:xfrm>
+            <a:off x="3724438" y="2671195"/>
+            <a:ext cx="526718" cy="585574"/>
+          </a:xfrm>
+          <a:prstGeom prst="straightConnector1">
+            <a:avLst/>
+          </a:prstGeom>
+          <a:ln>
+            <a:tailEnd type="arrow"/>
+          </a:ln>
+        </p:spPr>
+        <p:style>
+          <a:lnRef idx="2">
+            <a:schemeClr val="accent1"/>
+          </a:lnRef>
+          <a:fillRef idx="0">
+            <a:schemeClr val="accent1"/>
+          </a:fillRef>
+          <a:effectRef idx="1">
+            <a:schemeClr val="accent1"/>
+          </a:effectRef>
+          <a:fontRef idx="minor">
+            <a:schemeClr val="tx1"/>
+          </a:fontRef>
+        </p:style>
+      </p:cxnSp>
+      <p:cxnSp>
+        <p:nvCxnSpPr>
+          <p:cNvPr id="48" name="直线箭头连接符 47"/>
+          <p:cNvCxnSpPr>
+            <a:stCxn id="10" idx="6"/>
+            <a:endCxn id="18" idx="2"/>
+          </p:cNvCxnSpPr>
+          <p:nvPr/>
+        </p:nvCxnSpPr>
+        <p:spPr>
+          <a:xfrm>
+            <a:off x="3724438" y="2671195"/>
+            <a:ext cx="526718" cy="1826086"/>
+          </a:xfrm>
+          <a:prstGeom prst="straightConnector1">
+            <a:avLst/>
+          </a:prstGeom>
+          <a:ln>
+            <a:tailEnd type="arrow"/>
+          </a:ln>
+        </p:spPr>
+        <p:style>
+          <a:lnRef idx="2">
+            <a:schemeClr val="accent1"/>
+          </a:lnRef>
+          <a:fillRef idx="0">
+            <a:schemeClr val="accent1"/>
+          </a:fillRef>
+          <a:effectRef idx="1">
+            <a:schemeClr val="accent1"/>
+          </a:effectRef>
+          <a:fontRef idx="minor">
+            <a:schemeClr val="tx1"/>
+          </a:fontRef>
+        </p:style>
+      </p:cxnSp>
+      <p:cxnSp>
+        <p:nvCxnSpPr>
+          <p:cNvPr id="50" name="直线箭头连接符 49"/>
+          <p:cNvCxnSpPr>
+            <a:stCxn id="11" idx="6"/>
+            <a:endCxn id="16" idx="2"/>
+          </p:cNvCxnSpPr>
+          <p:nvPr/>
+        </p:nvCxnSpPr>
+        <p:spPr>
+          <a:xfrm flipV="1">
+            <a:off x="3724438" y="2671195"/>
+            <a:ext cx="526718" cy="606926"/>
+          </a:xfrm>
+          <a:prstGeom prst="straightConnector1">
+            <a:avLst/>
+          </a:prstGeom>
+          <a:ln>
+            <a:tailEnd type="arrow"/>
+          </a:ln>
+        </p:spPr>
+        <p:style>
+          <a:lnRef idx="2">
+            <a:schemeClr val="accent1"/>
+          </a:lnRef>
+          <a:fillRef idx="0">
+            <a:schemeClr val="accent1"/>
+          </a:fillRef>
+          <a:effectRef idx="1">
+            <a:schemeClr val="accent1"/>
+          </a:effectRef>
+          <a:fontRef idx="minor">
+            <a:schemeClr val="tx1"/>
+          </a:fontRef>
+        </p:style>
+      </p:cxnSp>
+      <p:cxnSp>
+        <p:nvCxnSpPr>
+          <p:cNvPr id="52" name="直线箭头连接符 51"/>
+          <p:cNvCxnSpPr>
+            <a:stCxn id="11" idx="6"/>
+            <a:endCxn id="17" idx="2"/>
+          </p:cNvCxnSpPr>
+          <p:nvPr/>
+        </p:nvCxnSpPr>
+        <p:spPr>
+          <a:xfrm flipV="1">
+            <a:off x="3724438" y="3256769"/>
+            <a:ext cx="526718" cy="21352"/>
+          </a:xfrm>
+          <a:prstGeom prst="straightConnector1">
+            <a:avLst/>
+          </a:prstGeom>
+          <a:ln>
+            <a:tailEnd type="arrow"/>
+          </a:ln>
+        </p:spPr>
+        <p:style>
+          <a:lnRef idx="2">
+            <a:schemeClr val="accent1"/>
+          </a:lnRef>
+          <a:fillRef idx="0">
+            <a:schemeClr val="accent1"/>
+          </a:fillRef>
+          <a:effectRef idx="1">
+            <a:schemeClr val="accent1"/>
+          </a:effectRef>
+          <a:fontRef idx="minor">
+            <a:schemeClr val="tx1"/>
+          </a:fontRef>
+        </p:style>
+      </p:cxnSp>
+      <p:cxnSp>
+        <p:nvCxnSpPr>
+          <p:cNvPr id="54" name="直线箭头连接符 53"/>
+          <p:cNvCxnSpPr>
+            <a:stCxn id="11" idx="6"/>
+            <a:endCxn id="18" idx="2"/>
+          </p:cNvCxnSpPr>
+          <p:nvPr/>
+        </p:nvCxnSpPr>
+        <p:spPr>
+          <a:xfrm>
+            <a:off x="3724438" y="3278121"/>
+            <a:ext cx="526718" cy="1219160"/>
+          </a:xfrm>
+          <a:prstGeom prst="straightConnector1">
+            <a:avLst/>
+          </a:prstGeom>
+          <a:ln>
+            <a:tailEnd type="arrow"/>
+          </a:ln>
+        </p:spPr>
+        <p:style>
+          <a:lnRef idx="2">
+            <a:schemeClr val="accent1"/>
+          </a:lnRef>
+          <a:fillRef idx="0">
+            <a:schemeClr val="accent1"/>
+          </a:fillRef>
+          <a:effectRef idx="1">
+            <a:schemeClr val="accent1"/>
+          </a:effectRef>
+          <a:fontRef idx="minor">
+            <a:schemeClr val="tx1"/>
+          </a:fontRef>
+        </p:style>
+      </p:cxnSp>
+      <p:cxnSp>
+        <p:nvCxnSpPr>
+          <p:cNvPr id="56" name="直线箭头连接符 55"/>
+          <p:cNvCxnSpPr>
+            <a:stCxn id="12" idx="6"/>
+            <a:endCxn id="16" idx="2"/>
+          </p:cNvCxnSpPr>
+          <p:nvPr/>
+        </p:nvCxnSpPr>
+        <p:spPr>
+          <a:xfrm flipV="1">
+            <a:off x="3724438" y="2671195"/>
+            <a:ext cx="526718" cy="1847438"/>
+          </a:xfrm>
+          <a:prstGeom prst="straightConnector1">
+            <a:avLst/>
+          </a:prstGeom>
+          <a:ln>
+            <a:tailEnd type="arrow"/>
+          </a:ln>
+        </p:spPr>
+        <p:style>
+          <a:lnRef idx="2">
+            <a:schemeClr val="accent1"/>
+          </a:lnRef>
+          <a:fillRef idx="0">
+            <a:schemeClr val="accent1"/>
+          </a:fillRef>
+          <a:effectRef idx="1">
+            <a:schemeClr val="accent1"/>
+          </a:effectRef>
+          <a:fontRef idx="minor">
+            <a:schemeClr val="tx1"/>
+          </a:fontRef>
+        </p:style>
+      </p:cxnSp>
+      <p:cxnSp>
+        <p:nvCxnSpPr>
+          <p:cNvPr id="58" name="直线箭头连接符 57"/>
+          <p:cNvCxnSpPr>
+            <a:stCxn id="12" idx="6"/>
+            <a:endCxn id="17" idx="2"/>
+          </p:cNvCxnSpPr>
+          <p:nvPr/>
+        </p:nvCxnSpPr>
+        <p:spPr>
+          <a:xfrm flipV="1">
+            <a:off x="3724438" y="3256769"/>
+            <a:ext cx="526718" cy="1261864"/>
+          </a:xfrm>
+          <a:prstGeom prst="straightConnector1">
+            <a:avLst/>
+          </a:prstGeom>
+          <a:ln>
+            <a:tailEnd type="arrow"/>
+          </a:ln>
+        </p:spPr>
+        <p:style>
+          <a:lnRef idx="2">
+            <a:schemeClr val="accent1"/>
+          </a:lnRef>
+          <a:fillRef idx="0">
+            <a:schemeClr val="accent1"/>
+          </a:fillRef>
+          <a:effectRef idx="1">
+            <a:schemeClr val="accent1"/>
+          </a:effectRef>
+          <a:fontRef idx="minor">
+            <a:schemeClr val="tx1"/>
+          </a:fontRef>
+        </p:style>
+      </p:cxnSp>
+      <p:cxnSp>
+        <p:nvCxnSpPr>
+          <p:cNvPr id="60" name="直线箭头连接符 59"/>
+          <p:cNvCxnSpPr>
+            <a:stCxn id="12" idx="6"/>
+            <a:endCxn id="18" idx="2"/>
+          </p:cNvCxnSpPr>
+          <p:nvPr/>
+        </p:nvCxnSpPr>
+        <p:spPr>
+          <a:xfrm flipV="1">
+            <a:off x="3724438" y="4497281"/>
+            <a:ext cx="526718" cy="21352"/>
+          </a:xfrm>
+          <a:prstGeom prst="straightConnector1">
+            <a:avLst/>
+          </a:prstGeom>
+          <a:ln>
+            <a:tailEnd type="arrow"/>
+          </a:ln>
+        </p:spPr>
+        <p:style>
+          <a:lnRef idx="2">
+            <a:schemeClr val="accent1"/>
+          </a:lnRef>
+          <a:fillRef idx="0">
+            <a:schemeClr val="accent1"/>
+          </a:fillRef>
+          <a:effectRef idx="1">
+            <a:schemeClr val="accent1"/>
+          </a:effectRef>
+          <a:fontRef idx="minor">
+            <a:schemeClr val="tx1"/>
+          </a:fontRef>
+        </p:style>
+      </p:cxnSp>
+      <p:cxnSp>
+        <p:nvCxnSpPr>
+          <p:cNvPr id="61" name="直线箭头连接符 60"/>
+          <p:cNvCxnSpPr/>
+          <p:nvPr/>
+        </p:nvCxnSpPr>
+        <p:spPr>
+          <a:xfrm>
+            <a:off x="5844675" y="2628455"/>
+            <a:ext cx="526718" cy="0"/>
+          </a:xfrm>
+          <a:prstGeom prst="straightConnector1">
+            <a:avLst/>
+          </a:prstGeom>
+          <a:ln>
+            <a:tailEnd type="arrow"/>
+          </a:ln>
+        </p:spPr>
+        <p:style>
+          <a:lnRef idx="2">
+            <a:schemeClr val="accent1"/>
+          </a:lnRef>
+          <a:fillRef idx="0">
+            <a:schemeClr val="accent1"/>
+          </a:fillRef>
+          <a:effectRef idx="1">
+            <a:schemeClr val="accent1"/>
+          </a:effectRef>
+          <a:fontRef idx="minor">
+            <a:schemeClr val="tx1"/>
+          </a:fontRef>
+        </p:style>
+      </p:cxnSp>
+      <p:cxnSp>
+        <p:nvCxnSpPr>
+          <p:cNvPr id="62" name="直线箭头连接符 61"/>
+          <p:cNvCxnSpPr/>
+          <p:nvPr/>
+        </p:nvCxnSpPr>
+        <p:spPr>
+          <a:xfrm>
+            <a:off x="5844675" y="2628455"/>
+            <a:ext cx="526718" cy="1826086"/>
+          </a:xfrm>
+          <a:prstGeom prst="straightConnector1">
+            <a:avLst/>
+          </a:prstGeom>
+          <a:ln>
+            <a:tailEnd type="arrow"/>
+          </a:ln>
+        </p:spPr>
+        <p:style>
+          <a:lnRef idx="2">
+            <a:schemeClr val="accent1"/>
+          </a:lnRef>
+          <a:fillRef idx="0">
+            <a:schemeClr val="accent1"/>
+          </a:fillRef>
+          <a:effectRef idx="1">
+            <a:schemeClr val="accent1"/>
+          </a:effectRef>
+          <a:fontRef idx="minor">
+            <a:schemeClr val="tx1"/>
+          </a:fontRef>
+        </p:style>
+      </p:cxnSp>
+      <p:cxnSp>
+        <p:nvCxnSpPr>
+          <p:cNvPr id="64" name="直线箭头连接符 63"/>
+          <p:cNvCxnSpPr/>
+          <p:nvPr/>
+        </p:nvCxnSpPr>
+        <p:spPr>
+          <a:xfrm flipV="1">
+            <a:off x="5858043" y="3214029"/>
+            <a:ext cx="526718" cy="1261864"/>
+          </a:xfrm>
+          <a:prstGeom prst="straightConnector1">
+            <a:avLst/>
+          </a:prstGeom>
+          <a:ln>
+            <a:tailEnd type="arrow"/>
+          </a:ln>
+        </p:spPr>
+        <p:style>
+          <a:lnRef idx="2">
+            <a:schemeClr val="accent1"/>
+          </a:lnRef>
+          <a:fillRef idx="0">
+            <a:schemeClr val="accent1"/>
+          </a:fillRef>
+          <a:effectRef idx="1">
+            <a:schemeClr val="accent1"/>
+          </a:effectRef>
+          <a:fontRef idx="minor">
+            <a:schemeClr val="tx1"/>
+          </a:fontRef>
+        </p:style>
+      </p:cxnSp>
+      <p:cxnSp>
+        <p:nvCxnSpPr>
+          <p:cNvPr id="65" name="直线箭头连接符 64"/>
+          <p:cNvCxnSpPr/>
+          <p:nvPr/>
+        </p:nvCxnSpPr>
+        <p:spPr>
+          <a:xfrm flipV="1">
+            <a:off x="5844675" y="4467909"/>
+            <a:ext cx="526718" cy="21352"/>
+          </a:xfrm>
+          <a:prstGeom prst="straightConnector1">
+            <a:avLst/>
+          </a:prstGeom>
+          <a:ln>
+            <a:tailEnd type="arrow"/>
+          </a:ln>
+        </p:spPr>
+        <p:style>
+          <a:lnRef idx="2">
+            <a:schemeClr val="accent1"/>
+          </a:lnRef>
+          <a:fillRef idx="0">
+            <a:schemeClr val="accent1"/>
+          </a:fillRef>
+          <a:effectRef idx="1">
+            <a:schemeClr val="accent1"/>
+          </a:effectRef>
+          <a:fontRef idx="minor">
+            <a:schemeClr val="tx1"/>
+          </a:fontRef>
+        </p:style>
+      </p:cxnSp>
+      <p:cxnSp>
+        <p:nvCxnSpPr>
+          <p:cNvPr id="71" name="直线箭头连接符 70"/>
+          <p:cNvCxnSpPr>
+            <a:endCxn id="22" idx="2"/>
+          </p:cNvCxnSpPr>
+          <p:nvPr/>
+        </p:nvCxnSpPr>
+        <p:spPr>
+          <a:xfrm flipV="1">
+            <a:off x="5844675" y="2649843"/>
+            <a:ext cx="526718" cy="628278"/>
+          </a:xfrm>
+          <a:prstGeom prst="straightConnector1">
+            <a:avLst/>
+          </a:prstGeom>
+          <a:ln>
+            <a:tailEnd type="arrow"/>
+          </a:ln>
+        </p:spPr>
+        <p:style>
+          <a:lnRef idx="2">
+            <a:schemeClr val="accent1"/>
+          </a:lnRef>
+          <a:fillRef idx="0">
+            <a:schemeClr val="accent1"/>
+          </a:fillRef>
+          <a:effectRef idx="1">
+            <a:schemeClr val="accent1"/>
+          </a:effectRef>
+          <a:fontRef idx="minor">
+            <a:schemeClr val="tx1"/>
+          </a:fontRef>
+        </p:style>
+      </p:cxnSp>
+      <p:cxnSp>
+        <p:nvCxnSpPr>
+          <p:cNvPr id="73" name="直线箭头连接符 72"/>
+          <p:cNvCxnSpPr/>
+          <p:nvPr/>
+        </p:nvCxnSpPr>
+        <p:spPr>
+          <a:xfrm>
+            <a:off x="5844675" y="3283505"/>
+            <a:ext cx="526718" cy="0"/>
+          </a:xfrm>
+          <a:prstGeom prst="straightConnector1">
+            <a:avLst/>
+          </a:prstGeom>
+          <a:ln>
+            <a:tailEnd type="arrow"/>
+          </a:ln>
+        </p:spPr>
+        <p:style>
+          <a:lnRef idx="2">
+            <a:schemeClr val="accent1"/>
+          </a:lnRef>
+          <a:fillRef idx="0">
+            <a:schemeClr val="accent1"/>
+          </a:fillRef>
+          <a:effectRef idx="1">
+            <a:schemeClr val="accent1"/>
+          </a:effectRef>
+          <a:fontRef idx="minor">
+            <a:schemeClr val="tx1"/>
+          </a:fontRef>
+        </p:style>
+      </p:cxnSp>
+      <p:cxnSp>
+        <p:nvCxnSpPr>
+          <p:cNvPr id="75" name="直线箭头连接符 74"/>
+          <p:cNvCxnSpPr>
+            <a:endCxn id="24" idx="2"/>
+          </p:cNvCxnSpPr>
+          <p:nvPr/>
+        </p:nvCxnSpPr>
+        <p:spPr>
+          <a:xfrm>
+            <a:off x="5844675" y="3256769"/>
+            <a:ext cx="526718" cy="1240512"/>
+          </a:xfrm>
+          <a:prstGeom prst="straightConnector1">
+            <a:avLst/>
+          </a:prstGeom>
+          <a:ln>
+            <a:tailEnd type="arrow"/>
+          </a:ln>
+        </p:spPr>
+        <p:style>
+          <a:lnRef idx="2">
+            <a:schemeClr val="accent1"/>
+          </a:lnRef>
+          <a:fillRef idx="0">
+            <a:schemeClr val="accent1"/>
+          </a:fillRef>
+          <a:effectRef idx="1">
+            <a:schemeClr val="accent1"/>
+          </a:effectRef>
+          <a:fontRef idx="minor">
+            <a:schemeClr val="tx1"/>
+          </a:fontRef>
+        </p:style>
+      </p:cxnSp>
+      <p:cxnSp>
+        <p:nvCxnSpPr>
+          <p:cNvPr id="77" name="直线箭头连接符 76"/>
+          <p:cNvCxnSpPr/>
+          <p:nvPr/>
+        </p:nvCxnSpPr>
+        <p:spPr>
+          <a:xfrm flipV="1">
+            <a:off x="5844675" y="2671195"/>
+            <a:ext cx="526718" cy="1804698"/>
+          </a:xfrm>
+          <a:prstGeom prst="straightConnector1">
+            <a:avLst/>
+          </a:prstGeom>
+          <a:ln>
+            <a:tailEnd type="arrow"/>
+          </a:ln>
+        </p:spPr>
+        <p:style>
+          <a:lnRef idx="2">
+            <a:schemeClr val="accent1"/>
+          </a:lnRef>
+          <a:fillRef idx="0">
+            <a:schemeClr val="accent1"/>
+          </a:fillRef>
+          <a:effectRef idx="1">
+            <a:schemeClr val="accent1"/>
+          </a:effectRef>
+          <a:fontRef idx="minor">
+            <a:schemeClr val="tx1"/>
+          </a:fontRef>
+        </p:style>
+      </p:cxnSp>
+      <p:cxnSp>
+        <p:nvCxnSpPr>
+          <p:cNvPr id="79" name="直线箭头连接符 78"/>
+          <p:cNvCxnSpPr>
+            <a:endCxn id="23" idx="2"/>
+          </p:cNvCxnSpPr>
+          <p:nvPr/>
+        </p:nvCxnSpPr>
+        <p:spPr>
+          <a:xfrm>
+            <a:off x="5844675" y="2628455"/>
+            <a:ext cx="526718" cy="628314"/>
+          </a:xfrm>
+          <a:prstGeom prst="straightConnector1">
+            <a:avLst/>
+          </a:prstGeom>
+          <a:ln>
+            <a:tailEnd type="arrow"/>
+          </a:ln>
+        </p:spPr>
+        <p:style>
+          <a:lnRef idx="2">
+            <a:schemeClr val="accent1"/>
+          </a:lnRef>
+          <a:fillRef idx="0">
+            <a:schemeClr val="accent1"/>
+          </a:fillRef>
+          <a:effectRef idx="1">
+            <a:schemeClr val="accent1"/>
+          </a:effectRef>
+          <a:fontRef idx="minor">
+            <a:schemeClr val="tx1"/>
+          </a:fontRef>
+        </p:style>
+      </p:cxnSp>
+      <p:sp>
+        <p:nvSpPr>
+          <p:cNvPr id="90" name="文本框 89"/>
+          <p:cNvSpPr txBox="1"/>
+          <p:nvPr/>
+        </p:nvSpPr>
+        <p:spPr>
+          <a:xfrm>
+            <a:off x="2229364" y="3687193"/>
+            <a:ext cx="492443" cy="604177"/>
+          </a:xfrm>
+          <a:prstGeom prst="rect">
+            <a:avLst/>
+          </a:prstGeom>
+          <a:noFill/>
+        </p:spPr>
+        <p:txBody>
+          <a:bodyPr vert="eaVert" wrap="square" rtlCol="0">
+            <a:spAutoFit/>
+          </a:bodyPr>
+          <a:lstStyle/>
+          <a:p>
+            <a:r>
+              <a:rPr kumimoji="1" lang="en-US" altLang="zh-CN" b="1" dirty="0"/>
+              <a:t> </a:t>
+            </a:r>
+            <a:r>
+              <a:rPr kumimoji="1" lang="en-US" altLang="zh-CN" b="1" dirty="0" smtClean="0"/>
+              <a:t> </a:t>
+            </a:r>
+            <a:r>
+              <a:rPr kumimoji="1" lang="mr-IN" altLang="zh-CN" sz="2000" b="1" dirty="0" smtClean="0"/>
+              <a:t>…</a:t>
+            </a:r>
+            <a:endParaRPr kumimoji="1" lang="zh-CN" altLang="en-US" sz="2000" b="1" dirty="0"/>
+          </a:p>
+        </p:txBody>
+      </p:sp>
+      <p:sp>
+        <p:nvSpPr>
+          <p:cNvPr id="91" name="文本框 90"/>
+          <p:cNvSpPr txBox="1"/>
+          <p:nvPr/>
+        </p:nvSpPr>
+        <p:spPr>
+          <a:xfrm>
+            <a:off x="3250684" y="3692545"/>
+            <a:ext cx="492443" cy="604177"/>
+          </a:xfrm>
+          <a:prstGeom prst="rect">
+            <a:avLst/>
+          </a:prstGeom>
+          <a:noFill/>
+        </p:spPr>
+        <p:txBody>
+          <a:bodyPr vert="eaVert" wrap="square" rtlCol="0">
+            <a:spAutoFit/>
+          </a:bodyPr>
+          <a:lstStyle/>
+          <a:p>
+            <a:r>
+              <a:rPr kumimoji="1" lang="en-US" altLang="zh-CN" b="1" dirty="0"/>
+              <a:t> </a:t>
+            </a:r>
+            <a:r>
+              <a:rPr kumimoji="1" lang="en-US" altLang="zh-CN" b="1" dirty="0" smtClean="0"/>
+              <a:t> </a:t>
+            </a:r>
+            <a:r>
+              <a:rPr kumimoji="1" lang="mr-IN" altLang="zh-CN" sz="2000" b="1" dirty="0" smtClean="0"/>
+              <a:t>…</a:t>
+            </a:r>
+            <a:endParaRPr kumimoji="1" lang="zh-CN" altLang="en-US" sz="2000" b="1" dirty="0"/>
+          </a:p>
+        </p:txBody>
+      </p:sp>
+      <p:sp>
+        <p:nvSpPr>
+          <p:cNvPr id="92" name="文本框 91"/>
+          <p:cNvSpPr txBox="1"/>
+          <p:nvPr/>
+        </p:nvSpPr>
+        <p:spPr>
+          <a:xfrm>
+            <a:off x="4298740" y="3684529"/>
+            <a:ext cx="492443" cy="604177"/>
+          </a:xfrm>
+          <a:prstGeom prst="rect">
+            <a:avLst/>
+          </a:prstGeom>
+          <a:noFill/>
+        </p:spPr>
+        <p:txBody>
+          <a:bodyPr vert="eaVert" wrap="square" rtlCol="0">
+            <a:spAutoFit/>
+          </a:bodyPr>
+          <a:lstStyle/>
+          <a:p>
+            <a:r>
+              <a:rPr kumimoji="1" lang="en-US" altLang="zh-CN" b="1" dirty="0"/>
+              <a:t> </a:t>
+            </a:r>
+            <a:r>
+              <a:rPr kumimoji="1" lang="en-US" altLang="zh-CN" b="1" dirty="0" smtClean="0"/>
+              <a:t> </a:t>
+            </a:r>
+            <a:r>
+              <a:rPr kumimoji="1" lang="mr-IN" altLang="zh-CN" sz="2000" b="1" dirty="0" smtClean="0"/>
+              <a:t>…</a:t>
+            </a:r>
+            <a:endParaRPr kumimoji="1" lang="zh-CN" altLang="en-US" sz="2000" b="1" dirty="0"/>
+          </a:p>
+        </p:txBody>
+      </p:sp>
+      <p:sp>
+        <p:nvSpPr>
+          <p:cNvPr id="93" name="文本框 92"/>
+          <p:cNvSpPr txBox="1"/>
+          <p:nvPr/>
+        </p:nvSpPr>
+        <p:spPr>
+          <a:xfrm>
+            <a:off x="6355294" y="3665841"/>
+            <a:ext cx="492443" cy="604177"/>
+          </a:xfrm>
+          <a:prstGeom prst="rect">
+            <a:avLst/>
+          </a:prstGeom>
+          <a:noFill/>
+        </p:spPr>
+        <p:txBody>
+          <a:bodyPr vert="eaVert" wrap="square" rtlCol="0">
+            <a:spAutoFit/>
+          </a:bodyPr>
+          <a:lstStyle/>
+          <a:p>
+            <a:r>
+              <a:rPr kumimoji="1" lang="en-US" altLang="zh-CN" b="1" dirty="0"/>
+              <a:t> </a:t>
+            </a:r>
+            <a:r>
+              <a:rPr kumimoji="1" lang="en-US" altLang="zh-CN" b="1" dirty="0" smtClean="0"/>
+              <a:t> </a:t>
+            </a:r>
+            <a:r>
+              <a:rPr kumimoji="1" lang="mr-IN" altLang="zh-CN" sz="2000" b="1" dirty="0" smtClean="0"/>
+              <a:t>…</a:t>
+            </a:r>
+            <a:endParaRPr kumimoji="1" lang="zh-CN" altLang="en-US" sz="2000" b="1" dirty="0"/>
+          </a:p>
+        </p:txBody>
+      </p:sp>
+      <p:sp>
+        <p:nvSpPr>
+          <p:cNvPr id="94" name="文本框 93"/>
+          <p:cNvSpPr txBox="1"/>
+          <p:nvPr/>
+        </p:nvSpPr>
+        <p:spPr>
+          <a:xfrm>
+            <a:off x="5021176" y="2446425"/>
+            <a:ext cx="748632" cy="369332"/>
+          </a:xfrm>
+          <a:prstGeom prst="rect">
+            <a:avLst/>
+          </a:prstGeom>
+          <a:noFill/>
+        </p:spPr>
+        <p:txBody>
+          <a:bodyPr wrap="square" rtlCol="0">
+            <a:spAutoFit/>
+          </a:bodyPr>
+          <a:lstStyle/>
+          <a:p>
+            <a:r>
+              <a:rPr kumimoji="1" lang="mr-IN" altLang="zh-CN" b="1" dirty="0" smtClean="0"/>
+              <a:t>…</a:t>
+            </a:r>
+            <a:r>
+              <a:rPr kumimoji="1" lang="en-US" altLang="zh-CN" b="1" dirty="0" smtClean="0"/>
+              <a:t> </a:t>
+            </a:r>
+            <a:r>
+              <a:rPr kumimoji="1" lang="mr-IN" altLang="zh-CN" b="1" dirty="0" smtClean="0"/>
+              <a:t>…</a:t>
+            </a:r>
+            <a:endParaRPr kumimoji="1" lang="zh-CN" altLang="en-US" b="1" dirty="0"/>
+          </a:p>
+        </p:txBody>
+      </p:sp>
+      <p:sp>
+        <p:nvSpPr>
+          <p:cNvPr id="95" name="文本框 94"/>
+          <p:cNvSpPr txBox="1"/>
+          <p:nvPr/>
+        </p:nvSpPr>
+        <p:spPr>
+          <a:xfrm>
+            <a:off x="5021175" y="2988856"/>
+            <a:ext cx="655053" cy="369332"/>
+          </a:xfrm>
+          <a:prstGeom prst="rect">
+            <a:avLst/>
+          </a:prstGeom>
+          <a:noFill/>
+        </p:spPr>
+        <p:txBody>
+          <a:bodyPr wrap="square" rtlCol="0">
+            <a:spAutoFit/>
+          </a:bodyPr>
+          <a:lstStyle/>
+          <a:p>
+            <a:r>
+              <a:rPr kumimoji="1" lang="mr-IN" altLang="zh-CN" b="1" dirty="0" smtClean="0"/>
+              <a:t>…</a:t>
+            </a:r>
+            <a:r>
+              <a:rPr kumimoji="1" lang="en-US" altLang="zh-CN" b="1" dirty="0" smtClean="0"/>
+              <a:t> </a:t>
+            </a:r>
+            <a:r>
+              <a:rPr kumimoji="1" lang="mr-IN" altLang="zh-CN" b="1" dirty="0" smtClean="0"/>
+              <a:t>…</a:t>
+            </a:r>
+            <a:endParaRPr kumimoji="1" lang="zh-CN" altLang="en-US" b="1" dirty="0"/>
+          </a:p>
+        </p:txBody>
+      </p:sp>
+      <p:sp>
+        <p:nvSpPr>
+          <p:cNvPr id="96" name="文本框 95"/>
+          <p:cNvSpPr txBox="1"/>
+          <p:nvPr/>
+        </p:nvSpPr>
+        <p:spPr>
+          <a:xfrm>
+            <a:off x="5061280" y="4203035"/>
+            <a:ext cx="614948" cy="369332"/>
+          </a:xfrm>
+          <a:prstGeom prst="rect">
+            <a:avLst/>
+          </a:prstGeom>
+          <a:noFill/>
+        </p:spPr>
+        <p:txBody>
+          <a:bodyPr wrap="square" rtlCol="0">
+            <a:spAutoFit/>
+          </a:bodyPr>
+          <a:lstStyle/>
+          <a:p>
+            <a:r>
+              <a:rPr kumimoji="1" lang="mr-IN" altLang="zh-CN" b="1" dirty="0" smtClean="0"/>
+              <a:t>…</a:t>
+            </a:r>
+            <a:r>
+              <a:rPr kumimoji="1" lang="en-US" altLang="zh-CN" b="1" dirty="0" smtClean="0"/>
+              <a:t> </a:t>
+            </a:r>
+            <a:r>
+              <a:rPr kumimoji="1" lang="mr-IN" altLang="zh-CN" b="1" dirty="0" smtClean="0"/>
+              <a:t>…</a:t>
+            </a:r>
+            <a:endParaRPr kumimoji="1" lang="zh-CN" altLang="en-US" b="1" dirty="0"/>
+          </a:p>
+        </p:txBody>
+      </p:sp>
+      <p:cxnSp>
+        <p:nvCxnSpPr>
+          <p:cNvPr id="99" name="直线箭头连接符 98"/>
+          <p:cNvCxnSpPr/>
+          <p:nvPr/>
+        </p:nvCxnSpPr>
+        <p:spPr>
+          <a:xfrm>
+            <a:off x="6879393" y="2628455"/>
+            <a:ext cx="526718" cy="0"/>
+          </a:xfrm>
+          <a:prstGeom prst="straightConnector1">
+            <a:avLst/>
+          </a:prstGeom>
+          <a:ln>
+            <a:tailEnd type="arrow"/>
+          </a:ln>
+        </p:spPr>
+        <p:style>
+          <a:lnRef idx="2">
+            <a:schemeClr val="accent1"/>
+          </a:lnRef>
+          <a:fillRef idx="0">
+            <a:schemeClr val="accent1"/>
+          </a:fillRef>
+          <a:effectRef idx="1">
+            <a:schemeClr val="accent1"/>
+          </a:effectRef>
+          <a:fontRef idx="minor">
+            <a:schemeClr val="tx1"/>
+          </a:fontRef>
+        </p:style>
+      </p:cxnSp>
+      <p:cxnSp>
+        <p:nvCxnSpPr>
+          <p:cNvPr id="100" name="直线箭头连接符 99"/>
+          <p:cNvCxnSpPr/>
+          <p:nvPr/>
+        </p:nvCxnSpPr>
+        <p:spPr>
+          <a:xfrm>
+            <a:off x="6879393" y="3278121"/>
+            <a:ext cx="526718" cy="0"/>
+          </a:xfrm>
+          <a:prstGeom prst="straightConnector1">
+            <a:avLst/>
+          </a:prstGeom>
+          <a:ln>
+            <a:tailEnd type="arrow"/>
+          </a:ln>
+        </p:spPr>
+        <p:style>
+          <a:lnRef idx="2">
+            <a:schemeClr val="accent1"/>
+          </a:lnRef>
+          <a:fillRef idx="0">
+            <a:schemeClr val="accent1"/>
+          </a:fillRef>
+          <a:effectRef idx="1">
+            <a:schemeClr val="accent1"/>
+          </a:effectRef>
+          <a:fontRef idx="minor">
+            <a:schemeClr val="tx1"/>
+          </a:fontRef>
+        </p:style>
+      </p:cxnSp>
+      <p:cxnSp>
+        <p:nvCxnSpPr>
+          <p:cNvPr id="101" name="直线箭头连接符 100"/>
+          <p:cNvCxnSpPr/>
+          <p:nvPr/>
+        </p:nvCxnSpPr>
+        <p:spPr>
+          <a:xfrm>
+            <a:off x="6879393" y="4454541"/>
+            <a:ext cx="526718" cy="0"/>
+          </a:xfrm>
+          <a:prstGeom prst="straightConnector1">
+            <a:avLst/>
+          </a:prstGeom>
+          <a:ln>
+            <a:tailEnd type="arrow"/>
+          </a:ln>
+        </p:spPr>
+        <p:style>
+          <a:lnRef idx="2">
+            <a:schemeClr val="accent1"/>
+          </a:lnRef>
+          <a:fillRef idx="0">
+            <a:schemeClr val="accent1"/>
+          </a:fillRef>
+          <a:effectRef idx="1">
+            <a:schemeClr val="accent1"/>
+          </a:effectRef>
+          <a:fontRef idx="minor">
+            <a:schemeClr val="tx1"/>
+          </a:fontRef>
+        </p:style>
+      </p:cxnSp>
+      <p:sp>
+        <p:nvSpPr>
+          <p:cNvPr id="102" name="文本框 101"/>
+          <p:cNvSpPr txBox="1"/>
+          <p:nvPr/>
+        </p:nvSpPr>
+        <p:spPr>
+          <a:xfrm>
+            <a:off x="7406111" y="2422580"/>
+            <a:ext cx="628316" cy="400110"/>
+          </a:xfrm>
+          <a:prstGeom prst="rect">
+            <a:avLst/>
+          </a:prstGeom>
+          <a:noFill/>
+        </p:spPr>
+        <p:txBody>
+          <a:bodyPr wrap="square" rtlCol="0">
+            <a:spAutoFit/>
+          </a:bodyPr>
+          <a:lstStyle/>
+          <a:p>
+            <a:r>
+              <a:rPr kumimoji="1" lang="en-US" altLang="zh-CN" sz="2000" b="1" dirty="0" smtClean="0"/>
+              <a:t>Y</a:t>
+            </a:r>
+            <a:r>
+              <a:rPr kumimoji="1" lang="en-US" altLang="zh-CN" sz="1200" b="1" dirty="0" smtClean="0"/>
+              <a:t>1</a:t>
+            </a:r>
+            <a:endParaRPr kumimoji="1" lang="zh-CN" altLang="en-US" sz="1200" b="1" dirty="0"/>
+          </a:p>
+        </p:txBody>
+      </p:sp>
+      <p:sp>
+        <p:nvSpPr>
+          <p:cNvPr id="103" name="文本框 102"/>
+          <p:cNvSpPr txBox="1"/>
+          <p:nvPr/>
+        </p:nvSpPr>
+        <p:spPr>
+          <a:xfrm>
+            <a:off x="7406111" y="3098839"/>
+            <a:ext cx="735262" cy="400110"/>
+          </a:xfrm>
+          <a:prstGeom prst="rect">
+            <a:avLst/>
+          </a:prstGeom>
+          <a:noFill/>
+        </p:spPr>
+        <p:txBody>
+          <a:bodyPr wrap="square" rtlCol="0">
+            <a:spAutoFit/>
+          </a:bodyPr>
+          <a:lstStyle/>
+          <a:p>
+            <a:r>
+              <a:rPr kumimoji="1" lang="en-US" altLang="zh-CN" sz="2000" b="1" dirty="0" smtClean="0"/>
+              <a:t>Y</a:t>
+            </a:r>
+            <a:r>
+              <a:rPr kumimoji="1" lang="en-US" altLang="zh-CN" sz="1200" b="1" dirty="0" smtClean="0"/>
+              <a:t>2</a:t>
+            </a:r>
+            <a:endParaRPr kumimoji="1" lang="zh-CN" altLang="en-US" sz="1200" b="1" dirty="0"/>
+          </a:p>
+        </p:txBody>
+      </p:sp>
+      <p:sp>
+        <p:nvSpPr>
+          <p:cNvPr id="106" name="文本框 105"/>
+          <p:cNvSpPr txBox="1"/>
+          <p:nvPr/>
+        </p:nvSpPr>
+        <p:spPr>
+          <a:xfrm>
+            <a:off x="7406111" y="4248602"/>
+            <a:ext cx="628316" cy="400110"/>
+          </a:xfrm>
+          <a:prstGeom prst="rect">
+            <a:avLst/>
+          </a:prstGeom>
+          <a:noFill/>
+        </p:spPr>
+        <p:txBody>
+          <a:bodyPr wrap="square" rtlCol="0">
+            <a:spAutoFit/>
+          </a:bodyPr>
+          <a:lstStyle/>
+          <a:p>
+            <a:r>
+              <a:rPr kumimoji="1" lang="en-US" altLang="zh-CN" sz="2000" b="1" dirty="0" smtClean="0"/>
+              <a:t>Y</a:t>
+            </a:r>
+            <a:r>
+              <a:rPr kumimoji="1" lang="en-US" altLang="zh-CN" sz="1200" b="1" dirty="0" smtClean="0"/>
+              <a:t>N</a:t>
+            </a:r>
+            <a:endParaRPr kumimoji="1" lang="zh-CN" altLang="en-US" sz="1200" b="1" dirty="0"/>
+          </a:p>
+        </p:txBody>
+      </p:sp>
+      <p:sp>
+        <p:nvSpPr>
+          <p:cNvPr id="107" name="文本框 106"/>
+          <p:cNvSpPr txBox="1"/>
+          <p:nvPr/>
+        </p:nvSpPr>
+        <p:spPr>
+          <a:xfrm>
+            <a:off x="7320305" y="3665841"/>
+            <a:ext cx="492443" cy="604177"/>
+          </a:xfrm>
+          <a:prstGeom prst="rect">
+            <a:avLst/>
+          </a:prstGeom>
+          <a:noFill/>
+        </p:spPr>
+        <p:txBody>
+          <a:bodyPr vert="eaVert" wrap="square" rtlCol="0">
+            <a:spAutoFit/>
+          </a:bodyPr>
+          <a:lstStyle/>
+          <a:p>
+            <a:r>
+              <a:rPr kumimoji="1" lang="en-US" altLang="zh-CN" b="1" dirty="0"/>
+              <a:t> </a:t>
+            </a:r>
+            <a:r>
+              <a:rPr kumimoji="1" lang="en-US" altLang="zh-CN" b="1" dirty="0" smtClean="0"/>
+              <a:t> </a:t>
+            </a:r>
+            <a:r>
+              <a:rPr kumimoji="1" lang="mr-IN" altLang="zh-CN" sz="2000" b="1" dirty="0" smtClean="0"/>
+              <a:t>…</a:t>
+            </a:r>
+            <a:endParaRPr kumimoji="1" lang="zh-CN" altLang="en-US" sz="2000" b="1" dirty="0"/>
+          </a:p>
+        </p:txBody>
+      </p:sp>
+      <p:sp>
+        <p:nvSpPr>
+          <p:cNvPr id="108" name="上箭头标注 107"/>
+          <p:cNvSpPr/>
+          <p:nvPr/>
+        </p:nvSpPr>
+        <p:spPr>
+          <a:xfrm>
+            <a:off x="2307389" y="4572367"/>
+            <a:ext cx="1256631" cy="986405"/>
+          </a:xfrm>
+          <a:prstGeom prst="upArrowCallout">
+            <a:avLst/>
+          </a:prstGeom>
+        </p:spPr>
+        <p:style>
+          <a:lnRef idx="1">
+            <a:schemeClr val="accent1"/>
+          </a:lnRef>
+          <a:fillRef idx="3">
+            <a:schemeClr val="accent1"/>
+          </a:fillRef>
+          <a:effectRef idx="2">
+            <a:schemeClr val="accent1"/>
+          </a:effectRef>
+          <a:fontRef idx="minor">
+            <a:schemeClr val="lt1"/>
+          </a:fontRef>
+        </p:style>
+        <p:txBody>
+          <a:bodyPr rtlCol="0" anchor="ctr"/>
+          <a:lstStyle/>
+          <a:p>
+            <a:pPr algn="ctr"/>
+            <a:r>
+              <a:rPr kumimoji="1" lang="en-US" altLang="zh-CN" dirty="0" smtClean="0">
+                <a:solidFill>
+                  <a:srgbClr val="000000"/>
+                </a:solidFill>
+              </a:rPr>
+              <a:t>Smaller gradients</a:t>
+            </a:r>
+            <a:endParaRPr kumimoji="1" lang="zh-CN" altLang="en-US" dirty="0">
+              <a:solidFill>
+                <a:srgbClr val="000000"/>
+              </a:solidFill>
+            </a:endParaRPr>
+          </a:p>
+        </p:txBody>
+      </p:sp>
+      <p:sp>
+        <p:nvSpPr>
+          <p:cNvPr id="110" name="上箭头标注 109"/>
+          <p:cNvSpPr/>
+          <p:nvPr/>
+        </p:nvSpPr>
+        <p:spPr>
+          <a:xfrm>
+            <a:off x="5505036" y="4513509"/>
+            <a:ext cx="1256631" cy="1045263"/>
+          </a:xfrm>
+          <a:prstGeom prst="upArrowCallout">
+            <a:avLst/>
+          </a:prstGeom>
+        </p:spPr>
+        <p:style>
+          <a:lnRef idx="1">
+            <a:schemeClr val="accent1"/>
+          </a:lnRef>
+          <a:fillRef idx="3">
+            <a:schemeClr val="accent1"/>
+          </a:fillRef>
+          <a:effectRef idx="2">
+            <a:schemeClr val="accent1"/>
+          </a:effectRef>
+          <a:fontRef idx="minor">
+            <a:schemeClr val="lt1"/>
+          </a:fontRef>
+        </p:style>
+        <p:txBody>
+          <a:bodyPr rtlCol="0" anchor="ctr"/>
+          <a:lstStyle/>
+          <a:p>
+            <a:pPr algn="ctr"/>
+            <a:r>
+              <a:rPr kumimoji="1" lang="en-US" altLang="zh-CN" dirty="0" smtClean="0">
+                <a:solidFill>
+                  <a:srgbClr val="000000"/>
+                </a:solidFill>
+              </a:rPr>
+              <a:t>Larger gradients</a:t>
+            </a:r>
+            <a:endParaRPr kumimoji="1" lang="zh-CN" altLang="en-US" dirty="0">
+              <a:solidFill>
+                <a:srgbClr val="000000"/>
+              </a:solidFill>
+            </a:endParaRPr>
+          </a:p>
+        </p:txBody>
+      </p:sp>
+      <p:sp>
+        <p:nvSpPr>
+          <p:cNvPr id="111" name="进程 110"/>
+          <p:cNvSpPr/>
+          <p:nvPr/>
+        </p:nvSpPr>
+        <p:spPr>
+          <a:xfrm>
+            <a:off x="2307389" y="5719194"/>
+            <a:ext cx="1256631" cy="574842"/>
+          </a:xfrm>
+          <a:prstGeom prst="flowChartProcess">
+            <a:avLst/>
+          </a:prstGeom>
+        </p:spPr>
+        <p:style>
+          <a:lnRef idx="1">
+            <a:schemeClr val="accent1"/>
+          </a:lnRef>
+          <a:fillRef idx="3">
+            <a:schemeClr val="accent1"/>
+          </a:fillRef>
+          <a:effectRef idx="2">
+            <a:schemeClr val="accent1"/>
+          </a:effectRef>
+          <a:fontRef idx="minor">
+            <a:schemeClr val="lt1"/>
+          </a:fontRef>
+        </p:style>
+        <p:txBody>
+          <a:bodyPr rtlCol="0" anchor="ctr"/>
+          <a:lstStyle/>
+          <a:p>
+            <a:pPr algn="ctr"/>
+            <a:r>
+              <a:rPr kumimoji="1" lang="en-US" altLang="zh-CN" dirty="0" smtClean="0">
+                <a:solidFill>
+                  <a:srgbClr val="000000"/>
+                </a:solidFill>
+              </a:rPr>
+              <a:t>Almost Random</a:t>
+            </a:r>
+            <a:endParaRPr kumimoji="1" lang="zh-CN" altLang="en-US" dirty="0">
+              <a:solidFill>
+                <a:srgbClr val="000000"/>
+              </a:solidFill>
+            </a:endParaRPr>
+          </a:p>
+        </p:txBody>
+      </p:sp>
+      <p:sp>
+        <p:nvSpPr>
+          <p:cNvPr id="112" name="进程 111"/>
+          <p:cNvSpPr/>
+          <p:nvPr/>
+        </p:nvSpPr>
+        <p:spPr>
+          <a:xfrm>
+            <a:off x="5505036" y="5719194"/>
+            <a:ext cx="1256631" cy="574842"/>
+          </a:xfrm>
+          <a:prstGeom prst="flowChartProcess">
+            <a:avLst/>
+          </a:prstGeom>
+        </p:spPr>
+        <p:style>
+          <a:lnRef idx="1">
+            <a:schemeClr val="accent1"/>
+          </a:lnRef>
+          <a:fillRef idx="3">
+            <a:schemeClr val="accent1"/>
+          </a:fillRef>
+          <a:effectRef idx="2">
+            <a:schemeClr val="accent1"/>
+          </a:effectRef>
+          <a:fontRef idx="minor">
+            <a:schemeClr val="lt1"/>
+          </a:fontRef>
+        </p:style>
+        <p:txBody>
+          <a:bodyPr rtlCol="0" anchor="ctr"/>
+          <a:lstStyle/>
+          <a:p>
+            <a:pPr algn="ctr"/>
+            <a:r>
+              <a:rPr kumimoji="1" lang="en-US" altLang="zh-CN" dirty="0" smtClean="0">
+                <a:solidFill>
+                  <a:srgbClr val="000000"/>
+                </a:solidFill>
+              </a:rPr>
+              <a:t>Already Converge</a:t>
+            </a:r>
+            <a:endParaRPr kumimoji="1" lang="zh-CN" altLang="en-US" dirty="0">
+              <a:solidFill>
+                <a:srgbClr val="000000"/>
+              </a:solidFill>
+            </a:endParaRPr>
+          </a:p>
+        </p:txBody>
+      </p:sp>
+    </p:spTree>
+    <p:extLst>
+      <p:ext uri="{BB962C8B-B14F-4D97-AF65-F5344CB8AC3E}">
+        <p14:creationId xmlns:p14="http://schemas.microsoft.com/office/powerpoint/2010/main" val="2805251436"/>
+      </p:ext>
+    </p:extLst>
+  </p:cSld>
+  <p:clrMapOvr>
+    <a:masterClrMapping/>
+  </p:clrMapOvr>
+  <p:timing>
+    <p:tnLst>
+      <p:par>
+        <p:cTn xmlns:p14="http://schemas.microsoft.com/office/powerpoint/2010/main" id="1" dur="indefinite" restart="never" nodeType="tmRoot"/>
+      </p:par>
+    </p:tnLst>
+  </p:timing>
+</p:sld>
+</file>
+
+<file path=ppt/slides/slide19.xml><?xml version="1.0" encoding="utf-8"?>
+<p:sld xmlns:a="http://schemas.openxmlformats.org/drawingml/2006/main" xmlns:r="http://schemas.openxmlformats.org/officeDocument/2006/relationships" xmlns:p="http://schemas.openxmlformats.org/presentationml/2006/main">
+  <p:cSld>
+    <p:spTree>
+      <p:nvGrpSpPr>
+        <p:cNvPr id="1" name=""/>
+        <p:cNvGrpSpPr/>
+        <p:nvPr/>
+      </p:nvGrpSpPr>
+      <p:grpSpPr>
+        <a:xfrm>
+          <a:off x="0" y="0"/>
+          <a:ext cx="0" cy="0"/>
+          <a:chOff x="0" y="0"/>
+          <a:chExt cx="0" cy="0"/>
+        </a:xfrm>
+      </p:grpSpPr>
+      <p:sp>
+        <p:nvSpPr>
+          <p:cNvPr id="2" name="标题 1"/>
+          <p:cNvSpPr>
+            <a:spLocks noGrp="1"/>
+          </p:cNvSpPr>
+          <p:nvPr>
+            <p:ph type="ctrTitle"/>
+          </p:nvPr>
+        </p:nvSpPr>
+        <p:spPr>
+          <a:xfrm>
+            <a:off x="578852" y="352425"/>
+            <a:ext cx="7772400" cy="783891"/>
+          </a:xfrm>
+        </p:spPr>
+        <p:txBody>
+          <a:bodyPr/>
+          <a:lstStyle/>
+          <a:p>
+            <a:r>
+              <a:rPr kumimoji="1" lang="en-US" altLang="zh-CN" dirty="0" smtClean="0"/>
+              <a:t>MNIST</a:t>
+            </a:r>
+            <a:endParaRPr kumimoji="1" lang="zh-CN" altLang="en-US" dirty="0"/>
+          </a:p>
+        </p:txBody>
+      </p:sp>
+      <p:sp>
+        <p:nvSpPr>
+          <p:cNvPr id="3" name="副标题 2"/>
+          <p:cNvSpPr>
+            <a:spLocks noGrp="1"/>
+          </p:cNvSpPr>
+          <p:nvPr>
+            <p:ph type="subTitle" idx="1"/>
+          </p:nvPr>
+        </p:nvSpPr>
+        <p:spPr>
+          <a:xfrm>
+            <a:off x="1002632" y="1376947"/>
+            <a:ext cx="6871367" cy="4826000"/>
+          </a:xfrm>
+        </p:spPr>
+        <p:txBody>
+          <a:bodyPr>
+            <a:normAutofit/>
+          </a:bodyPr>
+          <a:lstStyle/>
+          <a:p>
+            <a:pPr algn="l"/>
+            <a:r>
+              <a:rPr kumimoji="1" lang="en-US" altLang="zh-CN" sz="2000" dirty="0" smtClean="0">
+                <a:solidFill>
+                  <a:srgbClr val="000000"/>
+                </a:solidFill>
+              </a:rPr>
+              <a:t>Activation function: Rectified Linear Unit (</a:t>
+            </a:r>
+            <a:r>
+              <a:rPr kumimoji="1" lang="en-US" altLang="zh-CN" sz="2000" dirty="0" err="1" smtClean="0">
+                <a:solidFill>
+                  <a:srgbClr val="000000"/>
+                </a:solidFill>
+              </a:rPr>
+              <a:t>ReLU</a:t>
+            </a:r>
+            <a:r>
+              <a:rPr kumimoji="1" lang="en-US" altLang="zh-CN" sz="2000" dirty="0" smtClean="0">
+                <a:solidFill>
+                  <a:srgbClr val="000000"/>
+                </a:solidFill>
+              </a:rPr>
+              <a:t>)</a:t>
+            </a:r>
+            <a:endParaRPr kumimoji="1" lang="zh-CN" altLang="en-US" sz="2000" dirty="0">
+              <a:solidFill>
+                <a:srgbClr val="000000"/>
+              </a:solidFill>
+            </a:endParaRPr>
+          </a:p>
+        </p:txBody>
+      </p:sp>
+      <p:cxnSp>
+        <p:nvCxnSpPr>
+          <p:cNvPr id="7" name="直线箭头连接符 6"/>
+          <p:cNvCxnSpPr/>
+          <p:nvPr/>
+        </p:nvCxnSpPr>
+        <p:spPr>
+          <a:xfrm>
+            <a:off x="1470528" y="4090728"/>
+            <a:ext cx="3061369" cy="13369"/>
+          </a:xfrm>
+          <a:prstGeom prst="straightConnector1">
+            <a:avLst/>
+          </a:prstGeom>
+          <a:ln>
+            <a:solidFill>
+              <a:srgbClr val="000000"/>
+            </a:solidFill>
+            <a:tailEnd type="arrow"/>
+          </a:ln>
+        </p:spPr>
+        <p:style>
+          <a:lnRef idx="2">
+            <a:schemeClr val="accent1"/>
+          </a:lnRef>
+          <a:fillRef idx="0">
+            <a:schemeClr val="accent1"/>
+          </a:fillRef>
+          <a:effectRef idx="1">
+            <a:schemeClr val="accent1"/>
+          </a:effectRef>
+          <a:fontRef idx="minor">
+            <a:schemeClr val="tx1"/>
+          </a:fontRef>
+        </p:style>
+      </p:cxnSp>
+      <p:cxnSp>
+        <p:nvCxnSpPr>
+          <p:cNvPr id="11" name="直线箭头连接符 10"/>
+          <p:cNvCxnSpPr/>
+          <p:nvPr/>
+        </p:nvCxnSpPr>
+        <p:spPr>
+          <a:xfrm flipV="1">
+            <a:off x="2834107" y="2539991"/>
+            <a:ext cx="0" cy="2553369"/>
+          </a:xfrm>
+          <a:prstGeom prst="straightConnector1">
+            <a:avLst/>
+          </a:prstGeom>
+          <a:ln>
+            <a:solidFill>
+              <a:srgbClr val="000000"/>
+            </a:solidFill>
+            <a:tailEnd type="arrow"/>
+          </a:ln>
+        </p:spPr>
+        <p:style>
+          <a:lnRef idx="2">
+            <a:schemeClr val="accent1"/>
+          </a:lnRef>
+          <a:fillRef idx="0">
+            <a:schemeClr val="accent1"/>
+          </a:fillRef>
+          <a:effectRef idx="1">
+            <a:schemeClr val="accent1"/>
+          </a:effectRef>
+          <a:fontRef idx="minor">
+            <a:schemeClr val="tx1"/>
+          </a:fontRef>
+        </p:style>
+      </p:cxnSp>
+      <p:cxnSp>
+        <p:nvCxnSpPr>
+          <p:cNvPr id="14" name="直线连接符 13"/>
+          <p:cNvCxnSpPr/>
+          <p:nvPr/>
+        </p:nvCxnSpPr>
+        <p:spPr>
+          <a:xfrm>
+            <a:off x="1751265" y="4090728"/>
+            <a:ext cx="1082842" cy="0"/>
+          </a:xfrm>
+          <a:prstGeom prst="line">
+            <a:avLst/>
+          </a:prstGeom>
+          <a:ln>
+            <a:solidFill>
+              <a:srgbClr val="3366FF"/>
+            </a:solidFill>
+          </a:ln>
+        </p:spPr>
+        <p:style>
+          <a:lnRef idx="2">
+            <a:schemeClr val="accent1"/>
+          </a:lnRef>
+          <a:fillRef idx="0">
+            <a:schemeClr val="accent1"/>
+          </a:fillRef>
+          <a:effectRef idx="1">
+            <a:schemeClr val="accent1"/>
+          </a:effectRef>
+          <a:fontRef idx="minor">
+            <a:schemeClr val="tx1"/>
+          </a:fontRef>
+        </p:style>
+      </p:cxnSp>
+      <p:cxnSp>
+        <p:nvCxnSpPr>
+          <p:cNvPr id="16" name="直线连接符 15"/>
+          <p:cNvCxnSpPr/>
+          <p:nvPr/>
+        </p:nvCxnSpPr>
+        <p:spPr>
+          <a:xfrm flipV="1">
+            <a:off x="2834107" y="2874201"/>
+            <a:ext cx="1336842" cy="1229895"/>
+          </a:xfrm>
+          <a:prstGeom prst="line">
+            <a:avLst/>
+          </a:prstGeom>
+          <a:ln>
+            <a:solidFill>
+              <a:srgbClr val="3366FF"/>
+            </a:solidFill>
+          </a:ln>
+        </p:spPr>
+        <p:style>
+          <a:lnRef idx="2">
+            <a:schemeClr val="accent1"/>
+          </a:lnRef>
+          <a:fillRef idx="0">
+            <a:schemeClr val="accent1"/>
+          </a:fillRef>
+          <a:effectRef idx="1">
+            <a:schemeClr val="accent1"/>
+          </a:effectRef>
+          <a:fontRef idx="minor">
+            <a:schemeClr val="tx1"/>
+          </a:fontRef>
+        </p:style>
+      </p:cxnSp>
+      <p:sp>
+        <p:nvSpPr>
+          <p:cNvPr id="17" name="文本框 16"/>
+          <p:cNvSpPr txBox="1"/>
+          <p:nvPr/>
+        </p:nvSpPr>
+        <p:spPr>
+          <a:xfrm>
+            <a:off x="2693735" y="2175643"/>
+            <a:ext cx="494632" cy="369332"/>
+          </a:xfrm>
+          <a:prstGeom prst="rect">
+            <a:avLst/>
+          </a:prstGeom>
+          <a:noFill/>
+        </p:spPr>
+        <p:txBody>
+          <a:bodyPr wrap="square" rtlCol="0">
+            <a:spAutoFit/>
+          </a:bodyPr>
+          <a:lstStyle/>
+          <a:p>
+            <a:r>
+              <a:rPr kumimoji="1" lang="en-US" altLang="zh-CN" dirty="0" smtClean="0"/>
+              <a:t>a</a:t>
+            </a:r>
+            <a:endParaRPr kumimoji="1" lang="zh-CN" altLang="en-US" dirty="0"/>
+          </a:p>
+        </p:txBody>
+      </p:sp>
+      <p:sp>
+        <p:nvSpPr>
+          <p:cNvPr id="18" name="文本框 17"/>
+          <p:cNvSpPr txBox="1"/>
+          <p:nvPr/>
+        </p:nvSpPr>
+        <p:spPr>
+          <a:xfrm>
+            <a:off x="4531897" y="3876832"/>
+            <a:ext cx="614947" cy="369332"/>
+          </a:xfrm>
+          <a:prstGeom prst="rect">
+            <a:avLst/>
+          </a:prstGeom>
+          <a:noFill/>
+        </p:spPr>
+        <p:txBody>
+          <a:bodyPr wrap="square" rtlCol="0">
+            <a:spAutoFit/>
+          </a:bodyPr>
+          <a:lstStyle/>
+          <a:p>
+            <a:r>
+              <a:rPr kumimoji="1" lang="en-US" altLang="zh-CN" dirty="0" smtClean="0"/>
+              <a:t>z</a:t>
+            </a:r>
+            <a:endParaRPr kumimoji="1" lang="zh-CN" altLang="en-US" dirty="0"/>
+          </a:p>
+        </p:txBody>
+      </p:sp>
+      <p:sp>
+        <p:nvSpPr>
+          <p:cNvPr id="19" name="文本框 18"/>
+          <p:cNvSpPr txBox="1"/>
+          <p:nvPr/>
+        </p:nvSpPr>
+        <p:spPr>
+          <a:xfrm>
+            <a:off x="1751265" y="3692166"/>
+            <a:ext cx="842210" cy="369332"/>
+          </a:xfrm>
+          <a:prstGeom prst="rect">
+            <a:avLst/>
+          </a:prstGeom>
+          <a:noFill/>
+        </p:spPr>
+        <p:txBody>
+          <a:bodyPr wrap="square" rtlCol="0">
+            <a:spAutoFit/>
+          </a:bodyPr>
+          <a:lstStyle/>
+          <a:p>
+            <a:r>
+              <a:rPr kumimoji="1" lang="en-US" altLang="zh-CN" dirty="0" smtClean="0"/>
+              <a:t>a=0</a:t>
+            </a:r>
+            <a:endParaRPr kumimoji="1" lang="zh-CN" altLang="en-US" dirty="0"/>
+          </a:p>
+        </p:txBody>
+      </p:sp>
+      <p:sp>
+        <p:nvSpPr>
+          <p:cNvPr id="20" name="文本框 19"/>
+          <p:cNvSpPr txBox="1"/>
+          <p:nvPr/>
+        </p:nvSpPr>
+        <p:spPr>
+          <a:xfrm>
+            <a:off x="3910265" y="2504869"/>
+            <a:ext cx="1296736" cy="369332"/>
+          </a:xfrm>
+          <a:prstGeom prst="rect">
+            <a:avLst/>
+          </a:prstGeom>
+          <a:noFill/>
+        </p:spPr>
+        <p:txBody>
+          <a:bodyPr wrap="square" rtlCol="0">
+            <a:spAutoFit/>
+          </a:bodyPr>
+          <a:lstStyle/>
+          <a:p>
+            <a:r>
+              <a:rPr kumimoji="1" lang="en-US" altLang="zh-CN" dirty="0" smtClean="0"/>
+              <a:t>a=z</a:t>
+            </a:r>
+            <a:endParaRPr kumimoji="1" lang="zh-CN" altLang="en-US" dirty="0"/>
+          </a:p>
+        </p:txBody>
+      </p:sp>
+      <p:sp>
+        <p:nvSpPr>
+          <p:cNvPr id="25" name="文本框 24"/>
+          <p:cNvSpPr txBox="1"/>
+          <p:nvPr/>
+        </p:nvSpPr>
+        <p:spPr>
+          <a:xfrm>
+            <a:off x="5146844" y="2496475"/>
+            <a:ext cx="3418305" cy="2246769"/>
+          </a:xfrm>
+          <a:prstGeom prst="rect">
+            <a:avLst/>
+          </a:prstGeom>
+          <a:noFill/>
+        </p:spPr>
+        <p:txBody>
+          <a:bodyPr wrap="square" rtlCol="0">
+            <a:spAutoFit/>
+          </a:bodyPr>
+          <a:lstStyle/>
+          <a:p>
+            <a:r>
+              <a:rPr kumimoji="1" lang="en-US" altLang="zh-CN" sz="2000" dirty="0" smtClean="0"/>
+              <a:t>Reason:</a:t>
+            </a:r>
+          </a:p>
+          <a:p>
+            <a:pPr marL="342900" indent="-342900">
+              <a:buAutoNum type="arabicPeriod"/>
+            </a:pPr>
+            <a:r>
+              <a:rPr kumimoji="1" lang="en-US" altLang="zh-CN" sz="2000" dirty="0" smtClean="0"/>
+              <a:t>Fast to compute</a:t>
+            </a:r>
+          </a:p>
+          <a:p>
+            <a:pPr marL="342900" indent="-342900">
+              <a:buAutoNum type="arabicPeriod"/>
+            </a:pPr>
+            <a:r>
+              <a:rPr kumimoji="1" lang="en-US" altLang="zh-CN" sz="2000" dirty="0" smtClean="0"/>
+              <a:t>Biological reason</a:t>
+            </a:r>
+          </a:p>
+          <a:p>
+            <a:pPr marL="342900" indent="-342900">
+              <a:buAutoNum type="arabicPeriod"/>
+            </a:pPr>
+            <a:r>
+              <a:rPr kumimoji="1" lang="en-US" altLang="zh-CN" sz="2000" b="1" dirty="0" smtClean="0"/>
+              <a:t>Infinite sigmoid with different biases</a:t>
+            </a:r>
+          </a:p>
+          <a:p>
+            <a:pPr marL="342900" indent="-342900">
+              <a:buAutoNum type="arabicPeriod"/>
+            </a:pPr>
+            <a:r>
+              <a:rPr kumimoji="1" lang="en-US" altLang="zh-CN" sz="2000" b="1" dirty="0" smtClean="0"/>
+              <a:t>Able to handle vanishing gradient problem</a:t>
+            </a:r>
+            <a:endParaRPr kumimoji="1" lang="zh-CN" altLang="en-US" sz="2000" b="1" dirty="0"/>
+          </a:p>
+        </p:txBody>
+      </p:sp>
+    </p:spTree>
+    <p:extLst>
+      <p:ext uri="{BB962C8B-B14F-4D97-AF65-F5344CB8AC3E}">
+        <p14:creationId xmlns:p14="http://schemas.microsoft.com/office/powerpoint/2010/main" val="2654703691"/>
+      </p:ext>
+    </p:extLst>
+  </p:cSld>
+  <p:clrMapOvr>
+    <a:masterClrMapping/>
+  </p:clrMapOvr>
+  <p:timing>
+    <p:tnLst>
+      <p:par>
+        <p:cTn xmlns:p14="http://schemas.microsoft.com/office/powerpoint/2010/main" id="1" dur="indefinite" restart="never" nodeType="tmRoot"/>
+      </p:par>
+    </p:tnLst>
+  </p:timing>
 </p:sld>
 </file>
 
@@ -12341,6 +17750,2499 @@
   <p:clrMapOvr>
     <a:masterClrMapping/>
   </p:clrMapOvr>
+</p:sld>
+</file>
+
+<file path=ppt/slides/slide20.xml><?xml version="1.0" encoding="utf-8"?>
+<p:sld xmlns:a="http://schemas.openxmlformats.org/drawingml/2006/main" xmlns:r="http://schemas.openxmlformats.org/officeDocument/2006/relationships" xmlns:p="http://schemas.openxmlformats.org/presentationml/2006/main">
+  <p:cSld>
+    <p:spTree>
+      <p:nvGrpSpPr>
+        <p:cNvPr id="1" name=""/>
+        <p:cNvGrpSpPr/>
+        <p:nvPr/>
+      </p:nvGrpSpPr>
+      <p:grpSpPr>
+        <a:xfrm>
+          <a:off x="0" y="0"/>
+          <a:ext cx="0" cy="0"/>
+          <a:chOff x="0" y="0"/>
+          <a:chExt cx="0" cy="0"/>
+        </a:xfrm>
+      </p:grpSpPr>
+      <p:sp>
+        <p:nvSpPr>
+          <p:cNvPr id="2" name="标题 1"/>
+          <p:cNvSpPr>
+            <a:spLocks noGrp="1"/>
+          </p:cNvSpPr>
+          <p:nvPr>
+            <p:ph type="ctrTitle"/>
+          </p:nvPr>
+        </p:nvSpPr>
+        <p:spPr>
+          <a:xfrm>
+            <a:off x="578852" y="352425"/>
+            <a:ext cx="7772400" cy="783891"/>
+          </a:xfrm>
+        </p:spPr>
+        <p:txBody>
+          <a:bodyPr/>
+          <a:lstStyle/>
+          <a:p>
+            <a:r>
+              <a:rPr kumimoji="1" lang="en-US" altLang="zh-CN" dirty="0" smtClean="0"/>
+              <a:t>MNIST</a:t>
+            </a:r>
+            <a:endParaRPr kumimoji="1" lang="zh-CN" altLang="en-US" dirty="0"/>
+          </a:p>
+        </p:txBody>
+      </p:sp>
+      <p:sp>
+        <p:nvSpPr>
+          <p:cNvPr id="3" name="副标题 2"/>
+          <p:cNvSpPr>
+            <a:spLocks noGrp="1"/>
+          </p:cNvSpPr>
+          <p:nvPr>
+            <p:ph type="subTitle" idx="1"/>
+          </p:nvPr>
+        </p:nvSpPr>
+        <p:spPr>
+          <a:xfrm>
+            <a:off x="1002632" y="1376947"/>
+            <a:ext cx="7348620" cy="4826000"/>
+          </a:xfrm>
+        </p:spPr>
+        <p:txBody>
+          <a:bodyPr>
+            <a:normAutofit/>
+          </a:bodyPr>
+          <a:lstStyle/>
+          <a:p>
+            <a:pPr algn="l"/>
+            <a:r>
+              <a:rPr kumimoji="1" lang="en-US" altLang="zh-CN" sz="2000" dirty="0" smtClean="0">
+                <a:solidFill>
+                  <a:srgbClr val="000000"/>
+                </a:solidFill>
+              </a:rPr>
+              <a:t>Dropout: when you do training, each time before updating the parameters, each neuron has p% to dropout.</a:t>
+            </a:r>
+          </a:p>
+          <a:p>
+            <a:pPr algn="l"/>
+            <a:endParaRPr kumimoji="1" lang="zh-CN" altLang="en-US" sz="2000" dirty="0">
+              <a:solidFill>
+                <a:srgbClr val="000000"/>
+              </a:solidFill>
+            </a:endParaRPr>
+          </a:p>
+        </p:txBody>
+      </p:sp>
+      <p:sp>
+        <p:nvSpPr>
+          <p:cNvPr id="4" name="矩形 3"/>
+          <p:cNvSpPr/>
+          <p:nvPr/>
+        </p:nvSpPr>
+        <p:spPr>
+          <a:xfrm>
+            <a:off x="1665720" y="2671188"/>
+            <a:ext cx="467895" cy="454526"/>
+          </a:xfrm>
+          <a:prstGeom prst="rect">
+            <a:avLst/>
+          </a:prstGeom>
+          <a:solidFill>
+            <a:schemeClr val="accent6">
+              <a:lumMod val="60000"/>
+              <a:lumOff val="40000"/>
+            </a:schemeClr>
+          </a:solidFill>
+        </p:spPr>
+        <p:style>
+          <a:lnRef idx="1">
+            <a:schemeClr val="accent1"/>
+          </a:lnRef>
+          <a:fillRef idx="3">
+            <a:schemeClr val="accent1"/>
+          </a:fillRef>
+          <a:effectRef idx="2">
+            <a:schemeClr val="accent1"/>
+          </a:effectRef>
+          <a:fontRef idx="minor">
+            <a:schemeClr val="lt1"/>
+          </a:fontRef>
+        </p:style>
+        <p:txBody>
+          <a:bodyPr rtlCol="0" anchor="ctr"/>
+          <a:lstStyle/>
+          <a:p>
+            <a:pPr algn="ctr"/>
+            <a:r>
+              <a:rPr kumimoji="1" lang="en-US" altLang="zh-CN" b="1" dirty="0" smtClean="0">
+                <a:solidFill>
+                  <a:srgbClr val="000000"/>
+                </a:solidFill>
+              </a:rPr>
+              <a:t>X</a:t>
+            </a:r>
+            <a:r>
+              <a:rPr kumimoji="1" lang="en-US" altLang="zh-CN" sz="1200" b="1" dirty="0" smtClean="0">
+                <a:solidFill>
+                  <a:srgbClr val="000000"/>
+                </a:solidFill>
+              </a:rPr>
+              <a:t>1</a:t>
+            </a:r>
+            <a:endParaRPr kumimoji="1" lang="zh-CN" altLang="en-US" sz="1200" b="1" dirty="0">
+              <a:solidFill>
+                <a:srgbClr val="000000"/>
+              </a:solidFill>
+            </a:endParaRPr>
+          </a:p>
+        </p:txBody>
+      </p:sp>
+      <p:sp>
+        <p:nvSpPr>
+          <p:cNvPr id="7" name="矩形 6"/>
+          <p:cNvSpPr/>
+          <p:nvPr/>
+        </p:nvSpPr>
+        <p:spPr>
+          <a:xfrm>
+            <a:off x="1671072" y="4518626"/>
+            <a:ext cx="467895" cy="454526"/>
+          </a:xfrm>
+          <a:prstGeom prst="rect">
+            <a:avLst/>
+          </a:prstGeom>
+          <a:solidFill>
+            <a:schemeClr val="accent6">
+              <a:lumMod val="60000"/>
+              <a:lumOff val="40000"/>
+            </a:schemeClr>
+          </a:solidFill>
+        </p:spPr>
+        <p:style>
+          <a:lnRef idx="1">
+            <a:schemeClr val="accent1"/>
+          </a:lnRef>
+          <a:fillRef idx="3">
+            <a:schemeClr val="accent1"/>
+          </a:fillRef>
+          <a:effectRef idx="2">
+            <a:schemeClr val="accent1"/>
+          </a:effectRef>
+          <a:fontRef idx="minor">
+            <a:schemeClr val="lt1"/>
+          </a:fontRef>
+        </p:style>
+        <p:txBody>
+          <a:bodyPr rtlCol="0" anchor="ctr"/>
+          <a:lstStyle/>
+          <a:p>
+            <a:pPr algn="ctr"/>
+            <a:r>
+              <a:rPr kumimoji="1" lang="en-US" altLang="zh-CN" b="1" dirty="0" smtClean="0">
+                <a:solidFill>
+                  <a:srgbClr val="000000"/>
+                </a:solidFill>
+              </a:rPr>
+              <a:t>X</a:t>
+            </a:r>
+            <a:r>
+              <a:rPr kumimoji="1" lang="en-US" altLang="zh-CN" sz="1200" b="1" dirty="0" smtClean="0">
+                <a:solidFill>
+                  <a:srgbClr val="000000"/>
+                </a:solidFill>
+              </a:rPr>
+              <a:t>N</a:t>
+            </a:r>
+            <a:endParaRPr kumimoji="1" lang="zh-CN" altLang="en-US" sz="1200" b="1" dirty="0">
+              <a:solidFill>
+                <a:srgbClr val="000000"/>
+              </a:solidFill>
+            </a:endParaRPr>
+          </a:p>
+        </p:txBody>
+      </p:sp>
+      <p:sp>
+        <p:nvSpPr>
+          <p:cNvPr id="11" name="椭圆 10"/>
+          <p:cNvSpPr/>
+          <p:nvPr/>
+        </p:nvSpPr>
+        <p:spPr>
+          <a:xfrm>
+            <a:off x="2681718" y="3278114"/>
+            <a:ext cx="508000" cy="454526"/>
+          </a:xfrm>
+          <a:prstGeom prst="ellipse">
+            <a:avLst/>
+          </a:prstGeom>
+        </p:spPr>
+        <p:style>
+          <a:lnRef idx="1">
+            <a:schemeClr val="accent1"/>
+          </a:lnRef>
+          <a:fillRef idx="3">
+            <a:schemeClr val="accent1"/>
+          </a:fillRef>
+          <a:effectRef idx="2">
+            <a:schemeClr val="accent1"/>
+          </a:effectRef>
+          <a:fontRef idx="minor">
+            <a:schemeClr val="lt1"/>
+          </a:fontRef>
+        </p:style>
+        <p:txBody>
+          <a:bodyPr rtlCol="0" anchor="ctr"/>
+          <a:lstStyle/>
+          <a:p>
+            <a:pPr algn="ctr"/>
+            <a:endParaRPr kumimoji="1" lang="zh-CN" altLang="en-US"/>
+          </a:p>
+        </p:txBody>
+      </p:sp>
+      <p:sp>
+        <p:nvSpPr>
+          <p:cNvPr id="12" name="椭圆 11"/>
+          <p:cNvSpPr/>
+          <p:nvPr/>
+        </p:nvSpPr>
+        <p:spPr>
+          <a:xfrm>
+            <a:off x="2681718" y="4518626"/>
+            <a:ext cx="508000" cy="454526"/>
+          </a:xfrm>
+          <a:prstGeom prst="ellipse">
+            <a:avLst/>
+          </a:prstGeom>
+        </p:spPr>
+        <p:style>
+          <a:lnRef idx="1">
+            <a:schemeClr val="accent1"/>
+          </a:lnRef>
+          <a:fillRef idx="3">
+            <a:schemeClr val="accent1"/>
+          </a:fillRef>
+          <a:effectRef idx="2">
+            <a:schemeClr val="accent1"/>
+          </a:effectRef>
+          <a:fontRef idx="minor">
+            <a:schemeClr val="lt1"/>
+          </a:fontRef>
+        </p:style>
+        <p:txBody>
+          <a:bodyPr rtlCol="0" anchor="ctr"/>
+          <a:lstStyle/>
+          <a:p>
+            <a:pPr algn="ctr"/>
+            <a:endParaRPr kumimoji="1" lang="zh-CN" altLang="en-US"/>
+          </a:p>
+        </p:txBody>
+      </p:sp>
+      <p:sp>
+        <p:nvSpPr>
+          <p:cNvPr id="16" name="椭圆 15"/>
+          <p:cNvSpPr/>
+          <p:nvPr/>
+        </p:nvSpPr>
+        <p:spPr>
+          <a:xfrm>
+            <a:off x="3716436" y="2671188"/>
+            <a:ext cx="508000" cy="454526"/>
+          </a:xfrm>
+          <a:prstGeom prst="ellipse">
+            <a:avLst/>
+          </a:prstGeom>
+          <a:solidFill>
+            <a:schemeClr val="accent4">
+              <a:lumMod val="40000"/>
+              <a:lumOff val="60000"/>
+            </a:schemeClr>
+          </a:solidFill>
+        </p:spPr>
+        <p:style>
+          <a:lnRef idx="1">
+            <a:schemeClr val="accent1"/>
+          </a:lnRef>
+          <a:fillRef idx="3">
+            <a:schemeClr val="accent1"/>
+          </a:fillRef>
+          <a:effectRef idx="2">
+            <a:schemeClr val="accent1"/>
+          </a:effectRef>
+          <a:fontRef idx="minor">
+            <a:schemeClr val="lt1"/>
+          </a:fontRef>
+        </p:style>
+        <p:txBody>
+          <a:bodyPr rtlCol="0" anchor="ctr"/>
+          <a:lstStyle/>
+          <a:p>
+            <a:pPr algn="ctr"/>
+            <a:endParaRPr kumimoji="1" lang="zh-CN" altLang="en-US"/>
+          </a:p>
+        </p:txBody>
+      </p:sp>
+      <p:sp>
+        <p:nvSpPr>
+          <p:cNvPr id="17" name="椭圆 16"/>
+          <p:cNvSpPr/>
+          <p:nvPr/>
+        </p:nvSpPr>
+        <p:spPr>
+          <a:xfrm>
+            <a:off x="3716436" y="3256762"/>
+            <a:ext cx="508000" cy="454526"/>
+          </a:xfrm>
+          <a:prstGeom prst="ellipse">
+            <a:avLst/>
+          </a:prstGeom>
+          <a:solidFill>
+            <a:schemeClr val="accent4">
+              <a:lumMod val="40000"/>
+              <a:lumOff val="60000"/>
+            </a:schemeClr>
+          </a:solidFill>
+        </p:spPr>
+        <p:style>
+          <a:lnRef idx="1">
+            <a:schemeClr val="accent1"/>
+          </a:lnRef>
+          <a:fillRef idx="3">
+            <a:schemeClr val="accent1"/>
+          </a:fillRef>
+          <a:effectRef idx="2">
+            <a:schemeClr val="accent1"/>
+          </a:effectRef>
+          <a:fontRef idx="minor">
+            <a:schemeClr val="lt1"/>
+          </a:fontRef>
+        </p:style>
+        <p:txBody>
+          <a:bodyPr rtlCol="0" anchor="ctr"/>
+          <a:lstStyle/>
+          <a:p>
+            <a:pPr algn="ctr"/>
+            <a:endParaRPr kumimoji="1" lang="zh-CN" altLang="en-US"/>
+          </a:p>
+        </p:txBody>
+      </p:sp>
+      <p:sp>
+        <p:nvSpPr>
+          <p:cNvPr id="23" name="椭圆 22"/>
+          <p:cNvSpPr/>
+          <p:nvPr/>
+        </p:nvSpPr>
+        <p:spPr>
+          <a:xfrm>
+            <a:off x="5836673" y="3256762"/>
+            <a:ext cx="508000" cy="454526"/>
+          </a:xfrm>
+          <a:prstGeom prst="ellipse">
+            <a:avLst/>
+          </a:prstGeom>
+          <a:solidFill>
+            <a:schemeClr val="accent2">
+              <a:lumMod val="60000"/>
+              <a:lumOff val="40000"/>
+            </a:schemeClr>
+          </a:solidFill>
+        </p:spPr>
+        <p:style>
+          <a:lnRef idx="1">
+            <a:schemeClr val="accent1"/>
+          </a:lnRef>
+          <a:fillRef idx="3">
+            <a:schemeClr val="accent1"/>
+          </a:fillRef>
+          <a:effectRef idx="2">
+            <a:schemeClr val="accent1"/>
+          </a:effectRef>
+          <a:fontRef idx="minor">
+            <a:schemeClr val="lt1"/>
+          </a:fontRef>
+        </p:style>
+        <p:txBody>
+          <a:bodyPr rot="0" spcFirstLastPara="0" vert="horz" wrap="square" lIns="91440" tIns="45720" rIns="91440" bIns="45720" numCol="1" spcCol="0" rtlCol="0" fromWordArt="0" anchor="ctr" anchorCtr="0" forceAA="0" compatLnSpc="1">
+            <a:prstTxWarp prst="textNoShape">
+              <a:avLst/>
+            </a:prstTxWarp>
+            <a:noAutofit/>
+          </a:bodyPr>
+          <a:lstStyle>
+            <a:defPPr>
+              <a:defRPr lang="zh-CN"/>
+            </a:defPPr>
+            <a:lvl1pPr marL="0" algn="l" defTabSz="457200" rtl="0" eaLnBrk="1" latinLnBrk="0" hangingPunct="1">
+              <a:defRPr sz="1800" kern="1200">
+                <a:solidFill>
+                  <a:schemeClr val="lt1"/>
+                </a:solidFill>
+                <a:latin typeface="+mn-lt"/>
+                <a:ea typeface="+mn-ea"/>
+                <a:cs typeface="+mn-cs"/>
+              </a:defRPr>
+            </a:lvl1pPr>
+            <a:lvl2pPr marL="457200" algn="l" defTabSz="457200" rtl="0" eaLnBrk="1" latinLnBrk="0" hangingPunct="1">
+              <a:defRPr sz="1800" kern="1200">
+                <a:solidFill>
+                  <a:schemeClr val="lt1"/>
+                </a:solidFill>
+                <a:latin typeface="+mn-lt"/>
+                <a:ea typeface="+mn-ea"/>
+                <a:cs typeface="+mn-cs"/>
+              </a:defRPr>
+            </a:lvl2pPr>
+            <a:lvl3pPr marL="914400" algn="l" defTabSz="457200" rtl="0" eaLnBrk="1" latinLnBrk="0" hangingPunct="1">
+              <a:defRPr sz="1800" kern="1200">
+                <a:solidFill>
+                  <a:schemeClr val="lt1"/>
+                </a:solidFill>
+                <a:latin typeface="+mn-lt"/>
+                <a:ea typeface="+mn-ea"/>
+                <a:cs typeface="+mn-cs"/>
+              </a:defRPr>
+            </a:lvl3pPr>
+            <a:lvl4pPr marL="1371600" algn="l" defTabSz="457200" rtl="0" eaLnBrk="1" latinLnBrk="0" hangingPunct="1">
+              <a:defRPr sz="1800" kern="1200">
+                <a:solidFill>
+                  <a:schemeClr val="lt1"/>
+                </a:solidFill>
+                <a:latin typeface="+mn-lt"/>
+                <a:ea typeface="+mn-ea"/>
+                <a:cs typeface="+mn-cs"/>
+              </a:defRPr>
+            </a:lvl4pPr>
+            <a:lvl5pPr marL="1828800" algn="l" defTabSz="457200" rtl="0" eaLnBrk="1" latinLnBrk="0" hangingPunct="1">
+              <a:defRPr sz="1800" kern="1200">
+                <a:solidFill>
+                  <a:schemeClr val="lt1"/>
+                </a:solidFill>
+                <a:latin typeface="+mn-lt"/>
+                <a:ea typeface="+mn-ea"/>
+                <a:cs typeface="+mn-cs"/>
+              </a:defRPr>
+            </a:lvl5pPr>
+            <a:lvl6pPr marL="2286000" algn="l" defTabSz="457200" rtl="0" eaLnBrk="1" latinLnBrk="0" hangingPunct="1">
+              <a:defRPr sz="1800" kern="1200">
+                <a:solidFill>
+                  <a:schemeClr val="lt1"/>
+                </a:solidFill>
+                <a:latin typeface="+mn-lt"/>
+                <a:ea typeface="+mn-ea"/>
+                <a:cs typeface="+mn-cs"/>
+              </a:defRPr>
+            </a:lvl6pPr>
+            <a:lvl7pPr marL="2743200" algn="l" defTabSz="457200" rtl="0" eaLnBrk="1" latinLnBrk="0" hangingPunct="1">
+              <a:defRPr sz="1800" kern="1200">
+                <a:solidFill>
+                  <a:schemeClr val="lt1"/>
+                </a:solidFill>
+                <a:latin typeface="+mn-lt"/>
+                <a:ea typeface="+mn-ea"/>
+                <a:cs typeface="+mn-cs"/>
+              </a:defRPr>
+            </a:lvl7pPr>
+            <a:lvl8pPr marL="3200400" algn="l" defTabSz="457200" rtl="0" eaLnBrk="1" latinLnBrk="0" hangingPunct="1">
+              <a:defRPr sz="1800" kern="1200">
+                <a:solidFill>
+                  <a:schemeClr val="lt1"/>
+                </a:solidFill>
+                <a:latin typeface="+mn-lt"/>
+                <a:ea typeface="+mn-ea"/>
+                <a:cs typeface="+mn-cs"/>
+              </a:defRPr>
+            </a:lvl8pPr>
+            <a:lvl9pPr marL="3657600" algn="l" defTabSz="457200" rtl="0" eaLnBrk="1" latinLnBrk="0" hangingPunct="1">
+              <a:defRPr sz="1800" kern="1200">
+                <a:solidFill>
+                  <a:schemeClr val="lt1"/>
+                </a:solidFill>
+                <a:latin typeface="+mn-lt"/>
+                <a:ea typeface="+mn-ea"/>
+                <a:cs typeface="+mn-cs"/>
+              </a:defRPr>
+            </a:lvl9pPr>
+          </a:lstStyle>
+          <a:p>
+            <a:pPr algn="ctr"/>
+            <a:endParaRPr kumimoji="1" lang="zh-CN" altLang="en-US"/>
+          </a:p>
+        </p:txBody>
+      </p:sp>
+      <p:sp>
+        <p:nvSpPr>
+          <p:cNvPr id="24" name="椭圆 23"/>
+          <p:cNvSpPr/>
+          <p:nvPr/>
+        </p:nvSpPr>
+        <p:spPr>
+          <a:xfrm>
+            <a:off x="5836673" y="4497274"/>
+            <a:ext cx="508000" cy="454526"/>
+          </a:xfrm>
+          <a:prstGeom prst="ellipse">
+            <a:avLst/>
+          </a:prstGeom>
+          <a:solidFill>
+            <a:schemeClr val="accent2">
+              <a:lumMod val="60000"/>
+              <a:lumOff val="40000"/>
+            </a:schemeClr>
+          </a:solidFill>
+        </p:spPr>
+        <p:style>
+          <a:lnRef idx="1">
+            <a:schemeClr val="accent1"/>
+          </a:lnRef>
+          <a:fillRef idx="3">
+            <a:schemeClr val="accent1"/>
+          </a:fillRef>
+          <a:effectRef idx="2">
+            <a:schemeClr val="accent1"/>
+          </a:effectRef>
+          <a:fontRef idx="minor">
+            <a:schemeClr val="lt1"/>
+          </a:fontRef>
+        </p:style>
+        <p:txBody>
+          <a:bodyPr rot="0" spcFirstLastPara="0" vert="horz" wrap="square" lIns="91440" tIns="45720" rIns="91440" bIns="45720" numCol="1" spcCol="0" rtlCol="0" fromWordArt="0" anchor="ctr" anchorCtr="0" forceAA="0" compatLnSpc="1">
+            <a:prstTxWarp prst="textNoShape">
+              <a:avLst/>
+            </a:prstTxWarp>
+            <a:noAutofit/>
+          </a:bodyPr>
+          <a:lstStyle>
+            <a:defPPr>
+              <a:defRPr lang="zh-CN"/>
+            </a:defPPr>
+            <a:lvl1pPr marL="0" algn="l" defTabSz="457200" rtl="0" eaLnBrk="1" latinLnBrk="0" hangingPunct="1">
+              <a:defRPr sz="1800" kern="1200">
+                <a:solidFill>
+                  <a:schemeClr val="lt1"/>
+                </a:solidFill>
+                <a:latin typeface="+mn-lt"/>
+                <a:ea typeface="+mn-ea"/>
+                <a:cs typeface="+mn-cs"/>
+              </a:defRPr>
+            </a:lvl1pPr>
+            <a:lvl2pPr marL="457200" algn="l" defTabSz="457200" rtl="0" eaLnBrk="1" latinLnBrk="0" hangingPunct="1">
+              <a:defRPr sz="1800" kern="1200">
+                <a:solidFill>
+                  <a:schemeClr val="lt1"/>
+                </a:solidFill>
+                <a:latin typeface="+mn-lt"/>
+                <a:ea typeface="+mn-ea"/>
+                <a:cs typeface="+mn-cs"/>
+              </a:defRPr>
+            </a:lvl2pPr>
+            <a:lvl3pPr marL="914400" algn="l" defTabSz="457200" rtl="0" eaLnBrk="1" latinLnBrk="0" hangingPunct="1">
+              <a:defRPr sz="1800" kern="1200">
+                <a:solidFill>
+                  <a:schemeClr val="lt1"/>
+                </a:solidFill>
+                <a:latin typeface="+mn-lt"/>
+                <a:ea typeface="+mn-ea"/>
+                <a:cs typeface="+mn-cs"/>
+              </a:defRPr>
+            </a:lvl3pPr>
+            <a:lvl4pPr marL="1371600" algn="l" defTabSz="457200" rtl="0" eaLnBrk="1" latinLnBrk="0" hangingPunct="1">
+              <a:defRPr sz="1800" kern="1200">
+                <a:solidFill>
+                  <a:schemeClr val="lt1"/>
+                </a:solidFill>
+                <a:latin typeface="+mn-lt"/>
+                <a:ea typeface="+mn-ea"/>
+                <a:cs typeface="+mn-cs"/>
+              </a:defRPr>
+            </a:lvl4pPr>
+            <a:lvl5pPr marL="1828800" algn="l" defTabSz="457200" rtl="0" eaLnBrk="1" latinLnBrk="0" hangingPunct="1">
+              <a:defRPr sz="1800" kern="1200">
+                <a:solidFill>
+                  <a:schemeClr val="lt1"/>
+                </a:solidFill>
+                <a:latin typeface="+mn-lt"/>
+                <a:ea typeface="+mn-ea"/>
+                <a:cs typeface="+mn-cs"/>
+              </a:defRPr>
+            </a:lvl5pPr>
+            <a:lvl6pPr marL="2286000" algn="l" defTabSz="457200" rtl="0" eaLnBrk="1" latinLnBrk="0" hangingPunct="1">
+              <a:defRPr sz="1800" kern="1200">
+                <a:solidFill>
+                  <a:schemeClr val="lt1"/>
+                </a:solidFill>
+                <a:latin typeface="+mn-lt"/>
+                <a:ea typeface="+mn-ea"/>
+                <a:cs typeface="+mn-cs"/>
+              </a:defRPr>
+            </a:lvl6pPr>
+            <a:lvl7pPr marL="2743200" algn="l" defTabSz="457200" rtl="0" eaLnBrk="1" latinLnBrk="0" hangingPunct="1">
+              <a:defRPr sz="1800" kern="1200">
+                <a:solidFill>
+                  <a:schemeClr val="lt1"/>
+                </a:solidFill>
+                <a:latin typeface="+mn-lt"/>
+                <a:ea typeface="+mn-ea"/>
+                <a:cs typeface="+mn-cs"/>
+              </a:defRPr>
+            </a:lvl7pPr>
+            <a:lvl8pPr marL="3200400" algn="l" defTabSz="457200" rtl="0" eaLnBrk="1" latinLnBrk="0" hangingPunct="1">
+              <a:defRPr sz="1800" kern="1200">
+                <a:solidFill>
+                  <a:schemeClr val="lt1"/>
+                </a:solidFill>
+                <a:latin typeface="+mn-lt"/>
+                <a:ea typeface="+mn-ea"/>
+                <a:cs typeface="+mn-cs"/>
+              </a:defRPr>
+            </a:lvl8pPr>
+            <a:lvl9pPr marL="3657600" algn="l" defTabSz="457200" rtl="0" eaLnBrk="1" latinLnBrk="0" hangingPunct="1">
+              <a:defRPr sz="1800" kern="1200">
+                <a:solidFill>
+                  <a:schemeClr val="lt1"/>
+                </a:solidFill>
+                <a:latin typeface="+mn-lt"/>
+                <a:ea typeface="+mn-ea"/>
+                <a:cs typeface="+mn-cs"/>
+              </a:defRPr>
+            </a:lvl9pPr>
+          </a:lstStyle>
+          <a:p>
+            <a:pPr algn="ctr"/>
+            <a:endParaRPr kumimoji="1" lang="zh-CN" altLang="en-US"/>
+          </a:p>
+        </p:txBody>
+      </p:sp>
+      <p:cxnSp>
+        <p:nvCxnSpPr>
+          <p:cNvPr id="28" name="直线箭头连接符 27"/>
+          <p:cNvCxnSpPr>
+            <a:stCxn id="4" idx="3"/>
+            <a:endCxn id="11" idx="2"/>
+          </p:cNvCxnSpPr>
+          <p:nvPr/>
+        </p:nvCxnSpPr>
+        <p:spPr>
+          <a:xfrm>
+            <a:off x="2133615" y="2898451"/>
+            <a:ext cx="548103" cy="606926"/>
+          </a:xfrm>
+          <a:prstGeom prst="straightConnector1">
+            <a:avLst/>
+          </a:prstGeom>
+          <a:ln>
+            <a:tailEnd type="arrow"/>
+          </a:ln>
+        </p:spPr>
+        <p:style>
+          <a:lnRef idx="2">
+            <a:schemeClr val="accent1"/>
+          </a:lnRef>
+          <a:fillRef idx="0">
+            <a:schemeClr val="accent1"/>
+          </a:fillRef>
+          <a:effectRef idx="1">
+            <a:schemeClr val="accent1"/>
+          </a:effectRef>
+          <a:fontRef idx="minor">
+            <a:schemeClr val="tx1"/>
+          </a:fontRef>
+        </p:style>
+      </p:cxnSp>
+      <p:cxnSp>
+        <p:nvCxnSpPr>
+          <p:cNvPr id="30" name="直线箭头连接符 29"/>
+          <p:cNvCxnSpPr>
+            <a:stCxn id="4" idx="3"/>
+            <a:endCxn id="12" idx="2"/>
+          </p:cNvCxnSpPr>
+          <p:nvPr/>
+        </p:nvCxnSpPr>
+        <p:spPr>
+          <a:xfrm>
+            <a:off x="2133615" y="2898451"/>
+            <a:ext cx="548103" cy="1847438"/>
+          </a:xfrm>
+          <a:prstGeom prst="straightConnector1">
+            <a:avLst/>
+          </a:prstGeom>
+          <a:ln>
+            <a:tailEnd type="arrow"/>
+          </a:ln>
+        </p:spPr>
+        <p:style>
+          <a:lnRef idx="2">
+            <a:schemeClr val="accent1"/>
+          </a:lnRef>
+          <a:fillRef idx="0">
+            <a:schemeClr val="accent1"/>
+          </a:fillRef>
+          <a:effectRef idx="1">
+            <a:schemeClr val="accent1"/>
+          </a:effectRef>
+          <a:fontRef idx="minor">
+            <a:schemeClr val="tx1"/>
+          </a:fontRef>
+        </p:style>
+      </p:cxnSp>
+      <p:cxnSp>
+        <p:nvCxnSpPr>
+          <p:cNvPr id="40" name="直线箭头连接符 39"/>
+          <p:cNvCxnSpPr>
+            <a:stCxn id="7" idx="3"/>
+            <a:endCxn id="11" idx="2"/>
+          </p:cNvCxnSpPr>
+          <p:nvPr/>
+        </p:nvCxnSpPr>
+        <p:spPr>
+          <a:xfrm flipV="1">
+            <a:off x="2138967" y="3505377"/>
+            <a:ext cx="542751" cy="1240512"/>
+          </a:xfrm>
+          <a:prstGeom prst="straightConnector1">
+            <a:avLst/>
+          </a:prstGeom>
+          <a:ln>
+            <a:tailEnd type="arrow"/>
+          </a:ln>
+        </p:spPr>
+        <p:style>
+          <a:lnRef idx="2">
+            <a:schemeClr val="accent1"/>
+          </a:lnRef>
+          <a:fillRef idx="0">
+            <a:schemeClr val="accent1"/>
+          </a:fillRef>
+          <a:effectRef idx="1">
+            <a:schemeClr val="accent1"/>
+          </a:effectRef>
+          <a:fontRef idx="minor">
+            <a:schemeClr val="tx1"/>
+          </a:fontRef>
+        </p:style>
+      </p:cxnSp>
+      <p:cxnSp>
+        <p:nvCxnSpPr>
+          <p:cNvPr id="42" name="直线箭头连接符 41"/>
+          <p:cNvCxnSpPr>
+            <a:stCxn id="7" idx="3"/>
+            <a:endCxn id="12" idx="2"/>
+          </p:cNvCxnSpPr>
+          <p:nvPr/>
+        </p:nvCxnSpPr>
+        <p:spPr>
+          <a:xfrm>
+            <a:off x="2138967" y="4745889"/>
+            <a:ext cx="542751" cy="0"/>
+          </a:xfrm>
+          <a:prstGeom prst="straightConnector1">
+            <a:avLst/>
+          </a:prstGeom>
+          <a:ln>
+            <a:tailEnd type="arrow"/>
+          </a:ln>
+        </p:spPr>
+        <p:style>
+          <a:lnRef idx="2">
+            <a:schemeClr val="accent1"/>
+          </a:lnRef>
+          <a:fillRef idx="0">
+            <a:schemeClr val="accent1"/>
+          </a:fillRef>
+          <a:effectRef idx="1">
+            <a:schemeClr val="accent1"/>
+          </a:effectRef>
+          <a:fontRef idx="minor">
+            <a:schemeClr val="tx1"/>
+          </a:fontRef>
+        </p:style>
+      </p:cxnSp>
+      <p:cxnSp>
+        <p:nvCxnSpPr>
+          <p:cNvPr id="50" name="直线箭头连接符 49"/>
+          <p:cNvCxnSpPr>
+            <a:stCxn id="11" idx="6"/>
+            <a:endCxn id="16" idx="2"/>
+          </p:cNvCxnSpPr>
+          <p:nvPr/>
+        </p:nvCxnSpPr>
+        <p:spPr>
+          <a:xfrm flipV="1">
+            <a:off x="3189718" y="2898451"/>
+            <a:ext cx="526718" cy="606926"/>
+          </a:xfrm>
+          <a:prstGeom prst="straightConnector1">
+            <a:avLst/>
+          </a:prstGeom>
+          <a:ln>
+            <a:tailEnd type="arrow"/>
+          </a:ln>
+        </p:spPr>
+        <p:style>
+          <a:lnRef idx="2">
+            <a:schemeClr val="accent1"/>
+          </a:lnRef>
+          <a:fillRef idx="0">
+            <a:schemeClr val="accent1"/>
+          </a:fillRef>
+          <a:effectRef idx="1">
+            <a:schemeClr val="accent1"/>
+          </a:effectRef>
+          <a:fontRef idx="minor">
+            <a:schemeClr val="tx1"/>
+          </a:fontRef>
+        </p:style>
+      </p:cxnSp>
+      <p:cxnSp>
+        <p:nvCxnSpPr>
+          <p:cNvPr id="52" name="直线箭头连接符 51"/>
+          <p:cNvCxnSpPr>
+            <a:stCxn id="11" idx="6"/>
+            <a:endCxn id="17" idx="2"/>
+          </p:cNvCxnSpPr>
+          <p:nvPr/>
+        </p:nvCxnSpPr>
+        <p:spPr>
+          <a:xfrm flipV="1">
+            <a:off x="3189718" y="3484025"/>
+            <a:ext cx="526718" cy="21352"/>
+          </a:xfrm>
+          <a:prstGeom prst="straightConnector1">
+            <a:avLst/>
+          </a:prstGeom>
+          <a:ln>
+            <a:tailEnd type="arrow"/>
+          </a:ln>
+        </p:spPr>
+        <p:style>
+          <a:lnRef idx="2">
+            <a:schemeClr val="accent1"/>
+          </a:lnRef>
+          <a:fillRef idx="0">
+            <a:schemeClr val="accent1"/>
+          </a:fillRef>
+          <a:effectRef idx="1">
+            <a:schemeClr val="accent1"/>
+          </a:effectRef>
+          <a:fontRef idx="minor">
+            <a:schemeClr val="tx1"/>
+          </a:fontRef>
+        </p:style>
+      </p:cxnSp>
+      <p:cxnSp>
+        <p:nvCxnSpPr>
+          <p:cNvPr id="56" name="直线箭头连接符 55"/>
+          <p:cNvCxnSpPr>
+            <a:stCxn id="12" idx="6"/>
+            <a:endCxn id="16" idx="2"/>
+          </p:cNvCxnSpPr>
+          <p:nvPr/>
+        </p:nvCxnSpPr>
+        <p:spPr>
+          <a:xfrm flipV="1">
+            <a:off x="3189718" y="2898451"/>
+            <a:ext cx="526718" cy="1847438"/>
+          </a:xfrm>
+          <a:prstGeom prst="straightConnector1">
+            <a:avLst/>
+          </a:prstGeom>
+          <a:ln>
+            <a:tailEnd type="arrow"/>
+          </a:ln>
+        </p:spPr>
+        <p:style>
+          <a:lnRef idx="2">
+            <a:schemeClr val="accent1"/>
+          </a:lnRef>
+          <a:fillRef idx="0">
+            <a:schemeClr val="accent1"/>
+          </a:fillRef>
+          <a:effectRef idx="1">
+            <a:schemeClr val="accent1"/>
+          </a:effectRef>
+          <a:fontRef idx="minor">
+            <a:schemeClr val="tx1"/>
+          </a:fontRef>
+        </p:style>
+      </p:cxnSp>
+      <p:cxnSp>
+        <p:nvCxnSpPr>
+          <p:cNvPr id="58" name="直线箭头连接符 57"/>
+          <p:cNvCxnSpPr>
+            <a:stCxn id="12" idx="6"/>
+            <a:endCxn id="17" idx="2"/>
+          </p:cNvCxnSpPr>
+          <p:nvPr/>
+        </p:nvCxnSpPr>
+        <p:spPr>
+          <a:xfrm flipV="1">
+            <a:off x="3189718" y="3484025"/>
+            <a:ext cx="526718" cy="1261864"/>
+          </a:xfrm>
+          <a:prstGeom prst="straightConnector1">
+            <a:avLst/>
+          </a:prstGeom>
+          <a:ln>
+            <a:tailEnd type="arrow"/>
+          </a:ln>
+        </p:spPr>
+        <p:style>
+          <a:lnRef idx="2">
+            <a:schemeClr val="accent1"/>
+          </a:lnRef>
+          <a:fillRef idx="0">
+            <a:schemeClr val="accent1"/>
+          </a:fillRef>
+          <a:effectRef idx="1">
+            <a:schemeClr val="accent1"/>
+          </a:effectRef>
+          <a:fontRef idx="minor">
+            <a:schemeClr val="tx1"/>
+          </a:fontRef>
+        </p:style>
+      </p:cxnSp>
+      <p:cxnSp>
+        <p:nvCxnSpPr>
+          <p:cNvPr id="62" name="直线箭头连接符 61"/>
+          <p:cNvCxnSpPr/>
+          <p:nvPr/>
+        </p:nvCxnSpPr>
+        <p:spPr>
+          <a:xfrm>
+            <a:off x="5309955" y="2855711"/>
+            <a:ext cx="526718" cy="1826086"/>
+          </a:xfrm>
+          <a:prstGeom prst="straightConnector1">
+            <a:avLst/>
+          </a:prstGeom>
+          <a:ln>
+            <a:tailEnd type="arrow"/>
+          </a:ln>
+        </p:spPr>
+        <p:style>
+          <a:lnRef idx="2">
+            <a:schemeClr val="accent1"/>
+          </a:lnRef>
+          <a:fillRef idx="0">
+            <a:schemeClr val="accent1"/>
+          </a:fillRef>
+          <a:effectRef idx="1">
+            <a:schemeClr val="accent1"/>
+          </a:effectRef>
+          <a:fontRef idx="minor">
+            <a:schemeClr val="tx1"/>
+          </a:fontRef>
+        </p:style>
+      </p:cxnSp>
+      <p:cxnSp>
+        <p:nvCxnSpPr>
+          <p:cNvPr id="64" name="直线箭头连接符 63"/>
+          <p:cNvCxnSpPr/>
+          <p:nvPr/>
+        </p:nvCxnSpPr>
+        <p:spPr>
+          <a:xfrm flipV="1">
+            <a:off x="5323323" y="3441285"/>
+            <a:ext cx="526718" cy="1261864"/>
+          </a:xfrm>
+          <a:prstGeom prst="straightConnector1">
+            <a:avLst/>
+          </a:prstGeom>
+          <a:ln>
+            <a:tailEnd type="arrow"/>
+          </a:ln>
+        </p:spPr>
+        <p:style>
+          <a:lnRef idx="2">
+            <a:schemeClr val="accent1"/>
+          </a:lnRef>
+          <a:fillRef idx="0">
+            <a:schemeClr val="accent1"/>
+          </a:fillRef>
+          <a:effectRef idx="1">
+            <a:schemeClr val="accent1"/>
+          </a:effectRef>
+          <a:fontRef idx="minor">
+            <a:schemeClr val="tx1"/>
+          </a:fontRef>
+        </p:style>
+      </p:cxnSp>
+      <p:cxnSp>
+        <p:nvCxnSpPr>
+          <p:cNvPr id="65" name="直线箭头连接符 64"/>
+          <p:cNvCxnSpPr/>
+          <p:nvPr/>
+        </p:nvCxnSpPr>
+        <p:spPr>
+          <a:xfrm flipV="1">
+            <a:off x="5309955" y="4695165"/>
+            <a:ext cx="526718" cy="21352"/>
+          </a:xfrm>
+          <a:prstGeom prst="straightConnector1">
+            <a:avLst/>
+          </a:prstGeom>
+          <a:ln>
+            <a:tailEnd type="arrow"/>
+          </a:ln>
+        </p:spPr>
+        <p:style>
+          <a:lnRef idx="2">
+            <a:schemeClr val="accent1"/>
+          </a:lnRef>
+          <a:fillRef idx="0">
+            <a:schemeClr val="accent1"/>
+          </a:fillRef>
+          <a:effectRef idx="1">
+            <a:schemeClr val="accent1"/>
+          </a:effectRef>
+          <a:fontRef idx="minor">
+            <a:schemeClr val="tx1"/>
+          </a:fontRef>
+        </p:style>
+      </p:cxnSp>
+      <p:cxnSp>
+        <p:nvCxnSpPr>
+          <p:cNvPr id="79" name="直线箭头连接符 78"/>
+          <p:cNvCxnSpPr>
+            <a:endCxn id="23" idx="2"/>
+          </p:cNvCxnSpPr>
+          <p:nvPr/>
+        </p:nvCxnSpPr>
+        <p:spPr>
+          <a:xfrm>
+            <a:off x="5309955" y="2855711"/>
+            <a:ext cx="526718" cy="628314"/>
+          </a:xfrm>
+          <a:prstGeom prst="straightConnector1">
+            <a:avLst/>
+          </a:prstGeom>
+          <a:ln>
+            <a:tailEnd type="arrow"/>
+          </a:ln>
+        </p:spPr>
+        <p:style>
+          <a:lnRef idx="2">
+            <a:schemeClr val="accent1"/>
+          </a:lnRef>
+          <a:fillRef idx="0">
+            <a:schemeClr val="accent1"/>
+          </a:fillRef>
+          <a:effectRef idx="1">
+            <a:schemeClr val="accent1"/>
+          </a:effectRef>
+          <a:fontRef idx="minor">
+            <a:schemeClr val="tx1"/>
+          </a:fontRef>
+        </p:style>
+      </p:cxnSp>
+      <p:sp>
+        <p:nvSpPr>
+          <p:cNvPr id="90" name="文本框 89"/>
+          <p:cNvSpPr txBox="1"/>
+          <p:nvPr/>
+        </p:nvSpPr>
+        <p:spPr>
+          <a:xfrm>
+            <a:off x="1694644" y="3914449"/>
+            <a:ext cx="492443" cy="604177"/>
+          </a:xfrm>
+          <a:prstGeom prst="rect">
+            <a:avLst/>
+          </a:prstGeom>
+          <a:noFill/>
+        </p:spPr>
+        <p:txBody>
+          <a:bodyPr vert="eaVert" wrap="square" rtlCol="0">
+            <a:spAutoFit/>
+          </a:bodyPr>
+          <a:lstStyle/>
+          <a:p>
+            <a:r>
+              <a:rPr kumimoji="1" lang="en-US" altLang="zh-CN" b="1" dirty="0"/>
+              <a:t> </a:t>
+            </a:r>
+            <a:r>
+              <a:rPr kumimoji="1" lang="en-US" altLang="zh-CN" b="1" dirty="0" smtClean="0"/>
+              <a:t> </a:t>
+            </a:r>
+            <a:r>
+              <a:rPr kumimoji="1" lang="mr-IN" altLang="zh-CN" sz="2000" b="1" dirty="0" smtClean="0"/>
+              <a:t>…</a:t>
+            </a:r>
+            <a:endParaRPr kumimoji="1" lang="zh-CN" altLang="en-US" sz="2000" b="1" dirty="0"/>
+          </a:p>
+        </p:txBody>
+      </p:sp>
+      <p:sp>
+        <p:nvSpPr>
+          <p:cNvPr id="91" name="文本框 90"/>
+          <p:cNvSpPr txBox="1"/>
+          <p:nvPr/>
+        </p:nvSpPr>
+        <p:spPr>
+          <a:xfrm>
+            <a:off x="2715964" y="3919801"/>
+            <a:ext cx="492443" cy="604177"/>
+          </a:xfrm>
+          <a:prstGeom prst="rect">
+            <a:avLst/>
+          </a:prstGeom>
+          <a:noFill/>
+        </p:spPr>
+        <p:txBody>
+          <a:bodyPr vert="eaVert" wrap="square" rtlCol="0">
+            <a:spAutoFit/>
+          </a:bodyPr>
+          <a:lstStyle/>
+          <a:p>
+            <a:r>
+              <a:rPr kumimoji="1" lang="en-US" altLang="zh-CN" b="1" dirty="0"/>
+              <a:t> </a:t>
+            </a:r>
+            <a:r>
+              <a:rPr kumimoji="1" lang="en-US" altLang="zh-CN" b="1" dirty="0" smtClean="0"/>
+              <a:t> </a:t>
+            </a:r>
+            <a:r>
+              <a:rPr kumimoji="1" lang="mr-IN" altLang="zh-CN" sz="2000" b="1" dirty="0" smtClean="0"/>
+              <a:t>…</a:t>
+            </a:r>
+            <a:endParaRPr kumimoji="1" lang="zh-CN" altLang="en-US" sz="2000" b="1" dirty="0"/>
+          </a:p>
+        </p:txBody>
+      </p:sp>
+      <p:sp>
+        <p:nvSpPr>
+          <p:cNvPr id="92" name="文本框 91"/>
+          <p:cNvSpPr txBox="1"/>
+          <p:nvPr/>
+        </p:nvSpPr>
+        <p:spPr>
+          <a:xfrm>
+            <a:off x="3764020" y="3911785"/>
+            <a:ext cx="492443" cy="604177"/>
+          </a:xfrm>
+          <a:prstGeom prst="rect">
+            <a:avLst/>
+          </a:prstGeom>
+          <a:noFill/>
+        </p:spPr>
+        <p:txBody>
+          <a:bodyPr vert="eaVert" wrap="square" rtlCol="0">
+            <a:spAutoFit/>
+          </a:bodyPr>
+          <a:lstStyle/>
+          <a:p>
+            <a:r>
+              <a:rPr kumimoji="1" lang="en-US" altLang="zh-CN" b="1" dirty="0"/>
+              <a:t> </a:t>
+            </a:r>
+            <a:r>
+              <a:rPr kumimoji="1" lang="en-US" altLang="zh-CN" b="1" dirty="0" smtClean="0"/>
+              <a:t> </a:t>
+            </a:r>
+            <a:r>
+              <a:rPr kumimoji="1" lang="mr-IN" altLang="zh-CN" sz="2000" b="1" dirty="0" smtClean="0"/>
+              <a:t>…</a:t>
+            </a:r>
+            <a:endParaRPr kumimoji="1" lang="zh-CN" altLang="en-US" sz="2000" b="1" dirty="0"/>
+          </a:p>
+        </p:txBody>
+      </p:sp>
+      <p:sp>
+        <p:nvSpPr>
+          <p:cNvPr id="93" name="文本框 92"/>
+          <p:cNvSpPr txBox="1"/>
+          <p:nvPr/>
+        </p:nvSpPr>
+        <p:spPr>
+          <a:xfrm>
+            <a:off x="5820574" y="3893097"/>
+            <a:ext cx="492443" cy="604177"/>
+          </a:xfrm>
+          <a:prstGeom prst="rect">
+            <a:avLst/>
+          </a:prstGeom>
+          <a:noFill/>
+        </p:spPr>
+        <p:txBody>
+          <a:bodyPr vert="eaVert" wrap="square" rtlCol="0">
+            <a:spAutoFit/>
+          </a:bodyPr>
+          <a:lstStyle/>
+          <a:p>
+            <a:r>
+              <a:rPr kumimoji="1" lang="en-US" altLang="zh-CN" b="1" dirty="0"/>
+              <a:t> </a:t>
+            </a:r>
+            <a:r>
+              <a:rPr kumimoji="1" lang="en-US" altLang="zh-CN" b="1" dirty="0" smtClean="0"/>
+              <a:t> </a:t>
+            </a:r>
+            <a:r>
+              <a:rPr kumimoji="1" lang="mr-IN" altLang="zh-CN" sz="2000" b="1" dirty="0" smtClean="0"/>
+              <a:t>…</a:t>
+            </a:r>
+            <a:endParaRPr kumimoji="1" lang="zh-CN" altLang="en-US" sz="2000" b="1" dirty="0"/>
+          </a:p>
+        </p:txBody>
+      </p:sp>
+      <p:sp>
+        <p:nvSpPr>
+          <p:cNvPr id="94" name="文本框 93"/>
+          <p:cNvSpPr txBox="1"/>
+          <p:nvPr/>
+        </p:nvSpPr>
+        <p:spPr>
+          <a:xfrm>
+            <a:off x="4326040" y="2673681"/>
+            <a:ext cx="748632" cy="369332"/>
+          </a:xfrm>
+          <a:prstGeom prst="rect">
+            <a:avLst/>
+          </a:prstGeom>
+          <a:noFill/>
+        </p:spPr>
+        <p:txBody>
+          <a:bodyPr wrap="square" rtlCol="0">
+            <a:spAutoFit/>
+          </a:bodyPr>
+          <a:lstStyle/>
+          <a:p>
+            <a:r>
+              <a:rPr kumimoji="1" lang="mr-IN" altLang="zh-CN" b="1" dirty="0" smtClean="0"/>
+              <a:t>…</a:t>
+            </a:r>
+            <a:endParaRPr kumimoji="1" lang="zh-CN" altLang="en-US" b="1" dirty="0"/>
+          </a:p>
+        </p:txBody>
+      </p:sp>
+      <p:sp>
+        <p:nvSpPr>
+          <p:cNvPr id="95" name="文本框 94"/>
+          <p:cNvSpPr txBox="1"/>
+          <p:nvPr/>
+        </p:nvSpPr>
+        <p:spPr>
+          <a:xfrm>
+            <a:off x="4339407" y="3216112"/>
+            <a:ext cx="655053" cy="369332"/>
+          </a:xfrm>
+          <a:prstGeom prst="rect">
+            <a:avLst/>
+          </a:prstGeom>
+          <a:noFill/>
+        </p:spPr>
+        <p:txBody>
+          <a:bodyPr wrap="square" rtlCol="0">
+            <a:spAutoFit/>
+          </a:bodyPr>
+          <a:lstStyle/>
+          <a:p>
+            <a:r>
+              <a:rPr kumimoji="1" lang="mr-IN" altLang="zh-CN" b="1" dirty="0" smtClean="0"/>
+              <a:t>…</a:t>
+            </a:r>
+            <a:endParaRPr kumimoji="1" lang="zh-CN" altLang="en-US" b="1" dirty="0"/>
+          </a:p>
+        </p:txBody>
+      </p:sp>
+      <p:sp>
+        <p:nvSpPr>
+          <p:cNvPr id="96" name="文本框 95"/>
+          <p:cNvSpPr txBox="1"/>
+          <p:nvPr/>
+        </p:nvSpPr>
+        <p:spPr>
+          <a:xfrm>
+            <a:off x="4299304" y="4430291"/>
+            <a:ext cx="614948" cy="369332"/>
+          </a:xfrm>
+          <a:prstGeom prst="rect">
+            <a:avLst/>
+          </a:prstGeom>
+          <a:noFill/>
+        </p:spPr>
+        <p:txBody>
+          <a:bodyPr wrap="square" rtlCol="0">
+            <a:spAutoFit/>
+          </a:bodyPr>
+          <a:lstStyle/>
+          <a:p>
+            <a:r>
+              <a:rPr kumimoji="1" lang="mr-IN" altLang="zh-CN" b="1" dirty="0" smtClean="0"/>
+              <a:t>…</a:t>
+            </a:r>
+            <a:endParaRPr kumimoji="1" lang="zh-CN" altLang="en-US" b="1" dirty="0"/>
+          </a:p>
+        </p:txBody>
+      </p:sp>
+      <p:cxnSp>
+        <p:nvCxnSpPr>
+          <p:cNvPr id="100" name="直线箭头连接符 99"/>
+          <p:cNvCxnSpPr/>
+          <p:nvPr/>
+        </p:nvCxnSpPr>
+        <p:spPr>
+          <a:xfrm>
+            <a:off x="6344673" y="3505377"/>
+            <a:ext cx="526718" cy="0"/>
+          </a:xfrm>
+          <a:prstGeom prst="straightConnector1">
+            <a:avLst/>
+          </a:prstGeom>
+          <a:ln>
+            <a:tailEnd type="arrow"/>
+          </a:ln>
+        </p:spPr>
+        <p:style>
+          <a:lnRef idx="2">
+            <a:schemeClr val="accent1"/>
+          </a:lnRef>
+          <a:fillRef idx="0">
+            <a:schemeClr val="accent1"/>
+          </a:fillRef>
+          <a:effectRef idx="1">
+            <a:schemeClr val="accent1"/>
+          </a:effectRef>
+          <a:fontRef idx="minor">
+            <a:schemeClr val="tx1"/>
+          </a:fontRef>
+        </p:style>
+      </p:cxnSp>
+      <p:cxnSp>
+        <p:nvCxnSpPr>
+          <p:cNvPr id="101" name="直线箭头连接符 100"/>
+          <p:cNvCxnSpPr/>
+          <p:nvPr/>
+        </p:nvCxnSpPr>
+        <p:spPr>
+          <a:xfrm>
+            <a:off x="6344673" y="4681797"/>
+            <a:ext cx="526718" cy="0"/>
+          </a:xfrm>
+          <a:prstGeom prst="straightConnector1">
+            <a:avLst/>
+          </a:prstGeom>
+          <a:ln>
+            <a:tailEnd type="arrow"/>
+          </a:ln>
+        </p:spPr>
+        <p:style>
+          <a:lnRef idx="2">
+            <a:schemeClr val="accent1"/>
+          </a:lnRef>
+          <a:fillRef idx="0">
+            <a:schemeClr val="accent1"/>
+          </a:fillRef>
+          <a:effectRef idx="1">
+            <a:schemeClr val="accent1"/>
+          </a:effectRef>
+          <a:fontRef idx="minor">
+            <a:schemeClr val="tx1"/>
+          </a:fontRef>
+        </p:style>
+      </p:cxnSp>
+      <p:sp>
+        <p:nvSpPr>
+          <p:cNvPr id="112" name="进程 111"/>
+          <p:cNvSpPr/>
+          <p:nvPr/>
+        </p:nvSpPr>
+        <p:spPr>
+          <a:xfrm>
+            <a:off x="6013036" y="5628105"/>
+            <a:ext cx="1256631" cy="574842"/>
+          </a:xfrm>
+          <a:prstGeom prst="flowChartProcess">
+            <a:avLst/>
+          </a:prstGeom>
+        </p:spPr>
+        <p:style>
+          <a:lnRef idx="1">
+            <a:schemeClr val="accent1"/>
+          </a:lnRef>
+          <a:fillRef idx="3">
+            <a:schemeClr val="accent1"/>
+          </a:fillRef>
+          <a:effectRef idx="2">
+            <a:schemeClr val="accent1"/>
+          </a:effectRef>
+          <a:fontRef idx="minor">
+            <a:schemeClr val="lt1"/>
+          </a:fontRef>
+        </p:style>
+        <p:txBody>
+          <a:bodyPr rtlCol="0" anchor="ctr"/>
+          <a:lstStyle/>
+          <a:p>
+            <a:pPr algn="ctr"/>
+            <a:r>
+              <a:rPr kumimoji="1" lang="en-US" altLang="zh-CN" dirty="0" smtClean="0">
+                <a:solidFill>
+                  <a:srgbClr val="000000"/>
+                </a:solidFill>
+              </a:rPr>
+              <a:t>Thinner structure</a:t>
+            </a:r>
+            <a:endParaRPr kumimoji="1" lang="zh-CN" altLang="en-US" dirty="0">
+              <a:solidFill>
+                <a:srgbClr val="000000"/>
+              </a:solidFill>
+            </a:endParaRPr>
+          </a:p>
+        </p:txBody>
+      </p:sp>
+      <p:sp>
+        <p:nvSpPr>
+          <p:cNvPr id="63" name="椭圆 62"/>
+          <p:cNvSpPr/>
+          <p:nvPr/>
+        </p:nvSpPr>
+        <p:spPr>
+          <a:xfrm>
+            <a:off x="4801955" y="2636974"/>
+            <a:ext cx="508000" cy="454526"/>
+          </a:xfrm>
+          <a:prstGeom prst="ellipse">
+            <a:avLst/>
+          </a:prstGeom>
+          <a:solidFill>
+            <a:schemeClr val="accent4">
+              <a:lumMod val="40000"/>
+              <a:lumOff val="60000"/>
+            </a:schemeClr>
+          </a:solidFill>
+        </p:spPr>
+        <p:style>
+          <a:lnRef idx="1">
+            <a:schemeClr val="accent1"/>
+          </a:lnRef>
+          <a:fillRef idx="3">
+            <a:schemeClr val="accent1"/>
+          </a:fillRef>
+          <a:effectRef idx="2">
+            <a:schemeClr val="accent1"/>
+          </a:effectRef>
+          <a:fontRef idx="minor">
+            <a:schemeClr val="lt1"/>
+          </a:fontRef>
+        </p:style>
+        <p:txBody>
+          <a:bodyPr rtlCol="0" anchor="ctr"/>
+          <a:lstStyle/>
+          <a:p>
+            <a:pPr algn="ctr"/>
+            <a:endParaRPr kumimoji="1" lang="zh-CN" altLang="en-US"/>
+          </a:p>
+        </p:txBody>
+      </p:sp>
+      <p:sp>
+        <p:nvSpPr>
+          <p:cNvPr id="66" name="椭圆 65"/>
+          <p:cNvSpPr/>
+          <p:nvPr/>
+        </p:nvSpPr>
+        <p:spPr>
+          <a:xfrm>
+            <a:off x="4801955" y="4467902"/>
+            <a:ext cx="508000" cy="454526"/>
+          </a:xfrm>
+          <a:prstGeom prst="ellipse">
+            <a:avLst/>
+          </a:prstGeom>
+          <a:solidFill>
+            <a:schemeClr val="accent4">
+              <a:lumMod val="40000"/>
+              <a:lumOff val="60000"/>
+            </a:schemeClr>
+          </a:solidFill>
+        </p:spPr>
+        <p:style>
+          <a:lnRef idx="1">
+            <a:schemeClr val="accent1"/>
+          </a:lnRef>
+          <a:fillRef idx="3">
+            <a:schemeClr val="accent1"/>
+          </a:fillRef>
+          <a:effectRef idx="2">
+            <a:schemeClr val="accent1"/>
+          </a:effectRef>
+          <a:fontRef idx="minor">
+            <a:schemeClr val="lt1"/>
+          </a:fontRef>
+        </p:style>
+        <p:txBody>
+          <a:bodyPr rtlCol="0" anchor="ctr"/>
+          <a:lstStyle/>
+          <a:p>
+            <a:pPr algn="ctr"/>
+            <a:endParaRPr kumimoji="1" lang="zh-CN" altLang="en-US"/>
+          </a:p>
+        </p:txBody>
+      </p:sp>
+    </p:spTree>
+    <p:extLst>
+      <p:ext uri="{BB962C8B-B14F-4D97-AF65-F5344CB8AC3E}">
+        <p14:creationId xmlns:p14="http://schemas.microsoft.com/office/powerpoint/2010/main" val="4003696704"/>
+      </p:ext>
+    </p:extLst>
+  </p:cSld>
+  <p:clrMapOvr>
+    <a:masterClrMapping/>
+  </p:clrMapOvr>
+  <p:timing>
+    <p:tnLst>
+      <p:par>
+        <p:cTn xmlns:p14="http://schemas.microsoft.com/office/powerpoint/2010/main" id="1" dur="indefinite" restart="never" nodeType="tmRoot"/>
+      </p:par>
+    </p:tnLst>
+  </p:timing>
+</p:sld>
+</file>
+
+<file path=ppt/slides/slide21.xml><?xml version="1.0" encoding="utf-8"?>
+<p:sld xmlns:a="http://schemas.openxmlformats.org/drawingml/2006/main" xmlns:r="http://schemas.openxmlformats.org/officeDocument/2006/relationships" xmlns:p="http://schemas.openxmlformats.org/presentationml/2006/main">
+  <p:cSld>
+    <p:spTree>
+      <p:nvGrpSpPr>
+        <p:cNvPr id="1" name=""/>
+        <p:cNvGrpSpPr/>
+        <p:nvPr/>
+      </p:nvGrpSpPr>
+      <p:grpSpPr>
+        <a:xfrm>
+          <a:off x="0" y="0"/>
+          <a:ext cx="0" cy="0"/>
+          <a:chOff x="0" y="0"/>
+          <a:chExt cx="0" cy="0"/>
+        </a:xfrm>
+      </p:grpSpPr>
+      <p:sp>
+        <p:nvSpPr>
+          <p:cNvPr id="2" name="标题 1"/>
+          <p:cNvSpPr>
+            <a:spLocks noGrp="1"/>
+          </p:cNvSpPr>
+          <p:nvPr>
+            <p:ph type="ctrTitle"/>
+          </p:nvPr>
+        </p:nvSpPr>
+        <p:spPr>
+          <a:xfrm>
+            <a:off x="578852" y="352425"/>
+            <a:ext cx="7772400" cy="783891"/>
+          </a:xfrm>
+        </p:spPr>
+        <p:txBody>
+          <a:bodyPr/>
+          <a:lstStyle/>
+          <a:p>
+            <a:r>
+              <a:rPr kumimoji="1" lang="en-US" altLang="zh-CN" dirty="0" smtClean="0"/>
+              <a:t>CNN</a:t>
+            </a:r>
+            <a:endParaRPr kumimoji="1" lang="zh-CN" altLang="en-US" dirty="0"/>
+          </a:p>
+        </p:txBody>
+      </p:sp>
+      <p:sp>
+        <p:nvSpPr>
+          <p:cNvPr id="3" name="副标题 2"/>
+          <p:cNvSpPr>
+            <a:spLocks noGrp="1"/>
+          </p:cNvSpPr>
+          <p:nvPr>
+            <p:ph type="subTitle" idx="1"/>
+          </p:nvPr>
+        </p:nvSpPr>
+        <p:spPr>
+          <a:xfrm>
+            <a:off x="1002632" y="1376947"/>
+            <a:ext cx="6871367" cy="4826000"/>
+          </a:xfrm>
+        </p:spPr>
+        <p:txBody>
+          <a:bodyPr>
+            <a:normAutofit/>
+          </a:bodyPr>
+          <a:lstStyle/>
+          <a:p>
+            <a:pPr algn="l"/>
+            <a:r>
+              <a:rPr kumimoji="1" lang="en-US" altLang="zh-CN" sz="2000" dirty="0" smtClean="0">
+                <a:solidFill>
+                  <a:srgbClr val="000000"/>
+                </a:solidFill>
+              </a:rPr>
+              <a:t>Style Transfer, A.K.A. Deep Style</a:t>
+            </a:r>
+            <a:endParaRPr kumimoji="1" lang="zh-CN" altLang="en-US" sz="2000" dirty="0">
+              <a:solidFill>
+                <a:srgbClr val="000000"/>
+              </a:solidFill>
+            </a:endParaRPr>
+          </a:p>
+        </p:txBody>
+      </p:sp>
+      <p:pic>
+        <p:nvPicPr>
+          <p:cNvPr id="6" name="图片 5" descr="Snedecor Hall.jpg"/>
+          <p:cNvPicPr>
+            <a:picLocks noChangeAspect="1"/>
+          </p:cNvPicPr>
+          <p:nvPr/>
+        </p:nvPicPr>
+        <p:blipFill>
+          <a:blip r:embed="rId2">
+            <a:extLst>
+              <a:ext uri="{28A0092B-C50C-407E-A947-70E740481C1C}">
+                <a14:useLocalDpi xmlns:a14="http://schemas.microsoft.com/office/drawing/2010/main" val="0"/>
+              </a:ext>
+            </a:extLst>
+          </a:blip>
+          <a:stretch>
+            <a:fillRect/>
+          </a:stretch>
+        </p:blipFill>
+        <p:spPr>
+          <a:xfrm>
+            <a:off x="3974013" y="2123325"/>
+            <a:ext cx="4004095" cy="2662880"/>
+          </a:xfrm>
+          <a:prstGeom prst="rect">
+            <a:avLst/>
+          </a:prstGeom>
+        </p:spPr>
+      </p:pic>
+      <p:pic>
+        <p:nvPicPr>
+          <p:cNvPr id="7" name="图片 6" descr="wong.png"/>
+          <p:cNvPicPr>
+            <a:picLocks noChangeAspect="1"/>
+          </p:cNvPicPr>
+          <p:nvPr/>
+        </p:nvPicPr>
+        <p:blipFill>
+          <a:blip r:embed="rId3">
+            <a:extLst>
+              <a:ext uri="{28A0092B-C50C-407E-A947-70E740481C1C}">
+                <a14:useLocalDpi xmlns:a14="http://schemas.microsoft.com/office/drawing/2010/main" val="0"/>
+              </a:ext>
+            </a:extLst>
+          </a:blip>
+          <a:stretch>
+            <a:fillRect/>
+          </a:stretch>
+        </p:blipFill>
+        <p:spPr>
+          <a:xfrm>
+            <a:off x="1657260" y="2123325"/>
+            <a:ext cx="1997160" cy="2662879"/>
+          </a:xfrm>
+          <a:prstGeom prst="rect">
+            <a:avLst/>
+          </a:prstGeom>
+        </p:spPr>
+      </p:pic>
+      <p:sp>
+        <p:nvSpPr>
+          <p:cNvPr id="8" name="下箭头 7"/>
+          <p:cNvSpPr/>
+          <p:nvPr/>
+        </p:nvSpPr>
+        <p:spPr>
+          <a:xfrm>
+            <a:off x="2276804" y="4786205"/>
+            <a:ext cx="635027" cy="480243"/>
+          </a:xfrm>
+          <a:prstGeom prst="downArrow">
+            <a:avLst/>
+          </a:prstGeom>
+        </p:spPr>
+        <p:style>
+          <a:lnRef idx="1">
+            <a:schemeClr val="accent1"/>
+          </a:lnRef>
+          <a:fillRef idx="3">
+            <a:schemeClr val="accent1"/>
+          </a:fillRef>
+          <a:effectRef idx="2">
+            <a:schemeClr val="accent1"/>
+          </a:effectRef>
+          <a:fontRef idx="minor">
+            <a:schemeClr val="lt1"/>
+          </a:fontRef>
+        </p:style>
+        <p:txBody>
+          <a:bodyPr rtlCol="0" anchor="ctr"/>
+          <a:lstStyle/>
+          <a:p>
+            <a:pPr algn="ctr"/>
+            <a:endParaRPr kumimoji="1" lang="zh-CN" altLang="en-US"/>
+          </a:p>
+        </p:txBody>
+      </p:sp>
+      <p:sp>
+        <p:nvSpPr>
+          <p:cNvPr id="9" name="下箭头 8"/>
+          <p:cNvSpPr/>
+          <p:nvPr/>
+        </p:nvSpPr>
+        <p:spPr>
+          <a:xfrm>
+            <a:off x="5658547" y="4786205"/>
+            <a:ext cx="635027" cy="480243"/>
+          </a:xfrm>
+          <a:prstGeom prst="downArrow">
+            <a:avLst/>
+          </a:prstGeom>
+        </p:spPr>
+        <p:style>
+          <a:lnRef idx="1">
+            <a:schemeClr val="accent1"/>
+          </a:lnRef>
+          <a:fillRef idx="3">
+            <a:schemeClr val="accent1"/>
+          </a:fillRef>
+          <a:effectRef idx="2">
+            <a:schemeClr val="accent1"/>
+          </a:effectRef>
+          <a:fontRef idx="minor">
+            <a:schemeClr val="lt1"/>
+          </a:fontRef>
+        </p:style>
+        <p:txBody>
+          <a:bodyPr rtlCol="0" anchor="ctr"/>
+          <a:lstStyle/>
+          <a:p>
+            <a:pPr algn="ctr"/>
+            <a:endParaRPr kumimoji="1" lang="zh-CN" altLang="en-US"/>
+          </a:p>
+        </p:txBody>
+      </p:sp>
+      <p:sp>
+        <p:nvSpPr>
+          <p:cNvPr id="10" name="下箭头 9"/>
+          <p:cNvSpPr/>
+          <p:nvPr/>
+        </p:nvSpPr>
+        <p:spPr>
+          <a:xfrm>
+            <a:off x="2276804" y="5614277"/>
+            <a:ext cx="635027" cy="480243"/>
+          </a:xfrm>
+          <a:prstGeom prst="downArrow">
+            <a:avLst/>
+          </a:prstGeom>
+        </p:spPr>
+        <p:style>
+          <a:lnRef idx="1">
+            <a:schemeClr val="accent1"/>
+          </a:lnRef>
+          <a:fillRef idx="3">
+            <a:schemeClr val="accent1"/>
+          </a:fillRef>
+          <a:effectRef idx="2">
+            <a:schemeClr val="accent1"/>
+          </a:effectRef>
+          <a:fontRef idx="minor">
+            <a:schemeClr val="lt1"/>
+          </a:fontRef>
+        </p:style>
+        <p:txBody>
+          <a:bodyPr rtlCol="0" anchor="ctr"/>
+          <a:lstStyle/>
+          <a:p>
+            <a:pPr algn="ctr"/>
+            <a:endParaRPr kumimoji="1" lang="zh-CN" altLang="en-US"/>
+          </a:p>
+        </p:txBody>
+      </p:sp>
+      <p:sp>
+        <p:nvSpPr>
+          <p:cNvPr id="11" name="下箭头 10"/>
+          <p:cNvSpPr/>
+          <p:nvPr/>
+        </p:nvSpPr>
+        <p:spPr>
+          <a:xfrm>
+            <a:off x="5679294" y="5614277"/>
+            <a:ext cx="635027" cy="480243"/>
+          </a:xfrm>
+          <a:prstGeom prst="downArrow">
+            <a:avLst/>
+          </a:prstGeom>
+        </p:spPr>
+        <p:style>
+          <a:lnRef idx="1">
+            <a:schemeClr val="accent1"/>
+          </a:lnRef>
+          <a:fillRef idx="3">
+            <a:schemeClr val="accent1"/>
+          </a:fillRef>
+          <a:effectRef idx="2">
+            <a:schemeClr val="accent1"/>
+          </a:effectRef>
+          <a:fontRef idx="minor">
+            <a:schemeClr val="lt1"/>
+          </a:fontRef>
+        </p:style>
+        <p:txBody>
+          <a:bodyPr rtlCol="0" anchor="ctr"/>
+          <a:lstStyle/>
+          <a:p>
+            <a:pPr algn="ctr"/>
+            <a:endParaRPr kumimoji="1" lang="zh-CN" altLang="en-US"/>
+          </a:p>
+        </p:txBody>
+      </p:sp>
+      <p:sp>
+        <p:nvSpPr>
+          <p:cNvPr id="12" name="文本框 11"/>
+          <p:cNvSpPr txBox="1"/>
+          <p:nvPr/>
+        </p:nvSpPr>
+        <p:spPr>
+          <a:xfrm>
+            <a:off x="2292293" y="5235468"/>
+            <a:ext cx="1177123" cy="400110"/>
+          </a:xfrm>
+          <a:prstGeom prst="rect">
+            <a:avLst/>
+          </a:prstGeom>
+          <a:noFill/>
+        </p:spPr>
+        <p:txBody>
+          <a:bodyPr wrap="square" rtlCol="0">
+            <a:spAutoFit/>
+          </a:bodyPr>
+          <a:lstStyle/>
+          <a:p>
+            <a:r>
+              <a:rPr kumimoji="1" lang="en-US" altLang="zh-CN" sz="2000" b="1" dirty="0" smtClean="0"/>
+              <a:t>CNN</a:t>
+            </a:r>
+            <a:endParaRPr kumimoji="1" lang="zh-CN" altLang="en-US" sz="2000" b="1" dirty="0"/>
+          </a:p>
+        </p:txBody>
+      </p:sp>
+      <p:sp>
+        <p:nvSpPr>
+          <p:cNvPr id="13" name="文本框 12"/>
+          <p:cNvSpPr txBox="1"/>
+          <p:nvPr/>
+        </p:nvSpPr>
+        <p:spPr>
+          <a:xfrm>
+            <a:off x="5658547" y="5235468"/>
+            <a:ext cx="1177123" cy="400110"/>
+          </a:xfrm>
+          <a:prstGeom prst="rect">
+            <a:avLst/>
+          </a:prstGeom>
+          <a:noFill/>
+        </p:spPr>
+        <p:txBody>
+          <a:bodyPr wrap="square" rtlCol="0">
+            <a:spAutoFit/>
+          </a:bodyPr>
+          <a:lstStyle/>
+          <a:p>
+            <a:r>
+              <a:rPr kumimoji="1" lang="en-US" altLang="zh-CN" sz="2000" b="1" dirty="0" smtClean="0"/>
+              <a:t>CNN</a:t>
+            </a:r>
+            <a:endParaRPr kumimoji="1" lang="zh-CN" altLang="en-US" sz="2000" b="1" dirty="0"/>
+          </a:p>
+        </p:txBody>
+      </p:sp>
+      <p:sp>
+        <p:nvSpPr>
+          <p:cNvPr id="14" name="文本框 13"/>
+          <p:cNvSpPr txBox="1"/>
+          <p:nvPr/>
+        </p:nvSpPr>
+        <p:spPr>
+          <a:xfrm>
+            <a:off x="2121920" y="6140987"/>
+            <a:ext cx="1177123" cy="400110"/>
+          </a:xfrm>
+          <a:prstGeom prst="rect">
+            <a:avLst/>
+          </a:prstGeom>
+          <a:noFill/>
+        </p:spPr>
+        <p:txBody>
+          <a:bodyPr wrap="square" rtlCol="0">
+            <a:spAutoFit/>
+          </a:bodyPr>
+          <a:lstStyle/>
+          <a:p>
+            <a:r>
+              <a:rPr kumimoji="1" lang="en-US" altLang="zh-CN" sz="2000" b="1" dirty="0" smtClean="0"/>
+              <a:t>Content</a:t>
+            </a:r>
+            <a:endParaRPr kumimoji="1" lang="zh-CN" altLang="en-US" sz="2000" b="1" dirty="0"/>
+          </a:p>
+        </p:txBody>
+      </p:sp>
+      <p:sp>
+        <p:nvSpPr>
+          <p:cNvPr id="15" name="文本框 14"/>
+          <p:cNvSpPr txBox="1"/>
+          <p:nvPr/>
+        </p:nvSpPr>
+        <p:spPr>
+          <a:xfrm>
+            <a:off x="5705012" y="6148111"/>
+            <a:ext cx="1177123" cy="400110"/>
+          </a:xfrm>
+          <a:prstGeom prst="rect">
+            <a:avLst/>
+          </a:prstGeom>
+          <a:noFill/>
+        </p:spPr>
+        <p:txBody>
+          <a:bodyPr wrap="square" rtlCol="0">
+            <a:spAutoFit/>
+          </a:bodyPr>
+          <a:lstStyle/>
+          <a:p>
+            <a:r>
+              <a:rPr kumimoji="1" lang="en-US" altLang="zh-CN" sz="2000" b="1" dirty="0" smtClean="0"/>
+              <a:t>Style</a:t>
+            </a:r>
+            <a:endParaRPr kumimoji="1" lang="zh-CN" altLang="en-US" sz="2000" b="1" dirty="0"/>
+          </a:p>
+        </p:txBody>
+      </p:sp>
+      <p:cxnSp>
+        <p:nvCxnSpPr>
+          <p:cNvPr id="17" name="直线箭头连接符 16"/>
+          <p:cNvCxnSpPr/>
+          <p:nvPr/>
+        </p:nvCxnSpPr>
+        <p:spPr>
+          <a:xfrm flipV="1">
+            <a:off x="4940816" y="6387512"/>
+            <a:ext cx="674970" cy="5814"/>
+          </a:xfrm>
+          <a:prstGeom prst="straightConnector1">
+            <a:avLst/>
+          </a:prstGeom>
+          <a:ln>
+            <a:tailEnd type="arrow"/>
+          </a:ln>
+        </p:spPr>
+        <p:style>
+          <a:lnRef idx="2">
+            <a:schemeClr val="accent1"/>
+          </a:lnRef>
+          <a:fillRef idx="0">
+            <a:schemeClr val="accent1"/>
+          </a:fillRef>
+          <a:effectRef idx="1">
+            <a:schemeClr val="accent1"/>
+          </a:effectRef>
+          <a:fontRef idx="minor">
+            <a:schemeClr val="tx1"/>
+          </a:fontRef>
+        </p:style>
+      </p:cxnSp>
+      <p:cxnSp>
+        <p:nvCxnSpPr>
+          <p:cNvPr id="19" name="直线箭头连接符 18"/>
+          <p:cNvCxnSpPr/>
+          <p:nvPr/>
+        </p:nvCxnSpPr>
+        <p:spPr>
+          <a:xfrm flipH="1">
+            <a:off x="3178842" y="6387512"/>
+            <a:ext cx="810659" cy="0"/>
+          </a:xfrm>
+          <a:prstGeom prst="straightConnector1">
+            <a:avLst/>
+          </a:prstGeom>
+          <a:ln>
+            <a:tailEnd type="arrow"/>
+          </a:ln>
+        </p:spPr>
+        <p:style>
+          <a:lnRef idx="2">
+            <a:schemeClr val="accent1"/>
+          </a:lnRef>
+          <a:fillRef idx="0">
+            <a:schemeClr val="accent1"/>
+          </a:fillRef>
+          <a:effectRef idx="1">
+            <a:schemeClr val="accent1"/>
+          </a:effectRef>
+          <a:fontRef idx="minor">
+            <a:schemeClr val="tx1"/>
+          </a:fontRef>
+        </p:style>
+      </p:cxnSp>
+      <p:sp>
+        <p:nvSpPr>
+          <p:cNvPr id="21" name="文本框 20"/>
+          <p:cNvSpPr txBox="1"/>
+          <p:nvPr/>
+        </p:nvSpPr>
+        <p:spPr>
+          <a:xfrm>
+            <a:off x="4212862" y="6170724"/>
+            <a:ext cx="1177123" cy="400110"/>
+          </a:xfrm>
+          <a:prstGeom prst="rect">
+            <a:avLst/>
+          </a:prstGeom>
+          <a:noFill/>
+        </p:spPr>
+        <p:txBody>
+          <a:bodyPr wrap="square" rtlCol="0">
+            <a:spAutoFit/>
+          </a:bodyPr>
+          <a:lstStyle/>
+          <a:p>
+            <a:r>
+              <a:rPr kumimoji="1" lang="en-US" altLang="zh-CN" sz="2000" b="1" dirty="0" smtClean="0"/>
+              <a:t>CNN</a:t>
+            </a:r>
+            <a:endParaRPr kumimoji="1" lang="zh-CN" altLang="en-US" sz="2000" b="1" dirty="0"/>
+          </a:p>
+        </p:txBody>
+      </p:sp>
+      <p:sp>
+        <p:nvSpPr>
+          <p:cNvPr id="22" name="文本框 21"/>
+          <p:cNvSpPr txBox="1"/>
+          <p:nvPr/>
+        </p:nvSpPr>
+        <p:spPr>
+          <a:xfrm>
+            <a:off x="2075456" y="1831443"/>
+            <a:ext cx="2090942" cy="276999"/>
+          </a:xfrm>
+          <a:prstGeom prst="rect">
+            <a:avLst/>
+          </a:prstGeom>
+          <a:noFill/>
+        </p:spPr>
+        <p:txBody>
+          <a:bodyPr wrap="square" rtlCol="0">
+            <a:spAutoFit/>
+          </a:bodyPr>
+          <a:lstStyle/>
+          <a:p>
+            <a:r>
+              <a:rPr kumimoji="1" lang="en-US" altLang="zh-CN" sz="1200" dirty="0" smtClean="0"/>
+              <a:t>Raymond Wong</a:t>
+            </a:r>
+            <a:endParaRPr kumimoji="1" lang="zh-CN" altLang="en-US" sz="1200" dirty="0"/>
+          </a:p>
+        </p:txBody>
+      </p:sp>
+      <p:sp>
+        <p:nvSpPr>
+          <p:cNvPr id="24" name="文本框 23"/>
+          <p:cNvSpPr txBox="1"/>
+          <p:nvPr/>
+        </p:nvSpPr>
+        <p:spPr>
+          <a:xfrm>
+            <a:off x="5456322" y="1832622"/>
+            <a:ext cx="2090942" cy="276999"/>
+          </a:xfrm>
+          <a:prstGeom prst="rect">
+            <a:avLst/>
+          </a:prstGeom>
+          <a:noFill/>
+        </p:spPr>
+        <p:txBody>
+          <a:bodyPr wrap="square" rtlCol="0">
+            <a:spAutoFit/>
+          </a:bodyPr>
+          <a:lstStyle/>
+          <a:p>
+            <a:r>
+              <a:rPr kumimoji="1" lang="en-US" altLang="zh-CN" sz="1200" dirty="0" err="1" smtClean="0"/>
+              <a:t>Snedecor</a:t>
+            </a:r>
+            <a:r>
+              <a:rPr kumimoji="1" lang="en-US" altLang="zh-CN" sz="1200" dirty="0" smtClean="0"/>
+              <a:t> Hall</a:t>
+            </a:r>
+            <a:endParaRPr kumimoji="1" lang="zh-CN" altLang="en-US" sz="1200" dirty="0"/>
+          </a:p>
+        </p:txBody>
+      </p:sp>
+    </p:spTree>
+    <p:extLst>
+      <p:ext uri="{BB962C8B-B14F-4D97-AF65-F5344CB8AC3E}">
+        <p14:creationId xmlns:p14="http://schemas.microsoft.com/office/powerpoint/2010/main" val="1333123205"/>
+      </p:ext>
+    </p:extLst>
+  </p:cSld>
+  <p:clrMapOvr>
+    <a:masterClrMapping/>
+  </p:clrMapOvr>
+  <p:timing>
+    <p:tnLst>
+      <p:par>
+        <p:cTn xmlns:p14="http://schemas.microsoft.com/office/powerpoint/2010/main" id="1" dur="indefinite" restart="never" nodeType="tmRoot"/>
+      </p:par>
+    </p:tnLst>
+  </p:timing>
+</p:sld>
+</file>
+
+<file path=ppt/slides/slide22.xml><?xml version="1.0" encoding="utf-8"?>
+<p:sld xmlns:a="http://schemas.openxmlformats.org/drawingml/2006/main" xmlns:r="http://schemas.openxmlformats.org/officeDocument/2006/relationships" xmlns:p="http://schemas.openxmlformats.org/presentationml/2006/main">
+  <p:cSld>
+    <p:spTree>
+      <p:nvGrpSpPr>
+        <p:cNvPr id="1" name=""/>
+        <p:cNvGrpSpPr/>
+        <p:nvPr/>
+      </p:nvGrpSpPr>
+      <p:grpSpPr>
+        <a:xfrm>
+          <a:off x="0" y="0"/>
+          <a:ext cx="0" cy="0"/>
+          <a:chOff x="0" y="0"/>
+          <a:chExt cx="0" cy="0"/>
+        </a:xfrm>
+      </p:grpSpPr>
+      <p:sp>
+        <p:nvSpPr>
+          <p:cNvPr id="2" name="标题 1"/>
+          <p:cNvSpPr>
+            <a:spLocks noGrp="1"/>
+          </p:cNvSpPr>
+          <p:nvPr>
+            <p:ph type="ctrTitle"/>
+          </p:nvPr>
+        </p:nvSpPr>
+        <p:spPr>
+          <a:xfrm>
+            <a:off x="578852" y="352425"/>
+            <a:ext cx="7772400" cy="783891"/>
+          </a:xfrm>
+        </p:spPr>
+        <p:txBody>
+          <a:bodyPr/>
+          <a:lstStyle/>
+          <a:p>
+            <a:r>
+              <a:rPr kumimoji="1" lang="en-US" altLang="zh-CN" dirty="0" smtClean="0"/>
+              <a:t>CNN</a:t>
+            </a:r>
+            <a:endParaRPr kumimoji="1" lang="zh-CN" altLang="en-US" dirty="0"/>
+          </a:p>
+        </p:txBody>
+      </p:sp>
+      <p:sp>
+        <p:nvSpPr>
+          <p:cNvPr id="3" name="副标题 2"/>
+          <p:cNvSpPr>
+            <a:spLocks noGrp="1"/>
+          </p:cNvSpPr>
+          <p:nvPr>
+            <p:ph type="subTitle" idx="1"/>
+          </p:nvPr>
+        </p:nvSpPr>
+        <p:spPr>
+          <a:xfrm>
+            <a:off x="1002632" y="1376947"/>
+            <a:ext cx="6871367" cy="4826000"/>
+          </a:xfrm>
+        </p:spPr>
+        <p:txBody>
+          <a:bodyPr>
+            <a:normAutofit/>
+          </a:bodyPr>
+          <a:lstStyle/>
+          <a:p>
+            <a:pPr algn="l"/>
+            <a:r>
+              <a:rPr kumimoji="1" lang="en-US" altLang="zh-CN" sz="2000" dirty="0" smtClean="0">
+                <a:solidFill>
+                  <a:srgbClr val="000000"/>
+                </a:solidFill>
+              </a:rPr>
+              <a:t>Style Transfer, A.K.A. Deep Style</a:t>
+            </a:r>
+            <a:endParaRPr kumimoji="1" lang="zh-CN" altLang="en-US" sz="2000" dirty="0">
+              <a:solidFill>
+                <a:srgbClr val="000000"/>
+              </a:solidFill>
+            </a:endParaRPr>
+          </a:p>
+        </p:txBody>
+      </p:sp>
+      <p:pic>
+        <p:nvPicPr>
+          <p:cNvPr id="4" name="图片 3" descr="combine.jpg"/>
+          <p:cNvPicPr>
+            <a:picLocks noChangeAspect="1"/>
+          </p:cNvPicPr>
+          <p:nvPr/>
+        </p:nvPicPr>
+        <p:blipFill>
+          <a:blip r:embed="rId2">
+            <a:extLst>
+              <a:ext uri="{28A0092B-C50C-407E-A947-70E740481C1C}">
+                <a14:useLocalDpi xmlns:a14="http://schemas.microsoft.com/office/drawing/2010/main" val="0"/>
+              </a:ext>
+            </a:extLst>
+          </a:blip>
+          <a:stretch>
+            <a:fillRect/>
+          </a:stretch>
+        </p:blipFill>
+        <p:spPr>
+          <a:xfrm>
+            <a:off x="1111048" y="1927398"/>
+            <a:ext cx="3595473" cy="4791196"/>
+          </a:xfrm>
+          <a:prstGeom prst="rect">
+            <a:avLst/>
+          </a:prstGeom>
+        </p:spPr>
+      </p:pic>
+    </p:spTree>
+    <p:extLst>
+      <p:ext uri="{BB962C8B-B14F-4D97-AF65-F5344CB8AC3E}">
+        <p14:creationId xmlns:p14="http://schemas.microsoft.com/office/powerpoint/2010/main" val="426515135"/>
+      </p:ext>
+    </p:extLst>
+  </p:cSld>
+  <p:clrMapOvr>
+    <a:masterClrMapping/>
+  </p:clrMapOvr>
+  <p:timing>
+    <p:tnLst>
+      <p:par>
+        <p:cTn xmlns:p14="http://schemas.microsoft.com/office/powerpoint/2010/main" id="1" dur="indefinite" restart="never" nodeType="tmRoot"/>
+      </p:par>
+    </p:tnLst>
+  </p:timing>
+</p:sld>
+</file>
+
+<file path=ppt/slides/slide23.xml><?xml version="1.0" encoding="utf-8"?>
+<p:sld xmlns:a="http://schemas.openxmlformats.org/drawingml/2006/main" xmlns:r="http://schemas.openxmlformats.org/officeDocument/2006/relationships" xmlns:p="http://schemas.openxmlformats.org/presentationml/2006/main">
+  <p:cSld>
+    <p:spTree>
+      <p:nvGrpSpPr>
+        <p:cNvPr id="1" name=""/>
+        <p:cNvGrpSpPr/>
+        <p:nvPr/>
+      </p:nvGrpSpPr>
+      <p:grpSpPr>
+        <a:xfrm>
+          <a:off x="0" y="0"/>
+          <a:ext cx="0" cy="0"/>
+          <a:chOff x="0" y="0"/>
+          <a:chExt cx="0" cy="0"/>
+        </a:xfrm>
+      </p:grpSpPr>
+      <p:sp>
+        <p:nvSpPr>
+          <p:cNvPr id="2" name="标题 1"/>
+          <p:cNvSpPr>
+            <a:spLocks noGrp="1"/>
+          </p:cNvSpPr>
+          <p:nvPr>
+            <p:ph type="ctrTitle"/>
+          </p:nvPr>
+        </p:nvSpPr>
+        <p:spPr>
+          <a:xfrm>
+            <a:off x="578852" y="352425"/>
+            <a:ext cx="7772400" cy="783891"/>
+          </a:xfrm>
+        </p:spPr>
+        <p:txBody>
+          <a:bodyPr/>
+          <a:lstStyle/>
+          <a:p>
+            <a:r>
+              <a:rPr kumimoji="1" lang="en-US" altLang="zh-CN" dirty="0" smtClean="0"/>
+              <a:t>CNN</a:t>
+            </a:r>
+            <a:endParaRPr kumimoji="1" lang="zh-CN" altLang="en-US" dirty="0"/>
+          </a:p>
+        </p:txBody>
+      </p:sp>
+      <p:sp>
+        <p:nvSpPr>
+          <p:cNvPr id="3" name="副标题 2"/>
+          <p:cNvSpPr>
+            <a:spLocks noGrp="1"/>
+          </p:cNvSpPr>
+          <p:nvPr>
+            <p:ph type="subTitle" idx="1"/>
+          </p:nvPr>
+        </p:nvSpPr>
+        <p:spPr>
+          <a:xfrm>
+            <a:off x="1002632" y="1376947"/>
+            <a:ext cx="6871367" cy="4826000"/>
+          </a:xfrm>
+        </p:spPr>
+        <p:txBody>
+          <a:bodyPr>
+            <a:normAutofit/>
+          </a:bodyPr>
+          <a:lstStyle/>
+          <a:p>
+            <a:pPr algn="l"/>
+            <a:r>
+              <a:rPr kumimoji="1" lang="en-US" altLang="zh-CN" sz="2000" dirty="0" smtClean="0">
+                <a:solidFill>
+                  <a:srgbClr val="000000"/>
+                </a:solidFill>
+              </a:rPr>
+              <a:t>Style Transfer, A.K.A. Deep Style</a:t>
+            </a:r>
+            <a:endParaRPr kumimoji="1" lang="zh-CN" altLang="en-US" sz="2000" dirty="0">
+              <a:solidFill>
+                <a:srgbClr val="000000"/>
+              </a:solidFill>
+            </a:endParaRPr>
+          </a:p>
+        </p:txBody>
+      </p:sp>
+      <p:pic>
+        <p:nvPicPr>
+          <p:cNvPr id="4" name="图片 3" descr="combine.jpg"/>
+          <p:cNvPicPr>
+            <a:picLocks noChangeAspect="1"/>
+          </p:cNvPicPr>
+          <p:nvPr/>
+        </p:nvPicPr>
+        <p:blipFill>
+          <a:blip r:embed="rId2">
+            <a:extLst>
+              <a:ext uri="{28A0092B-C50C-407E-A947-70E740481C1C}">
+                <a14:useLocalDpi xmlns:a14="http://schemas.microsoft.com/office/drawing/2010/main" val="0"/>
+              </a:ext>
+            </a:extLst>
+          </a:blip>
+          <a:stretch>
+            <a:fillRect/>
+          </a:stretch>
+        </p:blipFill>
+        <p:spPr>
+          <a:xfrm>
+            <a:off x="1111048" y="1927398"/>
+            <a:ext cx="3595473" cy="4791196"/>
+          </a:xfrm>
+          <a:prstGeom prst="rect">
+            <a:avLst/>
+          </a:prstGeom>
+        </p:spPr>
+      </p:pic>
+      <p:sp>
+        <p:nvSpPr>
+          <p:cNvPr id="5" name="文本框 4"/>
+          <p:cNvSpPr txBox="1"/>
+          <p:nvPr/>
+        </p:nvSpPr>
+        <p:spPr>
+          <a:xfrm>
+            <a:off x="5173146" y="2788120"/>
+            <a:ext cx="3178106" cy="2554545"/>
+          </a:xfrm>
+          <a:prstGeom prst="rect">
+            <a:avLst/>
+          </a:prstGeom>
+          <a:noFill/>
+        </p:spPr>
+        <p:txBody>
+          <a:bodyPr wrap="square" rtlCol="0">
+            <a:spAutoFit/>
+          </a:bodyPr>
+          <a:lstStyle/>
+          <a:p>
+            <a:pPr algn="ctr"/>
+            <a:r>
+              <a:rPr kumimoji="1" lang="en-US" altLang="zh-CN" sz="3200" b="1" dirty="0" smtClean="0">
+                <a:solidFill>
+                  <a:schemeClr val="accent6">
+                    <a:lumMod val="75000"/>
+                  </a:schemeClr>
+                </a:solidFill>
+              </a:rPr>
+              <a:t>Thank you!</a:t>
+            </a:r>
+          </a:p>
+          <a:p>
+            <a:pPr algn="ctr"/>
+            <a:endParaRPr kumimoji="1" lang="en-US" altLang="zh-CN" sz="3200" b="1" dirty="0" smtClean="0">
+              <a:solidFill>
+                <a:schemeClr val="accent6">
+                  <a:lumMod val="75000"/>
+                </a:schemeClr>
+              </a:solidFill>
+            </a:endParaRPr>
+          </a:p>
+          <a:p>
+            <a:pPr algn="ctr"/>
+            <a:endParaRPr kumimoji="1" lang="en-US" altLang="zh-CN" sz="3200" b="1" dirty="0" smtClean="0">
+              <a:solidFill>
+                <a:schemeClr val="accent6">
+                  <a:lumMod val="75000"/>
+                </a:schemeClr>
+              </a:solidFill>
+            </a:endParaRPr>
+          </a:p>
+          <a:p>
+            <a:pPr algn="ctr"/>
+            <a:r>
+              <a:rPr kumimoji="1" lang="en-US" altLang="zh-CN" sz="3200" b="1" dirty="0" smtClean="0">
+                <a:solidFill>
+                  <a:schemeClr val="accent6">
+                    <a:lumMod val="75000"/>
+                  </a:schemeClr>
+                </a:solidFill>
+              </a:rPr>
+              <a:t>Good luck with your finals!</a:t>
+            </a:r>
+            <a:endParaRPr kumimoji="1" lang="zh-CN" altLang="en-US" sz="3200" b="1" dirty="0">
+              <a:solidFill>
+                <a:schemeClr val="accent6">
+                  <a:lumMod val="75000"/>
+                </a:schemeClr>
+              </a:solidFill>
+            </a:endParaRPr>
+          </a:p>
+        </p:txBody>
+      </p:sp>
+    </p:spTree>
+    <p:extLst>
+      <p:ext uri="{BB962C8B-B14F-4D97-AF65-F5344CB8AC3E}">
+        <p14:creationId xmlns:p14="http://schemas.microsoft.com/office/powerpoint/2010/main" val="1396873533"/>
+      </p:ext>
+    </p:extLst>
+  </p:cSld>
+  <p:clrMapOvr>
+    <a:masterClrMapping/>
+  </p:clrMapOvr>
+  <p:timing>
+    <p:tnLst>
+      <p:par>
+        <p:cTn xmlns:p14="http://schemas.microsoft.com/office/powerpoint/2010/main" id="1" dur="indefinite" restart="never" nodeType="tmRoot"/>
+      </p:par>
+    </p:tnLst>
+  </p:timing>
 </p:sld>
 </file>
 
@@ -35411,7 +43313,7 @@
           </a:prstGeom>
           <a:ln>
             <a:solidFill>
-              <a:srgbClr val="FF0000"/>
+              <a:srgbClr val="3366FF"/>
             </a:solidFill>
             <a:tailEnd type="arrow"/>
           </a:ln>
@@ -36491,6 +44393,9 @@
             <a:avLst/>
           </a:prstGeom>
           <a:ln>
+            <a:solidFill>
+              <a:srgbClr val="FF0000"/>
+            </a:solidFill>
             <a:tailEnd type="arrow"/>
           </a:ln>
         </p:spPr>
@@ -36564,6 +44469,9 @@
             <a:avLst/>
           </a:prstGeom>
           <a:ln>
+            <a:solidFill>
+              <a:srgbClr val="3366FF"/>
+            </a:solidFill>
             <a:tailEnd type="arrow"/>
           </a:ln>
         </p:spPr>
@@ -36920,4 +44828,324 @@
   </a:objectDefaults>
   <a:extraClrSchemeLst/>
 </a:theme>
+</file>
+
+<file path=ppt/theme/theme2.xml><?xml version="1.0" encoding="utf-8"?>
+<a:theme xmlns:a="http://schemas.openxmlformats.org/drawingml/2006/main" name="Office 主题">
+  <a:themeElements>
+    <a:clrScheme name="办公室">
+      <a:dk1>
+        <a:sysClr val="windowText" lastClr="000000"/>
+      </a:dk1>
+      <a:lt1>
+        <a:sysClr val="window" lastClr="FFFFFF"/>
+      </a:lt1>
+      <a:dk2>
+        <a:srgbClr val="1F497D"/>
+      </a:dk2>
+      <a:lt2>
+        <a:srgbClr val="EEECE1"/>
+      </a:lt2>
+      <a:accent1>
+        <a:srgbClr val="4F81BD"/>
+      </a:accent1>
+      <a:accent2>
+        <a:srgbClr val="C0504D"/>
+      </a:accent2>
+      <a:accent3>
+        <a:srgbClr val="9BBB59"/>
+      </a:accent3>
+      <a:accent4>
+        <a:srgbClr val="8064A2"/>
+      </a:accent4>
+      <a:accent5>
+        <a:srgbClr val="4BACC6"/>
+      </a:accent5>
+      <a:accent6>
+        <a:srgbClr val="F79646"/>
+      </a:accent6>
+      <a:hlink>
+        <a:srgbClr val="0000FF"/>
+      </a:hlink>
+      <a:folHlink>
+        <a:srgbClr val="800080"/>
+      </a:folHlink>
+    </a:clrScheme>
+    <a:fontScheme name="办公室">
+      <a:majorFont>
+        <a:latin typeface="Calibri"/>
+        <a:ea typeface=""/>
+        <a:cs typeface=""/>
+        <a:font script="Jpan" typeface="ＭＳ Ｐゴシック"/>
+        <a:font script="Hang" typeface="맑은 고딕"/>
+        <a:font script="Hans" typeface="宋体"/>
+        <a:font script="Hant" typeface="新細明體"/>
+        <a:font script="Arab" typeface="Times New Roman"/>
+        <a:font script="Hebr" typeface="Times New Roman"/>
+        <a:font script="Thai" typeface="Angsana New"/>
+        <a:font script="Ethi" typeface="Nyala"/>
+        <a:font script="Beng" typeface="Vrinda"/>
+        <a:font script="Gujr" typeface="Shruti"/>
+        <a:font script="Khmr" typeface="MoolBoran"/>
+        <a:font script="Knda" typeface="Tunga"/>
+        <a:font script="Guru" typeface="Raavi"/>
+        <a:font script="Cans" typeface="Euphemia"/>
+        <a:font script="Cher" typeface="Plantagenet Cherokee"/>
+        <a:font script="Yiii" typeface="Microsoft Yi Baiti"/>
+        <a:font script="Tibt" typeface="Microsoft Himalaya"/>
+        <a:font script="Thaa" typeface="MV Boli"/>
+        <a:font script="Deva" typeface="Mangal"/>
+        <a:font script="Telu" typeface="Gautami"/>
+        <a:font script="Taml" typeface="Latha"/>
+        <a:font script="Syrc" typeface="Estrangelo Edessa"/>
+        <a:font script="Orya" typeface="Kalinga"/>
+        <a:font script="Mlym" typeface="Kartika"/>
+        <a:font script="Laoo" typeface="DokChampa"/>
+        <a:font script="Sinh" typeface="Iskoola Pota"/>
+        <a:font script="Mong" typeface="Mongolian Baiti"/>
+        <a:font script="Viet" typeface="Times New Roman"/>
+        <a:font script="Uigh" typeface="Microsoft Uighur"/>
+        <a:font script="Geor" typeface="Sylfaen"/>
+      </a:majorFont>
+      <a:minorFont>
+        <a:latin typeface="Calibri"/>
+        <a:ea typeface=""/>
+        <a:cs typeface=""/>
+        <a:font script="Jpan" typeface="ＭＳ Ｐゴシック"/>
+        <a:font script="Hang" typeface="맑은 고딕"/>
+        <a:font script="Hans" typeface="宋体"/>
+        <a:font script="Hant" typeface="新細明體"/>
+        <a:font script="Arab" typeface="Arial"/>
+        <a:font script="Hebr" typeface="Arial"/>
+        <a:font script="Thai" typeface="Cordia New"/>
+        <a:font script="Ethi" typeface="Nyala"/>
+        <a:font script="Beng" typeface="Vrinda"/>
+        <a:font script="Gujr" typeface="Shruti"/>
+        <a:font script="Khmr" typeface="DaunPenh"/>
+        <a:font script="Knda" typeface="Tunga"/>
+        <a:font script="Guru" typeface="Raavi"/>
+        <a:font script="Cans" typeface="Euphemia"/>
+        <a:font script="Cher" typeface="Plantagenet Cherokee"/>
+        <a:font script="Yiii" typeface="Microsoft Yi Baiti"/>
+        <a:font script="Tibt" typeface="Microsoft Himalaya"/>
+        <a:font script="Thaa" typeface="MV Boli"/>
+        <a:font script="Deva" typeface="Mangal"/>
+        <a:font script="Telu" typeface="Gautami"/>
+        <a:font script="Taml" typeface="Latha"/>
+        <a:font script="Syrc" typeface="Estrangelo Edessa"/>
+        <a:font script="Orya" typeface="Kalinga"/>
+        <a:font script="Mlym" typeface="Kartika"/>
+        <a:font script="Laoo" typeface="DokChampa"/>
+        <a:font script="Sinh" typeface="Iskoola Pota"/>
+        <a:font script="Mong" typeface="Mongolian Baiti"/>
+        <a:font script="Viet" typeface="Arial"/>
+        <a:font script="Uigh" typeface="Microsoft Uighur"/>
+        <a:font script="Geor" typeface="Sylfaen"/>
+      </a:minorFont>
+    </a:fontScheme>
+    <a:fmtScheme name="办公室">
+      <a:fillStyleLst>
+        <a:solidFill>
+          <a:schemeClr val="phClr"/>
+        </a:solidFill>
+        <a:gradFill rotWithShape="1">
+          <a:gsLst>
+            <a:gs pos="0">
+              <a:schemeClr val="phClr">
+                <a:tint val="50000"/>
+                <a:satMod val="300000"/>
+              </a:schemeClr>
+            </a:gs>
+            <a:gs pos="35000">
+              <a:schemeClr val="phClr">
+                <a:tint val="37000"/>
+                <a:satMod val="300000"/>
+              </a:schemeClr>
+            </a:gs>
+            <a:gs pos="100000">
+              <a:schemeClr val="phClr">
+                <a:tint val="15000"/>
+                <a:satMod val="350000"/>
+              </a:schemeClr>
+            </a:gs>
+          </a:gsLst>
+          <a:lin ang="16200000" scaled="1"/>
+        </a:gradFill>
+        <a:gradFill rotWithShape="1">
+          <a:gsLst>
+            <a:gs pos="0">
+              <a:schemeClr val="phClr">
+                <a:tint val="100000"/>
+                <a:shade val="100000"/>
+                <a:satMod val="130000"/>
+              </a:schemeClr>
+            </a:gs>
+            <a:gs pos="100000">
+              <a:schemeClr val="phClr">
+                <a:tint val="50000"/>
+                <a:shade val="100000"/>
+                <a:satMod val="350000"/>
+              </a:schemeClr>
+            </a:gs>
+          </a:gsLst>
+          <a:lin ang="16200000" scaled="0"/>
+        </a:gradFill>
+      </a:fillStyleLst>
+      <a:lnStyleLst>
+        <a:ln w="9525" cap="flat" cmpd="sng" algn="ctr">
+          <a:solidFill>
+            <a:schemeClr val="phClr">
+              <a:shade val="95000"/>
+              <a:satMod val="105000"/>
+            </a:schemeClr>
+          </a:solidFill>
+          <a:prstDash val="solid"/>
+        </a:ln>
+        <a:ln w="25400" cap="flat" cmpd="sng" algn="ctr">
+          <a:solidFill>
+            <a:schemeClr val="phClr"/>
+          </a:solidFill>
+          <a:prstDash val="solid"/>
+        </a:ln>
+        <a:ln w="38100" cap="flat" cmpd="sng" algn="ctr">
+          <a:solidFill>
+            <a:schemeClr val="phClr"/>
+          </a:solidFill>
+          <a:prstDash val="solid"/>
+        </a:ln>
+      </a:lnStyleLst>
+      <a:effectStyleLst>
+        <a:effectStyle>
+          <a:effectLst>
+            <a:outerShdw blurRad="40000" dist="20000" dir="5400000" rotWithShape="0">
+              <a:srgbClr val="000000">
+                <a:alpha val="38000"/>
+              </a:srgbClr>
+            </a:outerShdw>
+          </a:effectLst>
+        </a:effectStyle>
+        <a:effectStyle>
+          <a:effectLst>
+            <a:outerShdw blurRad="40000" dist="23000" dir="5400000" rotWithShape="0">
+              <a:srgbClr val="000000">
+                <a:alpha val="35000"/>
+              </a:srgbClr>
+            </a:outerShdw>
+          </a:effectLst>
+        </a:effectStyle>
+        <a:effectStyle>
+          <a:effectLst>
+            <a:outerShdw blurRad="40000" dist="23000" dir="5400000" rotWithShape="0">
+              <a:srgbClr val="000000">
+                <a:alpha val="35000"/>
+              </a:srgbClr>
+            </a:outerShdw>
+          </a:effectLst>
+          <a:scene3d>
+            <a:camera prst="orthographicFront">
+              <a:rot lat="0" lon="0" rev="0"/>
+            </a:camera>
+            <a:lightRig rig="threePt" dir="t">
+              <a:rot lat="0" lon="0" rev="1200000"/>
+            </a:lightRig>
+          </a:scene3d>
+          <a:sp3d>
+            <a:bevelT w="63500" h="25400"/>
+          </a:sp3d>
+        </a:effectStyle>
+      </a:effectStyleLst>
+      <a:bgFillStyleLst>
+        <a:solidFill>
+          <a:schemeClr val="phClr"/>
+        </a:solidFill>
+        <a:gradFill rotWithShape="1">
+          <a:gsLst>
+            <a:gs pos="0">
+              <a:schemeClr val="phClr">
+                <a:tint val="40000"/>
+                <a:satMod val="350000"/>
+              </a:schemeClr>
+            </a:gs>
+            <a:gs pos="40000">
+              <a:schemeClr val="phClr">
+                <a:tint val="45000"/>
+                <a:shade val="99000"/>
+                <a:satMod val="350000"/>
+              </a:schemeClr>
+            </a:gs>
+            <a:gs pos="100000">
+              <a:schemeClr val="phClr">
+                <a:shade val="20000"/>
+                <a:satMod val="255000"/>
+              </a:schemeClr>
+            </a:gs>
+          </a:gsLst>
+          <a:path path="circle">
+            <a:fillToRect l="50000" t="-80000" r="50000" b="180000"/>
+          </a:path>
+        </a:gradFill>
+        <a:gradFill rotWithShape="1">
+          <a:gsLst>
+            <a:gs pos="0">
+              <a:schemeClr val="phClr">
+                <a:tint val="80000"/>
+                <a:satMod val="300000"/>
+              </a:schemeClr>
+            </a:gs>
+            <a:gs pos="100000">
+              <a:schemeClr val="phClr">
+                <a:shade val="30000"/>
+                <a:satMod val="200000"/>
+              </a:schemeClr>
+            </a:gs>
+          </a:gsLst>
+          <a:path path="circle">
+            <a:fillToRect l="50000" t="50000" r="50000" b="50000"/>
+          </a:path>
+        </a:gradFill>
+      </a:bgFillStyleLst>
+    </a:fmtScheme>
+  </a:themeElements>
+  <a:objectDefaults>
+    <a:spDef>
+      <a:spPr/>
+      <a:bodyPr/>
+      <a:lstStyle/>
+      <a:style>
+        <a:lnRef idx="1">
+          <a:schemeClr val="accent1"/>
+        </a:lnRef>
+        <a:fillRef idx="3">
+          <a:schemeClr val="accent1"/>
+        </a:fillRef>
+        <a:effectRef idx="2">
+          <a:schemeClr val="accent1"/>
+        </a:effectRef>
+        <a:fontRef idx="minor">
+          <a:schemeClr val="lt1"/>
+        </a:fontRef>
+      </a:style>
+    </a:spDef>
+    <a:lnDef>
+      <a:spPr/>
+      <a:bodyPr/>
+      <a:lstStyle/>
+      <a:style>
+        <a:lnRef idx="2">
+          <a:schemeClr val="accent1"/>
+        </a:lnRef>
+        <a:fillRef idx="0">
+          <a:schemeClr val="accent1"/>
+        </a:fillRef>
+        <a:effectRef idx="1">
+          <a:schemeClr val="accent1"/>
+        </a:effectRef>
+        <a:fontRef idx="minor">
+          <a:schemeClr val="tx1"/>
+        </a:fontRef>
+      </a:style>
+    </a:lnDef>
+  </a:objectDefaults>
+  <a:extraClrSchemeLst/>
+</a:theme>
 </file>